--- a/Latihan 6.pptx
+++ b/Latihan 6.pptx
@@ -3529,7 +3529,7 @@
           </a:ln>
           <a:extLst>
             <a:ext uri="{C572A759-6A51-4108-AA02-DFA0A04FC94B}">
-              <ma14:wrappingTextBoxFlag xmlns="" xmlns:m="http://schemas.openxmlformats.org/officeDocument/2006/math" xmlns:a14="http://schemas.microsoft.com/office/drawing/2010/main" xmlns:ma14="http://schemas.microsoft.com/office/mac/drawingml/2011/main" val="1"/>
+              <ma14:wrappingTextBoxFlag xmlns:ma14="http://schemas.microsoft.com/office/mac/drawingml/2011/main" xmlns:a14="http://schemas.microsoft.com/office/drawing/2010/main" xmlns:m="http://schemas.openxmlformats.org/officeDocument/2006/math" xmlns="" val="1"/>
             </a:ext>
           </a:extLst>
         </p:spPr>
@@ -3568,7 +3568,7 @@
           </a:ln>
           <a:extLst>
             <a:ext uri="{C572A759-6A51-4108-AA02-DFA0A04FC94B}">
-              <ma14:wrappingTextBoxFlag xmlns="" xmlns:m="http://schemas.openxmlformats.org/officeDocument/2006/math" xmlns:a14="http://schemas.microsoft.com/office/drawing/2010/main" xmlns:ma14="http://schemas.microsoft.com/office/mac/drawingml/2011/main" val="1"/>
+              <ma14:wrappingTextBoxFlag xmlns:ma14="http://schemas.microsoft.com/office/mac/drawingml/2011/main" xmlns:a14="http://schemas.microsoft.com/office/drawing/2010/main" xmlns:m="http://schemas.openxmlformats.org/officeDocument/2006/math" xmlns="" val="1"/>
             </a:ext>
           </a:extLst>
         </p:spPr>
@@ -4409,7 +4409,7 @@
           </a:prstGeom>
           <a:extLst>
             <a:ext uri="{C572A759-6A51-4108-AA02-DFA0A04FC94B}">
-              <ma14:wrappingTextBoxFlag xmlns="" xmlns:m="http://schemas.openxmlformats.org/officeDocument/2006/math" xmlns:a14="http://schemas.microsoft.com/office/drawing/2010/main" xmlns:ma14="http://schemas.microsoft.com/office/mac/drawingml/2011/main" val="1"/>
+              <ma14:wrappingTextBoxFlag xmlns:ma14="http://schemas.microsoft.com/office/mac/drawingml/2011/main" xmlns:a14="http://schemas.microsoft.com/office/drawing/2010/main" xmlns:m="http://schemas.openxmlformats.org/officeDocument/2006/math" xmlns="" val="1"/>
             </a:ext>
           </a:extLst>
         </p:spPr>
@@ -4743,8 +4743,8 @@
           </a:p>
         </p:txBody>
       </p:sp>
-      <mc:AlternateContent xmlns:mc="http://schemas.openxmlformats.org/markup-compatibility/2006">
-        <mc:Choice xmlns:p14="http://schemas.microsoft.com/office/powerpoint/2010/main" Requires="p14">
+      <mc:AlternateContent xmlns:mc="http://schemas.openxmlformats.org/markup-compatibility/2006" xmlns:p14="http://schemas.microsoft.com/office/powerpoint/2010/main">
+        <mc:Choice Requires="p14">
           <p:contentPart p14:bwMode="auto" r:id="rId3">
             <p14:nvContentPartPr>
               <p14:cNvPr id="2" name="Ink 1">
@@ -4763,7 +4763,7 @@
             </p14:xfrm>
           </p:contentPart>
         </mc:Choice>
-        <mc:Fallback>
+        <mc:Fallback xmlns="">
           <p:pic>
             <p:nvPicPr>
               <p:cNvPr id="2" name="Ink 1">
@@ -4794,8 +4794,8 @@
           </p:pic>
         </mc:Fallback>
       </mc:AlternateContent>
-      <mc:AlternateContent xmlns:mc="http://schemas.openxmlformats.org/markup-compatibility/2006">
-        <mc:Choice xmlns:p14="http://schemas.microsoft.com/office/powerpoint/2010/main" Requires="p14">
+      <mc:AlternateContent xmlns:mc="http://schemas.openxmlformats.org/markup-compatibility/2006" xmlns:p14="http://schemas.microsoft.com/office/powerpoint/2010/main">
+        <mc:Choice Requires="p14">
           <p:contentPart p14:bwMode="auto" r:id="rId5">
             <p14:nvContentPartPr>
               <p14:cNvPr id="5" name="Ink 4">
@@ -4814,7 +4814,7 @@
             </p14:xfrm>
           </p:contentPart>
         </mc:Choice>
-        <mc:Fallback>
+        <mc:Fallback xmlns="">
           <p:pic>
             <p:nvPicPr>
               <p:cNvPr id="5" name="Ink 4">
@@ -4845,8 +4845,8 @@
           </p:pic>
         </mc:Fallback>
       </mc:AlternateContent>
-      <mc:AlternateContent xmlns:mc="http://schemas.openxmlformats.org/markup-compatibility/2006">
-        <mc:Choice xmlns:p14="http://schemas.microsoft.com/office/powerpoint/2010/main" Requires="p14">
+      <mc:AlternateContent xmlns:mc="http://schemas.openxmlformats.org/markup-compatibility/2006" xmlns:p14="http://schemas.microsoft.com/office/powerpoint/2010/main">
+        <mc:Choice Requires="p14">
           <p:contentPart p14:bwMode="auto" r:id="rId7">
             <p14:nvContentPartPr>
               <p14:cNvPr id="7" name="Ink 6">
@@ -4865,7 +4865,7 @@
             </p14:xfrm>
           </p:contentPart>
         </mc:Choice>
-        <mc:Fallback>
+        <mc:Fallback xmlns="">
           <p:pic>
             <p:nvPicPr>
               <p:cNvPr id="7" name="Ink 6">
@@ -4896,8 +4896,8 @@
           </p:pic>
         </mc:Fallback>
       </mc:AlternateContent>
-      <mc:AlternateContent xmlns:mc="http://schemas.openxmlformats.org/markup-compatibility/2006">
-        <mc:Choice xmlns:p14="http://schemas.microsoft.com/office/powerpoint/2010/main" Requires="p14">
+      <mc:AlternateContent xmlns:mc="http://schemas.openxmlformats.org/markup-compatibility/2006" xmlns:p14="http://schemas.microsoft.com/office/powerpoint/2010/main">
+        <mc:Choice Requires="p14">
           <p:contentPart p14:bwMode="auto" r:id="rId9">
             <p14:nvContentPartPr>
               <p14:cNvPr id="8" name="Ink 7">
@@ -4916,7 +4916,7 @@
             </p14:xfrm>
           </p:contentPart>
         </mc:Choice>
-        <mc:Fallback>
+        <mc:Fallback xmlns="">
           <p:pic>
             <p:nvPicPr>
               <p:cNvPr id="8" name="Ink 7">
@@ -4947,8 +4947,8 @@
           </p:pic>
         </mc:Fallback>
       </mc:AlternateContent>
-      <mc:AlternateContent xmlns:mc="http://schemas.openxmlformats.org/markup-compatibility/2006">
-        <mc:Choice xmlns:p14="http://schemas.microsoft.com/office/powerpoint/2010/main" Requires="p14">
+      <mc:AlternateContent xmlns:mc="http://schemas.openxmlformats.org/markup-compatibility/2006" xmlns:p14="http://schemas.microsoft.com/office/powerpoint/2010/main">
+        <mc:Choice Requires="p14">
           <p:contentPart p14:bwMode="auto" r:id="rId11">
             <p14:nvContentPartPr>
               <p14:cNvPr id="9" name="Ink 8">
@@ -4967,7 +4967,7 @@
             </p14:xfrm>
           </p:contentPart>
         </mc:Choice>
-        <mc:Fallback>
+        <mc:Fallback xmlns="">
           <p:pic>
             <p:nvPicPr>
               <p:cNvPr id="9" name="Ink 8">
@@ -4998,8 +4998,8 @@
           </p:pic>
         </mc:Fallback>
       </mc:AlternateContent>
-      <mc:AlternateContent xmlns:mc="http://schemas.openxmlformats.org/markup-compatibility/2006">
-        <mc:Choice xmlns:p14="http://schemas.microsoft.com/office/powerpoint/2010/main" Requires="p14">
+      <mc:AlternateContent xmlns:mc="http://schemas.openxmlformats.org/markup-compatibility/2006" xmlns:p14="http://schemas.microsoft.com/office/powerpoint/2010/main">
+        <mc:Choice Requires="p14">
           <p:contentPart p14:bwMode="auto" r:id="rId13">
             <p14:nvContentPartPr>
               <p14:cNvPr id="10" name="Ink 9">
@@ -5018,7 +5018,7 @@
             </p14:xfrm>
           </p:contentPart>
         </mc:Choice>
-        <mc:Fallback>
+        <mc:Fallback xmlns="">
           <p:pic>
             <p:nvPicPr>
               <p:cNvPr id="10" name="Ink 9">
@@ -5049,8 +5049,8 @@
           </p:pic>
         </mc:Fallback>
       </mc:AlternateContent>
-      <mc:AlternateContent xmlns:mc="http://schemas.openxmlformats.org/markup-compatibility/2006">
-        <mc:Choice xmlns:p14="http://schemas.microsoft.com/office/powerpoint/2010/main" Requires="p14">
+      <mc:AlternateContent xmlns:mc="http://schemas.openxmlformats.org/markup-compatibility/2006" xmlns:p14="http://schemas.microsoft.com/office/powerpoint/2010/main">
+        <mc:Choice Requires="p14">
           <p:contentPart p14:bwMode="auto" r:id="rId15">
             <p14:nvContentPartPr>
               <p14:cNvPr id="11" name="Ink 10">
@@ -5069,7 +5069,7 @@
             </p14:xfrm>
           </p:contentPart>
         </mc:Choice>
-        <mc:Fallback>
+        <mc:Fallback xmlns="">
           <p:pic>
             <p:nvPicPr>
               <p:cNvPr id="11" name="Ink 10">
@@ -5100,8 +5100,8 @@
           </p:pic>
         </mc:Fallback>
       </mc:AlternateContent>
-      <mc:AlternateContent xmlns:mc="http://schemas.openxmlformats.org/markup-compatibility/2006">
-        <mc:Choice xmlns:p14="http://schemas.microsoft.com/office/powerpoint/2010/main" Requires="p14">
+      <mc:AlternateContent xmlns:mc="http://schemas.openxmlformats.org/markup-compatibility/2006" xmlns:p14="http://schemas.microsoft.com/office/powerpoint/2010/main">
+        <mc:Choice Requires="p14">
           <p:contentPart p14:bwMode="auto" r:id="rId17">
             <p14:nvContentPartPr>
               <p14:cNvPr id="12" name="Ink 11">
@@ -5120,7 +5120,7 @@
             </p14:xfrm>
           </p:contentPart>
         </mc:Choice>
-        <mc:Fallback>
+        <mc:Fallback xmlns="">
           <p:pic>
             <p:nvPicPr>
               <p:cNvPr id="12" name="Ink 11">
@@ -5498,8 +5498,8 @@
           </a:p>
         </p:txBody>
       </p:sp>
-      <mc:AlternateContent xmlns:mc="http://schemas.openxmlformats.org/markup-compatibility/2006">
-        <mc:Choice xmlns:p14="http://schemas.microsoft.com/office/powerpoint/2010/main" Requires="p14">
+      <mc:AlternateContent xmlns:mc="http://schemas.openxmlformats.org/markup-compatibility/2006" xmlns:p14="http://schemas.microsoft.com/office/powerpoint/2010/main">
+        <mc:Choice Requires="p14">
           <p:contentPart p14:bwMode="auto" r:id="rId3">
             <p14:nvContentPartPr>
               <p14:cNvPr id="13" name="Ink 12">
@@ -5518,7 +5518,7 @@
             </p14:xfrm>
           </p:contentPart>
         </mc:Choice>
-        <mc:Fallback>
+        <mc:Fallback xmlns="">
           <p:pic>
             <p:nvPicPr>
               <p:cNvPr id="13" name="Ink 12">
@@ -5549,8 +5549,8 @@
           </p:pic>
         </mc:Fallback>
       </mc:AlternateContent>
-      <mc:AlternateContent xmlns:mc="http://schemas.openxmlformats.org/markup-compatibility/2006">
-        <mc:Choice xmlns:p14="http://schemas.microsoft.com/office/powerpoint/2010/main" Requires="p14">
+      <mc:AlternateContent xmlns:mc="http://schemas.openxmlformats.org/markup-compatibility/2006" xmlns:p14="http://schemas.microsoft.com/office/powerpoint/2010/main">
+        <mc:Choice Requires="p14">
           <p:contentPart p14:bwMode="auto" r:id="rId5">
             <p14:nvContentPartPr>
               <p14:cNvPr id="14" name="Ink 13">
@@ -5569,7 +5569,7 @@
             </p14:xfrm>
           </p:contentPart>
         </mc:Choice>
-        <mc:Fallback>
+        <mc:Fallback xmlns="">
           <p:pic>
             <p:nvPicPr>
               <p:cNvPr id="14" name="Ink 13">
@@ -5600,8 +5600,8 @@
           </p:pic>
         </mc:Fallback>
       </mc:AlternateContent>
-      <mc:AlternateContent xmlns:mc="http://schemas.openxmlformats.org/markup-compatibility/2006">
-        <mc:Choice xmlns:p14="http://schemas.microsoft.com/office/powerpoint/2010/main" Requires="p14">
+      <mc:AlternateContent xmlns:mc="http://schemas.openxmlformats.org/markup-compatibility/2006" xmlns:p14="http://schemas.microsoft.com/office/powerpoint/2010/main">
+        <mc:Choice Requires="p14">
           <p:contentPart p14:bwMode="auto" r:id="rId7">
             <p14:nvContentPartPr>
               <p14:cNvPr id="15" name="Ink 14">
@@ -5620,7 +5620,7 @@
             </p14:xfrm>
           </p:contentPart>
         </mc:Choice>
-        <mc:Fallback>
+        <mc:Fallback xmlns="">
           <p:pic>
             <p:nvPicPr>
               <p:cNvPr id="15" name="Ink 14">
@@ -5651,8 +5651,8 @@
           </p:pic>
         </mc:Fallback>
       </mc:AlternateContent>
-      <mc:AlternateContent xmlns:mc="http://schemas.openxmlformats.org/markup-compatibility/2006">
-        <mc:Choice xmlns:p14="http://schemas.microsoft.com/office/powerpoint/2010/main" Requires="p14">
+      <mc:AlternateContent xmlns:mc="http://schemas.openxmlformats.org/markup-compatibility/2006" xmlns:p14="http://schemas.microsoft.com/office/powerpoint/2010/main">
+        <mc:Choice Requires="p14">
           <p:contentPart p14:bwMode="auto" r:id="rId9">
             <p14:nvContentPartPr>
               <p14:cNvPr id="16" name="Ink 15">
@@ -5671,7 +5671,7 @@
             </p14:xfrm>
           </p:contentPart>
         </mc:Choice>
-        <mc:Fallback>
+        <mc:Fallback xmlns="">
           <p:pic>
             <p:nvPicPr>
               <p:cNvPr id="16" name="Ink 15">
@@ -5702,8 +5702,8 @@
           </p:pic>
         </mc:Fallback>
       </mc:AlternateContent>
-      <mc:AlternateContent xmlns:mc="http://schemas.openxmlformats.org/markup-compatibility/2006">
-        <mc:Choice xmlns:p14="http://schemas.microsoft.com/office/powerpoint/2010/main" Requires="p14">
+      <mc:AlternateContent xmlns:mc="http://schemas.openxmlformats.org/markup-compatibility/2006" xmlns:p14="http://schemas.microsoft.com/office/powerpoint/2010/main">
+        <mc:Choice Requires="p14">
           <p:contentPart p14:bwMode="auto" r:id="rId11">
             <p14:nvContentPartPr>
               <p14:cNvPr id="17" name="Ink 16">
@@ -5722,7 +5722,7 @@
             </p14:xfrm>
           </p:contentPart>
         </mc:Choice>
-        <mc:Fallback>
+        <mc:Fallback xmlns="">
           <p:pic>
             <p:nvPicPr>
               <p:cNvPr id="17" name="Ink 16">
@@ -5753,8 +5753,8 @@
           </p:pic>
         </mc:Fallback>
       </mc:AlternateContent>
-      <mc:AlternateContent xmlns:mc="http://schemas.openxmlformats.org/markup-compatibility/2006">
-        <mc:Choice xmlns:p14="http://schemas.microsoft.com/office/powerpoint/2010/main" Requires="p14">
+      <mc:AlternateContent xmlns:mc="http://schemas.openxmlformats.org/markup-compatibility/2006" xmlns:p14="http://schemas.microsoft.com/office/powerpoint/2010/main">
+        <mc:Choice Requires="p14">
           <p:contentPart p14:bwMode="auto" r:id="rId13">
             <p14:nvContentPartPr>
               <p14:cNvPr id="18" name="Ink 17">
@@ -5773,7 +5773,7 @@
             </p14:xfrm>
           </p:contentPart>
         </mc:Choice>
-        <mc:Fallback>
+        <mc:Fallback xmlns="">
           <p:pic>
             <p:nvPicPr>
               <p:cNvPr id="18" name="Ink 17">
@@ -5804,8 +5804,8 @@
           </p:pic>
         </mc:Fallback>
       </mc:AlternateContent>
-      <mc:AlternateContent xmlns:mc="http://schemas.openxmlformats.org/markup-compatibility/2006">
-        <mc:Choice xmlns:p14="http://schemas.microsoft.com/office/powerpoint/2010/main" Requires="p14">
+      <mc:AlternateContent xmlns:mc="http://schemas.openxmlformats.org/markup-compatibility/2006" xmlns:p14="http://schemas.microsoft.com/office/powerpoint/2010/main">
+        <mc:Choice Requires="p14">
           <p:contentPart p14:bwMode="auto" r:id="rId15">
             <p14:nvContentPartPr>
               <p14:cNvPr id="19" name="Ink 18">
@@ -5824,7 +5824,7 @@
             </p14:xfrm>
           </p:contentPart>
         </mc:Choice>
-        <mc:Fallback>
+        <mc:Fallback xmlns="">
           <p:pic>
             <p:nvPicPr>
               <p:cNvPr id="19" name="Ink 18">
@@ -5855,8 +5855,8 @@
           </p:pic>
         </mc:Fallback>
       </mc:AlternateContent>
-      <mc:AlternateContent xmlns:mc="http://schemas.openxmlformats.org/markup-compatibility/2006">
-        <mc:Choice xmlns:p14="http://schemas.microsoft.com/office/powerpoint/2010/main" Requires="p14">
+      <mc:AlternateContent xmlns:mc="http://schemas.openxmlformats.org/markup-compatibility/2006" xmlns:p14="http://schemas.microsoft.com/office/powerpoint/2010/main">
+        <mc:Choice Requires="p14">
           <p:contentPart p14:bwMode="auto" r:id="rId17">
             <p14:nvContentPartPr>
               <p14:cNvPr id="20" name="Ink 19">
@@ -5875,7 +5875,7 @@
             </p14:xfrm>
           </p:contentPart>
         </mc:Choice>
-        <mc:Fallback>
+        <mc:Fallback xmlns="">
           <p:pic>
             <p:nvPicPr>
               <p:cNvPr id="20" name="Ink 19">
@@ -5906,8 +5906,8 @@
           </p:pic>
         </mc:Fallback>
       </mc:AlternateContent>
-      <mc:AlternateContent xmlns:mc="http://schemas.openxmlformats.org/markup-compatibility/2006">
-        <mc:Choice xmlns:p14="http://schemas.microsoft.com/office/powerpoint/2010/main" Requires="p14">
+      <mc:AlternateContent xmlns:mc="http://schemas.openxmlformats.org/markup-compatibility/2006" xmlns:p14="http://schemas.microsoft.com/office/powerpoint/2010/main">
+        <mc:Choice Requires="p14">
           <p:contentPart p14:bwMode="auto" r:id="rId19">
             <p14:nvContentPartPr>
               <p14:cNvPr id="21" name="Ink 20">
@@ -5926,7 +5926,7 @@
             </p14:xfrm>
           </p:contentPart>
         </mc:Choice>
-        <mc:Fallback>
+        <mc:Fallback xmlns="">
           <p:pic>
             <p:nvPicPr>
               <p:cNvPr id="21" name="Ink 20">
@@ -5957,8 +5957,8 @@
           </p:pic>
         </mc:Fallback>
       </mc:AlternateContent>
-      <mc:AlternateContent xmlns:mc="http://schemas.openxmlformats.org/markup-compatibility/2006">
-        <mc:Choice xmlns:p14="http://schemas.microsoft.com/office/powerpoint/2010/main" Requires="p14">
+      <mc:AlternateContent xmlns:mc="http://schemas.openxmlformats.org/markup-compatibility/2006" xmlns:p14="http://schemas.microsoft.com/office/powerpoint/2010/main">
+        <mc:Choice Requires="p14">
           <p:contentPart p14:bwMode="auto" r:id="rId21">
             <p14:nvContentPartPr>
               <p14:cNvPr id="22" name="Ink 21">
@@ -5977,7 +5977,7 @@
             </p14:xfrm>
           </p:contentPart>
         </mc:Choice>
-        <mc:Fallback>
+        <mc:Fallback xmlns="">
           <p:pic>
             <p:nvPicPr>
               <p:cNvPr id="22" name="Ink 21">
@@ -6008,8 +6008,8 @@
           </p:pic>
         </mc:Fallback>
       </mc:AlternateContent>
-      <mc:AlternateContent xmlns:mc="http://schemas.openxmlformats.org/markup-compatibility/2006">
-        <mc:Choice xmlns:p14="http://schemas.microsoft.com/office/powerpoint/2010/main" Requires="p14">
+      <mc:AlternateContent xmlns:mc="http://schemas.openxmlformats.org/markup-compatibility/2006" xmlns:p14="http://schemas.microsoft.com/office/powerpoint/2010/main">
+        <mc:Choice Requires="p14">
           <p:contentPart p14:bwMode="auto" r:id="rId23">
             <p14:nvContentPartPr>
               <p14:cNvPr id="23" name="Ink 22">
@@ -6028,7 +6028,7 @@
             </p14:xfrm>
           </p:contentPart>
         </mc:Choice>
-        <mc:Fallback>
+        <mc:Fallback xmlns="">
           <p:pic>
             <p:nvPicPr>
               <p:cNvPr id="23" name="Ink 22">
@@ -6059,8 +6059,8 @@
           </p:pic>
         </mc:Fallback>
       </mc:AlternateContent>
-      <mc:AlternateContent xmlns:mc="http://schemas.openxmlformats.org/markup-compatibility/2006">
-        <mc:Choice xmlns:p14="http://schemas.microsoft.com/office/powerpoint/2010/main" Requires="p14">
+      <mc:AlternateContent xmlns:mc="http://schemas.openxmlformats.org/markup-compatibility/2006" xmlns:p14="http://schemas.microsoft.com/office/powerpoint/2010/main">
+        <mc:Choice Requires="p14">
           <p:contentPart p14:bwMode="auto" r:id="rId25">
             <p14:nvContentPartPr>
               <p14:cNvPr id="24" name="Ink 23">
@@ -6079,7 +6079,7 @@
             </p14:xfrm>
           </p:contentPart>
         </mc:Choice>
-        <mc:Fallback>
+        <mc:Fallback xmlns="">
           <p:pic>
             <p:nvPicPr>
               <p:cNvPr id="24" name="Ink 23">
@@ -6110,8 +6110,8 @@
           </p:pic>
         </mc:Fallback>
       </mc:AlternateContent>
-      <mc:AlternateContent xmlns:mc="http://schemas.openxmlformats.org/markup-compatibility/2006">
-        <mc:Choice xmlns:p14="http://schemas.microsoft.com/office/powerpoint/2010/main" Requires="p14">
+      <mc:AlternateContent xmlns:mc="http://schemas.openxmlformats.org/markup-compatibility/2006" xmlns:p14="http://schemas.microsoft.com/office/powerpoint/2010/main">
+        <mc:Choice Requires="p14">
           <p:contentPart p14:bwMode="auto" r:id="rId27">
             <p14:nvContentPartPr>
               <p14:cNvPr id="25" name="Ink 24">
@@ -6130,7 +6130,7 @@
             </p14:xfrm>
           </p:contentPart>
         </mc:Choice>
-        <mc:Fallback>
+        <mc:Fallback xmlns="">
           <p:pic>
             <p:nvPicPr>
               <p:cNvPr id="25" name="Ink 24">
@@ -6161,8 +6161,8 @@
           </p:pic>
         </mc:Fallback>
       </mc:AlternateContent>
-      <mc:AlternateContent xmlns:mc="http://schemas.openxmlformats.org/markup-compatibility/2006">
-        <mc:Choice xmlns:p14="http://schemas.microsoft.com/office/powerpoint/2010/main" Requires="p14">
+      <mc:AlternateContent xmlns:mc="http://schemas.openxmlformats.org/markup-compatibility/2006" xmlns:p14="http://schemas.microsoft.com/office/powerpoint/2010/main">
+        <mc:Choice Requires="p14">
           <p:contentPart p14:bwMode="auto" r:id="rId29">
             <p14:nvContentPartPr>
               <p14:cNvPr id="26" name="Ink 25">
@@ -6181,7 +6181,7 @@
             </p14:xfrm>
           </p:contentPart>
         </mc:Choice>
-        <mc:Fallback>
+        <mc:Fallback xmlns="">
           <p:pic>
             <p:nvPicPr>
               <p:cNvPr id="26" name="Ink 25">
@@ -8605,6 +8605,2163 @@
           </a:p>
         </p:txBody>
       </p:sp>
+      <p:sp>
+        <p:nvSpPr>
+          <p:cNvPr id="2" name="TextBox 1">
+            <a:extLst>
+              <a:ext uri="{FF2B5EF4-FFF2-40B4-BE49-F238E27FC236}">
+                <a16:creationId xmlns:a16="http://schemas.microsoft.com/office/drawing/2014/main" id="{FC9E20BF-1716-4398-B829-1A16F6AF61B7}"/>
+              </a:ext>
+            </a:extLst>
+          </p:cNvPr>
+          <p:cNvSpPr txBox="1"/>
+          <p:nvPr/>
+        </p:nvSpPr>
+        <p:spPr>
+          <a:xfrm>
+            <a:off x="4335208" y="1649112"/>
+            <a:ext cx="1351217" cy="471924"/>
+          </a:xfrm>
+          <a:prstGeom prst="rect">
+            <a:avLst/>
+          </a:prstGeom>
+          <a:noFill/>
+          <a:ln w="12700" cap="flat">
+            <a:noFill/>
+            <a:miter lim="400000"/>
+          </a:ln>
+          <a:effectLst/>
+          <a:sp3d/>
+        </p:spPr>
+        <p:style>
+          <a:lnRef idx="0">
+            <a:scrgbClr r="0" g="0" b="0"/>
+          </a:lnRef>
+          <a:fillRef idx="0">
+            <a:scrgbClr r="0" g="0" b="0"/>
+          </a:fillRef>
+          <a:effectRef idx="0">
+            <a:scrgbClr r="0" g="0" b="0"/>
+          </a:effectRef>
+          <a:fontRef idx="none"/>
+        </p:style>
+        <p:txBody>
+          <a:bodyPr rot="0" spcFirstLastPara="1" vertOverflow="overflow" horzOverflow="overflow" vert="horz" wrap="square" lIns="50800" tIns="50800" rIns="50800" bIns="50800" numCol="1" spcCol="38100" rtlCol="0" anchor="ctr">
+            <a:spAutoFit/>
+          </a:bodyPr>
+          <a:lstStyle/>
+          <a:p>
+            <a:pPr marL="0" marR="0" indent="0" algn="ctr" defTabSz="2438338" rtl="0" fontAlgn="auto" latinLnBrk="0" hangingPunct="0">
+              <a:lnSpc>
+                <a:spcPct val="100000"/>
+              </a:lnSpc>
+              <a:spcBef>
+                <a:spcPts val="0"/>
+              </a:spcBef>
+              <a:spcAft>
+                <a:spcPts val="0"/>
+              </a:spcAft>
+              <a:buClrTx/>
+              <a:buSzTx/>
+              <a:buFontTx/>
+              <a:buNone/>
+              <a:tabLst/>
+            </a:pPr>
+            <a:r>
+              <a:rPr kumimoji="0" lang="en-US" sz="2400" b="0" i="0" u="none" strike="noStrike" cap="none" spc="0" normalizeH="0" baseline="0" dirty="0">
+                <a:ln>
+                  <a:noFill/>
+                </a:ln>
+                <a:solidFill>
+                  <a:srgbClr val="5E5E5E"/>
+                </a:solidFill>
+                <a:effectLst/>
+                <a:uFillTx/>
+                <a:latin typeface="+mn-lt"/>
+                <a:ea typeface="+mn-ea"/>
+                <a:cs typeface="+mn-cs"/>
+                <a:sym typeface="Helvetica Neue"/>
+              </a:rPr>
+              <a:t>0.036</a:t>
+            </a:r>
+          </a:p>
+        </p:txBody>
+      </p:sp>
+      <p:sp>
+        <p:nvSpPr>
+          <p:cNvPr id="5" name="TextBox 4">
+            <a:extLst>
+              <a:ext uri="{FF2B5EF4-FFF2-40B4-BE49-F238E27FC236}">
+                <a16:creationId xmlns:a16="http://schemas.microsoft.com/office/drawing/2014/main" id="{1F0904CA-DF62-496A-99E0-894B074F0859}"/>
+              </a:ext>
+            </a:extLst>
+          </p:cNvPr>
+          <p:cNvSpPr txBox="1"/>
+          <p:nvPr/>
+        </p:nvSpPr>
+        <p:spPr>
+          <a:xfrm>
+            <a:off x="4335207" y="2601612"/>
+            <a:ext cx="1351217" cy="471924"/>
+          </a:xfrm>
+          <a:prstGeom prst="rect">
+            <a:avLst/>
+          </a:prstGeom>
+          <a:noFill/>
+          <a:ln w="12700" cap="flat">
+            <a:noFill/>
+            <a:miter lim="400000"/>
+          </a:ln>
+          <a:effectLst/>
+          <a:sp3d/>
+        </p:spPr>
+        <p:style>
+          <a:lnRef idx="0">
+            <a:scrgbClr r="0" g="0" b="0"/>
+          </a:lnRef>
+          <a:fillRef idx="0">
+            <a:scrgbClr r="0" g="0" b="0"/>
+          </a:fillRef>
+          <a:effectRef idx="0">
+            <a:scrgbClr r="0" g="0" b="0"/>
+          </a:effectRef>
+          <a:fontRef idx="none"/>
+        </p:style>
+        <p:txBody>
+          <a:bodyPr rot="0" spcFirstLastPara="1" vertOverflow="overflow" horzOverflow="overflow" vert="horz" wrap="square" lIns="50800" tIns="50800" rIns="50800" bIns="50800" numCol="1" spcCol="38100" rtlCol="0" anchor="ctr">
+            <a:spAutoFit/>
+          </a:bodyPr>
+          <a:lstStyle/>
+          <a:p>
+            <a:pPr marL="0" marR="0" indent="0" algn="ctr" defTabSz="2438338" rtl="0" fontAlgn="auto" latinLnBrk="0" hangingPunct="0">
+              <a:lnSpc>
+                <a:spcPct val="100000"/>
+              </a:lnSpc>
+              <a:spcBef>
+                <a:spcPts val="0"/>
+              </a:spcBef>
+              <a:spcAft>
+                <a:spcPts val="0"/>
+              </a:spcAft>
+              <a:buClrTx/>
+              <a:buSzTx/>
+              <a:buFontTx/>
+              <a:buNone/>
+              <a:tabLst/>
+            </a:pPr>
+            <a:r>
+              <a:rPr kumimoji="0" lang="en-US" sz="2400" b="0" i="0" u="none" strike="noStrike" cap="none" spc="0" normalizeH="0" baseline="0" dirty="0">
+                <a:ln>
+                  <a:noFill/>
+                </a:ln>
+                <a:solidFill>
+                  <a:srgbClr val="5E5E5E"/>
+                </a:solidFill>
+                <a:effectLst/>
+                <a:uFillTx/>
+                <a:latin typeface="+mn-lt"/>
+                <a:ea typeface="+mn-ea"/>
+                <a:cs typeface="+mn-cs"/>
+                <a:sym typeface="Helvetica Neue"/>
+              </a:rPr>
+              <a:t>0.036</a:t>
+            </a:r>
+          </a:p>
+        </p:txBody>
+      </p:sp>
+      <p:sp>
+        <p:nvSpPr>
+          <p:cNvPr id="6" name="TextBox 5">
+            <a:extLst>
+              <a:ext uri="{FF2B5EF4-FFF2-40B4-BE49-F238E27FC236}">
+                <a16:creationId xmlns:a16="http://schemas.microsoft.com/office/drawing/2014/main" id="{5B6EF57B-11D9-48F0-AAE0-C5FF65A718E7}"/>
+              </a:ext>
+            </a:extLst>
+          </p:cNvPr>
+          <p:cNvSpPr txBox="1"/>
+          <p:nvPr/>
+        </p:nvSpPr>
+        <p:spPr>
+          <a:xfrm>
+            <a:off x="4430457" y="7406952"/>
+            <a:ext cx="1351217" cy="471924"/>
+          </a:xfrm>
+          <a:prstGeom prst="rect">
+            <a:avLst/>
+          </a:prstGeom>
+          <a:noFill/>
+          <a:ln w="12700" cap="flat">
+            <a:noFill/>
+            <a:miter lim="400000"/>
+          </a:ln>
+          <a:effectLst/>
+          <a:sp3d/>
+        </p:spPr>
+        <p:style>
+          <a:lnRef idx="0">
+            <a:scrgbClr r="0" g="0" b="0"/>
+          </a:lnRef>
+          <a:fillRef idx="0">
+            <a:scrgbClr r="0" g="0" b="0"/>
+          </a:fillRef>
+          <a:effectRef idx="0">
+            <a:scrgbClr r="0" g="0" b="0"/>
+          </a:effectRef>
+          <a:fontRef idx="none"/>
+        </p:style>
+        <p:txBody>
+          <a:bodyPr rot="0" spcFirstLastPara="1" vertOverflow="overflow" horzOverflow="overflow" vert="horz" wrap="square" lIns="50800" tIns="50800" rIns="50800" bIns="50800" numCol="1" spcCol="38100" rtlCol="0" anchor="ctr">
+            <a:spAutoFit/>
+          </a:bodyPr>
+          <a:lstStyle/>
+          <a:p>
+            <a:pPr marL="0" marR="0" indent="0" algn="ctr" defTabSz="2438338" rtl="0" fontAlgn="auto" latinLnBrk="0" hangingPunct="0">
+              <a:lnSpc>
+                <a:spcPct val="100000"/>
+              </a:lnSpc>
+              <a:spcBef>
+                <a:spcPts val="0"/>
+              </a:spcBef>
+              <a:spcAft>
+                <a:spcPts val="0"/>
+              </a:spcAft>
+              <a:buClrTx/>
+              <a:buSzTx/>
+              <a:buFontTx/>
+              <a:buNone/>
+              <a:tabLst/>
+            </a:pPr>
+            <a:r>
+              <a:rPr kumimoji="0" lang="en-US" sz="2400" b="0" i="0" u="none" strike="noStrike" cap="none" spc="0" normalizeH="0" baseline="0" dirty="0">
+                <a:ln>
+                  <a:noFill/>
+                </a:ln>
+                <a:solidFill>
+                  <a:srgbClr val="5E5E5E"/>
+                </a:solidFill>
+                <a:effectLst/>
+                <a:uFillTx/>
+                <a:latin typeface="+mn-lt"/>
+                <a:ea typeface="+mn-ea"/>
+                <a:cs typeface="+mn-cs"/>
+                <a:sym typeface="Helvetica Neue"/>
+              </a:rPr>
+              <a:t>0.112</a:t>
+            </a:r>
+          </a:p>
+        </p:txBody>
+      </p:sp>
+      <p:sp>
+        <p:nvSpPr>
+          <p:cNvPr id="7" name="TextBox 6">
+            <a:extLst>
+              <a:ext uri="{FF2B5EF4-FFF2-40B4-BE49-F238E27FC236}">
+                <a16:creationId xmlns:a16="http://schemas.microsoft.com/office/drawing/2014/main" id="{1F149235-0027-4F65-A32B-6AF4C900036A}"/>
+              </a:ext>
+            </a:extLst>
+          </p:cNvPr>
+          <p:cNvSpPr txBox="1"/>
+          <p:nvPr/>
+        </p:nvSpPr>
+        <p:spPr>
+          <a:xfrm>
+            <a:off x="4335208" y="6233214"/>
+            <a:ext cx="1351217" cy="471924"/>
+          </a:xfrm>
+          <a:prstGeom prst="rect">
+            <a:avLst/>
+          </a:prstGeom>
+          <a:noFill/>
+          <a:ln w="12700" cap="flat">
+            <a:noFill/>
+            <a:miter lim="400000"/>
+          </a:ln>
+          <a:effectLst/>
+          <a:sp3d/>
+        </p:spPr>
+        <p:style>
+          <a:lnRef idx="0">
+            <a:scrgbClr r="0" g="0" b="0"/>
+          </a:lnRef>
+          <a:fillRef idx="0">
+            <a:scrgbClr r="0" g="0" b="0"/>
+          </a:fillRef>
+          <a:effectRef idx="0">
+            <a:scrgbClr r="0" g="0" b="0"/>
+          </a:effectRef>
+          <a:fontRef idx="none"/>
+        </p:style>
+        <p:txBody>
+          <a:bodyPr rot="0" spcFirstLastPara="1" vertOverflow="overflow" horzOverflow="overflow" vert="horz" wrap="square" lIns="50800" tIns="50800" rIns="50800" bIns="50800" numCol="1" spcCol="38100" rtlCol="0" anchor="ctr">
+            <a:spAutoFit/>
+          </a:bodyPr>
+          <a:lstStyle/>
+          <a:p>
+            <a:pPr marL="0" marR="0" indent="0" algn="ctr" defTabSz="2438338" rtl="0" fontAlgn="auto" latinLnBrk="0" hangingPunct="0">
+              <a:lnSpc>
+                <a:spcPct val="100000"/>
+              </a:lnSpc>
+              <a:spcBef>
+                <a:spcPts val="0"/>
+              </a:spcBef>
+              <a:spcAft>
+                <a:spcPts val="0"/>
+              </a:spcAft>
+              <a:buClrTx/>
+              <a:buSzTx/>
+              <a:buFontTx/>
+              <a:buNone/>
+              <a:tabLst/>
+            </a:pPr>
+            <a:r>
+              <a:rPr kumimoji="0" lang="en-US" sz="2400" b="0" i="0" u="none" strike="noStrike" cap="none" spc="0" normalizeH="0" baseline="0" dirty="0">
+                <a:ln>
+                  <a:noFill/>
+                </a:ln>
+                <a:solidFill>
+                  <a:srgbClr val="5E5E5E"/>
+                </a:solidFill>
+                <a:effectLst/>
+                <a:uFillTx/>
+                <a:latin typeface="+mn-lt"/>
+                <a:ea typeface="+mn-ea"/>
+                <a:cs typeface="+mn-cs"/>
+                <a:sym typeface="Helvetica Neue"/>
+              </a:rPr>
+              <a:t>0.112</a:t>
+            </a:r>
+          </a:p>
+        </p:txBody>
+      </p:sp>
+      <p:sp>
+        <p:nvSpPr>
+          <p:cNvPr id="8" name="TextBox 7">
+            <a:extLst>
+              <a:ext uri="{FF2B5EF4-FFF2-40B4-BE49-F238E27FC236}">
+                <a16:creationId xmlns:a16="http://schemas.microsoft.com/office/drawing/2014/main" id="{9266D759-BA9E-4602-B63D-97540862828A}"/>
+              </a:ext>
+            </a:extLst>
+          </p:cNvPr>
+          <p:cNvSpPr txBox="1"/>
+          <p:nvPr/>
+        </p:nvSpPr>
+        <p:spPr>
+          <a:xfrm>
+            <a:off x="4335208" y="5059476"/>
+            <a:ext cx="1351217" cy="471924"/>
+          </a:xfrm>
+          <a:prstGeom prst="rect">
+            <a:avLst/>
+          </a:prstGeom>
+          <a:noFill/>
+          <a:ln w="12700" cap="flat">
+            <a:noFill/>
+            <a:miter lim="400000"/>
+          </a:ln>
+          <a:effectLst/>
+          <a:sp3d/>
+        </p:spPr>
+        <p:style>
+          <a:lnRef idx="0">
+            <a:scrgbClr r="0" g="0" b="0"/>
+          </a:lnRef>
+          <a:fillRef idx="0">
+            <a:scrgbClr r="0" g="0" b="0"/>
+          </a:fillRef>
+          <a:effectRef idx="0">
+            <a:scrgbClr r="0" g="0" b="0"/>
+          </a:effectRef>
+          <a:fontRef idx="none"/>
+        </p:style>
+        <p:txBody>
+          <a:bodyPr rot="0" spcFirstLastPara="1" vertOverflow="overflow" horzOverflow="overflow" vert="horz" wrap="square" lIns="50800" tIns="50800" rIns="50800" bIns="50800" numCol="1" spcCol="38100" rtlCol="0" anchor="ctr">
+            <a:spAutoFit/>
+          </a:bodyPr>
+          <a:lstStyle/>
+          <a:p>
+            <a:pPr marL="0" marR="0" indent="0" algn="ctr" defTabSz="2438338" rtl="0" fontAlgn="auto" latinLnBrk="0" hangingPunct="0">
+              <a:lnSpc>
+                <a:spcPct val="100000"/>
+              </a:lnSpc>
+              <a:spcBef>
+                <a:spcPts val="0"/>
+              </a:spcBef>
+              <a:spcAft>
+                <a:spcPts val="0"/>
+              </a:spcAft>
+              <a:buClrTx/>
+              <a:buSzTx/>
+              <a:buFontTx/>
+              <a:buNone/>
+              <a:tabLst/>
+            </a:pPr>
+            <a:r>
+              <a:rPr kumimoji="0" lang="en-US" sz="2400" b="0" i="0" u="none" strike="noStrike" cap="none" spc="0" normalizeH="0" baseline="0" dirty="0">
+                <a:ln>
+                  <a:noFill/>
+                </a:ln>
+                <a:solidFill>
+                  <a:srgbClr val="5E5E5E"/>
+                </a:solidFill>
+                <a:effectLst/>
+                <a:uFillTx/>
+                <a:latin typeface="+mn-lt"/>
+                <a:ea typeface="+mn-ea"/>
+                <a:cs typeface="+mn-cs"/>
+                <a:sym typeface="Helvetica Neue"/>
+              </a:rPr>
+              <a:t>0.074</a:t>
+            </a:r>
+          </a:p>
+        </p:txBody>
+      </p:sp>
+      <p:sp>
+        <p:nvSpPr>
+          <p:cNvPr id="9" name="TextBox 8">
+            <a:extLst>
+              <a:ext uri="{FF2B5EF4-FFF2-40B4-BE49-F238E27FC236}">
+                <a16:creationId xmlns:a16="http://schemas.microsoft.com/office/drawing/2014/main" id="{76C25544-20C2-427C-8C19-1275DD426164}"/>
+              </a:ext>
+            </a:extLst>
+          </p:cNvPr>
+          <p:cNvSpPr txBox="1"/>
+          <p:nvPr/>
+        </p:nvSpPr>
+        <p:spPr>
+          <a:xfrm>
+            <a:off x="4430457" y="3649776"/>
+            <a:ext cx="1351217" cy="471924"/>
+          </a:xfrm>
+          <a:prstGeom prst="rect">
+            <a:avLst/>
+          </a:prstGeom>
+          <a:noFill/>
+          <a:ln w="12700" cap="flat">
+            <a:noFill/>
+            <a:miter lim="400000"/>
+          </a:ln>
+          <a:effectLst/>
+          <a:sp3d/>
+        </p:spPr>
+        <p:style>
+          <a:lnRef idx="0">
+            <a:scrgbClr r="0" g="0" b="0"/>
+          </a:lnRef>
+          <a:fillRef idx="0">
+            <a:scrgbClr r="0" g="0" b="0"/>
+          </a:fillRef>
+          <a:effectRef idx="0">
+            <a:scrgbClr r="0" g="0" b="0"/>
+          </a:effectRef>
+          <a:fontRef idx="none"/>
+        </p:style>
+        <p:txBody>
+          <a:bodyPr rot="0" spcFirstLastPara="1" vertOverflow="overflow" horzOverflow="overflow" vert="horz" wrap="square" lIns="50800" tIns="50800" rIns="50800" bIns="50800" numCol="1" spcCol="38100" rtlCol="0" anchor="ctr">
+            <a:spAutoFit/>
+          </a:bodyPr>
+          <a:lstStyle/>
+          <a:p>
+            <a:pPr marL="0" marR="0" indent="0" algn="ctr" defTabSz="2438338" rtl="0" fontAlgn="auto" latinLnBrk="0" hangingPunct="0">
+              <a:lnSpc>
+                <a:spcPct val="100000"/>
+              </a:lnSpc>
+              <a:spcBef>
+                <a:spcPts val="0"/>
+              </a:spcBef>
+              <a:spcAft>
+                <a:spcPts val="0"/>
+              </a:spcAft>
+              <a:buClrTx/>
+              <a:buSzTx/>
+              <a:buFontTx/>
+              <a:buNone/>
+              <a:tabLst/>
+            </a:pPr>
+            <a:r>
+              <a:rPr kumimoji="0" lang="en-US" sz="2400" b="0" i="0" u="none" strike="noStrike" cap="none" spc="0" normalizeH="0" baseline="0" dirty="0">
+                <a:ln>
+                  <a:noFill/>
+                </a:ln>
+                <a:solidFill>
+                  <a:srgbClr val="5E5E5E"/>
+                </a:solidFill>
+                <a:effectLst/>
+                <a:uFillTx/>
+                <a:latin typeface="+mn-lt"/>
+                <a:ea typeface="+mn-ea"/>
+                <a:cs typeface="+mn-cs"/>
+                <a:sym typeface="Helvetica Neue"/>
+              </a:rPr>
+              <a:t>0.055</a:t>
+            </a:r>
+          </a:p>
+        </p:txBody>
+      </p:sp>
+      <p:sp>
+        <p:nvSpPr>
+          <p:cNvPr id="10" name="TextBox 9">
+            <a:extLst>
+              <a:ext uri="{FF2B5EF4-FFF2-40B4-BE49-F238E27FC236}">
+                <a16:creationId xmlns:a16="http://schemas.microsoft.com/office/drawing/2014/main" id="{E5B65769-B491-4C6E-8453-35BD622AB027}"/>
+              </a:ext>
+            </a:extLst>
+          </p:cNvPr>
+          <p:cNvSpPr txBox="1"/>
+          <p:nvPr/>
+        </p:nvSpPr>
+        <p:spPr>
+          <a:xfrm>
+            <a:off x="4335206" y="8608803"/>
+            <a:ext cx="1351217" cy="471924"/>
+          </a:xfrm>
+          <a:prstGeom prst="rect">
+            <a:avLst/>
+          </a:prstGeom>
+          <a:noFill/>
+          <a:ln w="12700" cap="flat">
+            <a:noFill/>
+            <a:miter lim="400000"/>
+          </a:ln>
+          <a:effectLst/>
+          <a:sp3d/>
+        </p:spPr>
+        <p:style>
+          <a:lnRef idx="0">
+            <a:scrgbClr r="0" g="0" b="0"/>
+          </a:lnRef>
+          <a:fillRef idx="0">
+            <a:scrgbClr r="0" g="0" b="0"/>
+          </a:fillRef>
+          <a:effectRef idx="0">
+            <a:scrgbClr r="0" g="0" b="0"/>
+          </a:effectRef>
+          <a:fontRef idx="none"/>
+        </p:style>
+        <p:txBody>
+          <a:bodyPr rot="0" spcFirstLastPara="1" vertOverflow="overflow" horzOverflow="overflow" vert="horz" wrap="square" lIns="50800" tIns="50800" rIns="50800" bIns="50800" numCol="1" spcCol="38100" rtlCol="0" anchor="ctr">
+            <a:spAutoFit/>
+          </a:bodyPr>
+          <a:lstStyle/>
+          <a:p>
+            <a:pPr marL="0" marR="0" indent="0" algn="ctr" defTabSz="2438338" rtl="0" fontAlgn="auto" latinLnBrk="0" hangingPunct="0">
+              <a:lnSpc>
+                <a:spcPct val="100000"/>
+              </a:lnSpc>
+              <a:spcBef>
+                <a:spcPts val="0"/>
+              </a:spcBef>
+              <a:spcAft>
+                <a:spcPts val="0"/>
+              </a:spcAft>
+              <a:buClrTx/>
+              <a:buSzTx/>
+              <a:buFontTx/>
+              <a:buNone/>
+              <a:tabLst/>
+            </a:pPr>
+            <a:r>
+              <a:rPr kumimoji="0" lang="en-US" sz="2400" b="0" i="0" u="none" strike="noStrike" cap="none" spc="0" normalizeH="0" baseline="0" dirty="0">
+                <a:ln>
+                  <a:noFill/>
+                </a:ln>
+                <a:solidFill>
+                  <a:srgbClr val="5E5E5E"/>
+                </a:solidFill>
+                <a:effectLst/>
+                <a:uFillTx/>
+                <a:latin typeface="+mn-lt"/>
+                <a:ea typeface="+mn-ea"/>
+                <a:cs typeface="+mn-cs"/>
+                <a:sym typeface="Helvetica Neue"/>
+              </a:rPr>
+              <a:t>0.148</a:t>
+            </a:r>
+          </a:p>
+        </p:txBody>
+      </p:sp>
+      <p:sp>
+        <p:nvSpPr>
+          <p:cNvPr id="11" name="TextBox 10">
+            <a:extLst>
+              <a:ext uri="{FF2B5EF4-FFF2-40B4-BE49-F238E27FC236}">
+                <a16:creationId xmlns:a16="http://schemas.microsoft.com/office/drawing/2014/main" id="{83AEC6BC-1C0F-4BC5-8CE1-7AC891C30785}"/>
+              </a:ext>
+            </a:extLst>
+          </p:cNvPr>
+          <p:cNvSpPr txBox="1"/>
+          <p:nvPr/>
+        </p:nvSpPr>
+        <p:spPr>
+          <a:xfrm>
+            <a:off x="4335205" y="9574692"/>
+            <a:ext cx="1351217" cy="471924"/>
+          </a:xfrm>
+          <a:prstGeom prst="rect">
+            <a:avLst/>
+          </a:prstGeom>
+          <a:noFill/>
+          <a:ln w="12700" cap="flat">
+            <a:noFill/>
+            <a:miter lim="400000"/>
+          </a:ln>
+          <a:effectLst/>
+          <a:sp3d/>
+        </p:spPr>
+        <p:style>
+          <a:lnRef idx="0">
+            <a:scrgbClr r="0" g="0" b="0"/>
+          </a:lnRef>
+          <a:fillRef idx="0">
+            <a:scrgbClr r="0" g="0" b="0"/>
+          </a:fillRef>
+          <a:effectRef idx="0">
+            <a:scrgbClr r="0" g="0" b="0"/>
+          </a:effectRef>
+          <a:fontRef idx="none"/>
+        </p:style>
+        <p:txBody>
+          <a:bodyPr rot="0" spcFirstLastPara="1" vertOverflow="overflow" horzOverflow="overflow" vert="horz" wrap="square" lIns="50800" tIns="50800" rIns="50800" bIns="50800" numCol="1" spcCol="38100" rtlCol="0" anchor="ctr">
+            <a:spAutoFit/>
+          </a:bodyPr>
+          <a:lstStyle/>
+          <a:p>
+            <a:pPr marL="0" marR="0" indent="0" algn="ctr" defTabSz="2438338" rtl="0" fontAlgn="auto" latinLnBrk="0" hangingPunct="0">
+              <a:lnSpc>
+                <a:spcPct val="100000"/>
+              </a:lnSpc>
+              <a:spcBef>
+                <a:spcPts val="0"/>
+              </a:spcBef>
+              <a:spcAft>
+                <a:spcPts val="0"/>
+              </a:spcAft>
+              <a:buClrTx/>
+              <a:buSzTx/>
+              <a:buFontTx/>
+              <a:buNone/>
+              <a:tabLst/>
+            </a:pPr>
+            <a:r>
+              <a:rPr kumimoji="0" lang="en-US" sz="2400" b="0" i="0" u="none" strike="noStrike" cap="none" spc="0" normalizeH="0" baseline="0" dirty="0">
+                <a:ln>
+                  <a:noFill/>
+                </a:ln>
+                <a:solidFill>
+                  <a:srgbClr val="5E5E5E"/>
+                </a:solidFill>
+                <a:effectLst/>
+                <a:uFillTx/>
+                <a:latin typeface="+mn-lt"/>
+                <a:ea typeface="+mn-ea"/>
+                <a:cs typeface="+mn-cs"/>
+                <a:sym typeface="Helvetica Neue"/>
+              </a:rPr>
+              <a:t>0.148</a:t>
+            </a:r>
+          </a:p>
+        </p:txBody>
+      </p:sp>
+      <p:sp>
+        <p:nvSpPr>
+          <p:cNvPr id="12" name="TextBox 11">
+            <a:extLst>
+              <a:ext uri="{FF2B5EF4-FFF2-40B4-BE49-F238E27FC236}">
+                <a16:creationId xmlns:a16="http://schemas.microsoft.com/office/drawing/2014/main" id="{E5776000-4584-42C6-8962-302709EDA5BC}"/>
+              </a:ext>
+            </a:extLst>
+          </p:cNvPr>
+          <p:cNvSpPr txBox="1"/>
+          <p:nvPr/>
+        </p:nvSpPr>
+        <p:spPr>
+          <a:xfrm>
+            <a:off x="4335204" y="10692204"/>
+            <a:ext cx="1351217" cy="471924"/>
+          </a:xfrm>
+          <a:prstGeom prst="rect">
+            <a:avLst/>
+          </a:prstGeom>
+          <a:noFill/>
+          <a:ln w="12700" cap="flat">
+            <a:noFill/>
+            <a:miter lim="400000"/>
+          </a:ln>
+          <a:effectLst/>
+          <a:sp3d/>
+        </p:spPr>
+        <p:style>
+          <a:lnRef idx="0">
+            <a:scrgbClr r="0" g="0" b="0"/>
+          </a:lnRef>
+          <a:fillRef idx="0">
+            <a:scrgbClr r="0" g="0" b="0"/>
+          </a:fillRef>
+          <a:effectRef idx="0">
+            <a:scrgbClr r="0" g="0" b="0"/>
+          </a:effectRef>
+          <a:fontRef idx="none"/>
+        </p:style>
+        <p:txBody>
+          <a:bodyPr rot="0" spcFirstLastPara="1" vertOverflow="overflow" horzOverflow="overflow" vert="horz" wrap="square" lIns="50800" tIns="50800" rIns="50800" bIns="50800" numCol="1" spcCol="38100" rtlCol="0" anchor="ctr">
+            <a:spAutoFit/>
+          </a:bodyPr>
+          <a:lstStyle/>
+          <a:p>
+            <a:pPr marL="0" marR="0" indent="0" algn="ctr" defTabSz="2438338" rtl="0" fontAlgn="auto" latinLnBrk="0" hangingPunct="0">
+              <a:lnSpc>
+                <a:spcPct val="100000"/>
+              </a:lnSpc>
+              <a:spcBef>
+                <a:spcPts val="0"/>
+              </a:spcBef>
+              <a:spcAft>
+                <a:spcPts val="0"/>
+              </a:spcAft>
+              <a:buClrTx/>
+              <a:buSzTx/>
+              <a:buFontTx/>
+              <a:buNone/>
+              <a:tabLst/>
+            </a:pPr>
+            <a:r>
+              <a:rPr kumimoji="0" lang="en-US" sz="2400" b="0" i="0" u="none" strike="noStrike" cap="none" spc="0" normalizeH="0" baseline="0" dirty="0">
+                <a:ln>
+                  <a:noFill/>
+                </a:ln>
+                <a:solidFill>
+                  <a:srgbClr val="5E5E5E"/>
+                </a:solidFill>
+                <a:effectLst/>
+                <a:uFillTx/>
+                <a:latin typeface="+mn-lt"/>
+                <a:ea typeface="+mn-ea"/>
+                <a:cs typeface="+mn-cs"/>
+                <a:sym typeface="Helvetica Neue"/>
+              </a:rPr>
+              <a:t>0.277</a:t>
+            </a:r>
+          </a:p>
+        </p:txBody>
+      </p:sp>
+      <p:sp>
+        <p:nvSpPr>
+          <p:cNvPr id="13" name="TextBox 12">
+            <a:extLst>
+              <a:ext uri="{FF2B5EF4-FFF2-40B4-BE49-F238E27FC236}">
+                <a16:creationId xmlns:a16="http://schemas.microsoft.com/office/drawing/2014/main" id="{609CC9E9-6A97-40FC-9FAE-F3EBBB9ACF9D}"/>
+              </a:ext>
+            </a:extLst>
+          </p:cNvPr>
+          <p:cNvSpPr txBox="1"/>
+          <p:nvPr/>
+        </p:nvSpPr>
+        <p:spPr>
+          <a:xfrm>
+            <a:off x="7430833" y="2132724"/>
+            <a:ext cx="1351217" cy="471924"/>
+          </a:xfrm>
+          <a:prstGeom prst="rect">
+            <a:avLst/>
+          </a:prstGeom>
+          <a:noFill/>
+          <a:ln w="12700" cap="flat">
+            <a:noFill/>
+            <a:miter lim="400000"/>
+          </a:ln>
+          <a:effectLst/>
+          <a:sp3d/>
+        </p:spPr>
+        <p:style>
+          <a:lnRef idx="0">
+            <a:scrgbClr r="0" g="0" b="0"/>
+          </a:lnRef>
+          <a:fillRef idx="0">
+            <a:scrgbClr r="0" g="0" b="0"/>
+          </a:fillRef>
+          <a:effectRef idx="0">
+            <a:scrgbClr r="0" g="0" b="0"/>
+          </a:effectRef>
+          <a:fontRef idx="none"/>
+        </p:style>
+        <p:txBody>
+          <a:bodyPr rot="0" spcFirstLastPara="1" vertOverflow="overflow" horzOverflow="overflow" vert="horz" wrap="square" lIns="50800" tIns="50800" rIns="50800" bIns="50800" numCol="1" spcCol="38100" rtlCol="0" anchor="ctr">
+            <a:spAutoFit/>
+          </a:bodyPr>
+          <a:lstStyle/>
+          <a:p>
+            <a:pPr marL="0" marR="0" indent="0" algn="ctr" defTabSz="2438338" rtl="0" fontAlgn="auto" latinLnBrk="0" hangingPunct="0">
+              <a:lnSpc>
+                <a:spcPct val="100000"/>
+              </a:lnSpc>
+              <a:spcBef>
+                <a:spcPts val="0"/>
+              </a:spcBef>
+              <a:spcAft>
+                <a:spcPts val="0"/>
+              </a:spcAft>
+              <a:buClrTx/>
+              <a:buSzTx/>
+              <a:buFontTx/>
+              <a:buNone/>
+              <a:tabLst/>
+            </a:pPr>
+            <a:r>
+              <a:rPr kumimoji="0" lang="en-US" sz="2400" b="0" i="0" u="none" strike="noStrike" cap="none" spc="0" normalizeH="0" baseline="0" dirty="0">
+                <a:ln>
+                  <a:noFill/>
+                </a:ln>
+                <a:solidFill>
+                  <a:srgbClr val="5E5E5E"/>
+                </a:solidFill>
+                <a:effectLst/>
+                <a:uFillTx/>
+                <a:latin typeface="+mn-lt"/>
+                <a:ea typeface="+mn-ea"/>
+                <a:cs typeface="+mn-cs"/>
+                <a:sym typeface="Helvetica Neue"/>
+              </a:rPr>
+              <a:t>0.072</a:t>
+            </a:r>
+          </a:p>
+        </p:txBody>
+      </p:sp>
+      <p:sp>
+        <p:nvSpPr>
+          <p:cNvPr id="14" name="TextBox 13">
+            <a:extLst>
+              <a:ext uri="{FF2B5EF4-FFF2-40B4-BE49-F238E27FC236}">
+                <a16:creationId xmlns:a16="http://schemas.microsoft.com/office/drawing/2014/main" id="{C3D99AE9-64D2-4244-AA4C-2C22A2D4B0E6}"/>
+              </a:ext>
+            </a:extLst>
+          </p:cNvPr>
+          <p:cNvSpPr txBox="1"/>
+          <p:nvPr/>
+        </p:nvSpPr>
+        <p:spPr>
+          <a:xfrm>
+            <a:off x="7430832" y="4560264"/>
+            <a:ext cx="1351217" cy="471924"/>
+          </a:xfrm>
+          <a:prstGeom prst="rect">
+            <a:avLst/>
+          </a:prstGeom>
+          <a:noFill/>
+          <a:ln w="12700" cap="flat">
+            <a:noFill/>
+            <a:miter lim="400000"/>
+          </a:ln>
+          <a:effectLst/>
+          <a:sp3d/>
+        </p:spPr>
+        <p:style>
+          <a:lnRef idx="0">
+            <a:scrgbClr r="0" g="0" b="0"/>
+          </a:lnRef>
+          <a:fillRef idx="0">
+            <a:scrgbClr r="0" g="0" b="0"/>
+          </a:fillRef>
+          <a:effectRef idx="0">
+            <a:scrgbClr r="0" g="0" b="0"/>
+          </a:effectRef>
+          <a:fontRef idx="none"/>
+        </p:style>
+        <p:txBody>
+          <a:bodyPr rot="0" spcFirstLastPara="1" vertOverflow="overflow" horzOverflow="overflow" vert="horz" wrap="square" lIns="50800" tIns="50800" rIns="50800" bIns="50800" numCol="1" spcCol="38100" rtlCol="0" anchor="ctr">
+            <a:spAutoFit/>
+          </a:bodyPr>
+          <a:lstStyle/>
+          <a:p>
+            <a:pPr marL="0" marR="0" indent="0" algn="ctr" defTabSz="2438338" rtl="0" fontAlgn="auto" latinLnBrk="0" hangingPunct="0">
+              <a:lnSpc>
+                <a:spcPct val="100000"/>
+              </a:lnSpc>
+              <a:spcBef>
+                <a:spcPts val="0"/>
+              </a:spcBef>
+              <a:spcAft>
+                <a:spcPts val="0"/>
+              </a:spcAft>
+              <a:buClrTx/>
+              <a:buSzTx/>
+              <a:buFontTx/>
+              <a:buNone/>
+              <a:tabLst/>
+            </a:pPr>
+            <a:r>
+              <a:rPr kumimoji="0" lang="en-US" sz="2400" b="0" i="0" u="none" strike="noStrike" cap="none" spc="0" normalizeH="0" baseline="0" dirty="0">
+                <a:ln>
+                  <a:noFill/>
+                </a:ln>
+                <a:solidFill>
+                  <a:srgbClr val="5E5E5E"/>
+                </a:solidFill>
+                <a:effectLst/>
+                <a:uFillTx/>
+                <a:latin typeface="+mn-lt"/>
+                <a:ea typeface="+mn-ea"/>
+                <a:cs typeface="+mn-cs"/>
+                <a:sym typeface="Helvetica Neue"/>
+              </a:rPr>
+              <a:t>0.129</a:t>
+            </a:r>
+          </a:p>
+        </p:txBody>
+      </p:sp>
+      <p:sp>
+        <p:nvSpPr>
+          <p:cNvPr id="15" name="TextBox 14">
+            <a:extLst>
+              <a:ext uri="{FF2B5EF4-FFF2-40B4-BE49-F238E27FC236}">
+                <a16:creationId xmlns:a16="http://schemas.microsoft.com/office/drawing/2014/main" id="{70DA3608-0E40-4DBD-BA52-AC05A189EDC6}"/>
+              </a:ext>
+            </a:extLst>
+          </p:cNvPr>
+          <p:cNvSpPr txBox="1"/>
+          <p:nvPr/>
+        </p:nvSpPr>
+        <p:spPr>
+          <a:xfrm>
+            <a:off x="7430830" y="6622038"/>
+            <a:ext cx="1351217" cy="471924"/>
+          </a:xfrm>
+          <a:prstGeom prst="rect">
+            <a:avLst/>
+          </a:prstGeom>
+          <a:noFill/>
+          <a:ln w="12700" cap="flat">
+            <a:noFill/>
+            <a:miter lim="400000"/>
+          </a:ln>
+          <a:effectLst/>
+          <a:sp3d/>
+        </p:spPr>
+        <p:style>
+          <a:lnRef idx="0">
+            <a:scrgbClr r="0" g="0" b="0"/>
+          </a:lnRef>
+          <a:fillRef idx="0">
+            <a:scrgbClr r="0" g="0" b="0"/>
+          </a:fillRef>
+          <a:effectRef idx="0">
+            <a:scrgbClr r="0" g="0" b="0"/>
+          </a:effectRef>
+          <a:fontRef idx="none"/>
+        </p:style>
+        <p:txBody>
+          <a:bodyPr rot="0" spcFirstLastPara="1" vertOverflow="overflow" horzOverflow="overflow" vert="horz" wrap="square" lIns="50800" tIns="50800" rIns="50800" bIns="50800" numCol="1" spcCol="38100" rtlCol="0" anchor="ctr">
+            <a:spAutoFit/>
+          </a:bodyPr>
+          <a:lstStyle/>
+          <a:p>
+            <a:pPr marL="0" marR="0" indent="0" algn="ctr" defTabSz="2438338" rtl="0" fontAlgn="auto" latinLnBrk="0" hangingPunct="0">
+              <a:lnSpc>
+                <a:spcPct val="100000"/>
+              </a:lnSpc>
+              <a:spcBef>
+                <a:spcPts val="0"/>
+              </a:spcBef>
+              <a:spcAft>
+                <a:spcPts val="0"/>
+              </a:spcAft>
+              <a:buClrTx/>
+              <a:buSzTx/>
+              <a:buFontTx/>
+              <a:buNone/>
+              <a:tabLst/>
+            </a:pPr>
+            <a:r>
+              <a:rPr kumimoji="0" lang="en-US" sz="2400" b="0" i="0" u="none" strike="noStrike" cap="none" spc="0" normalizeH="0" baseline="0" dirty="0">
+                <a:ln>
+                  <a:noFill/>
+                </a:ln>
+                <a:solidFill>
+                  <a:srgbClr val="5E5E5E"/>
+                </a:solidFill>
+                <a:effectLst/>
+                <a:uFillTx/>
+                <a:latin typeface="+mn-lt"/>
+                <a:ea typeface="+mn-ea"/>
+                <a:cs typeface="+mn-cs"/>
+                <a:sym typeface="Helvetica Neue"/>
+              </a:rPr>
+              <a:t>0.224</a:t>
+            </a:r>
+          </a:p>
+        </p:txBody>
+      </p:sp>
+      <p:sp>
+        <p:nvSpPr>
+          <p:cNvPr id="16" name="TextBox 15">
+            <a:extLst>
+              <a:ext uri="{FF2B5EF4-FFF2-40B4-BE49-F238E27FC236}">
+                <a16:creationId xmlns:a16="http://schemas.microsoft.com/office/drawing/2014/main" id="{B7C65415-6CC0-4BE5-B724-6345A18F3C44}"/>
+              </a:ext>
+            </a:extLst>
+          </p:cNvPr>
+          <p:cNvSpPr txBox="1"/>
+          <p:nvPr/>
+        </p:nvSpPr>
+        <p:spPr>
+          <a:xfrm>
+            <a:off x="7344440" y="9129842"/>
+            <a:ext cx="1351217" cy="471924"/>
+          </a:xfrm>
+          <a:prstGeom prst="rect">
+            <a:avLst/>
+          </a:prstGeom>
+          <a:noFill/>
+          <a:ln w="12700" cap="flat">
+            <a:noFill/>
+            <a:miter lim="400000"/>
+          </a:ln>
+          <a:effectLst/>
+          <a:sp3d/>
+        </p:spPr>
+        <p:style>
+          <a:lnRef idx="0">
+            <a:scrgbClr r="0" g="0" b="0"/>
+          </a:lnRef>
+          <a:fillRef idx="0">
+            <a:scrgbClr r="0" g="0" b="0"/>
+          </a:fillRef>
+          <a:effectRef idx="0">
+            <a:scrgbClr r="0" g="0" b="0"/>
+          </a:effectRef>
+          <a:fontRef idx="none"/>
+        </p:style>
+        <p:txBody>
+          <a:bodyPr rot="0" spcFirstLastPara="1" vertOverflow="overflow" horzOverflow="overflow" vert="horz" wrap="square" lIns="50800" tIns="50800" rIns="50800" bIns="50800" numCol="1" spcCol="38100" rtlCol="0" anchor="ctr">
+            <a:spAutoFit/>
+          </a:bodyPr>
+          <a:lstStyle/>
+          <a:p>
+            <a:pPr marL="0" marR="0" indent="0" algn="ctr" defTabSz="2438338" rtl="0" fontAlgn="auto" latinLnBrk="0" hangingPunct="0">
+              <a:lnSpc>
+                <a:spcPct val="100000"/>
+              </a:lnSpc>
+              <a:spcBef>
+                <a:spcPts val="0"/>
+              </a:spcBef>
+              <a:spcAft>
+                <a:spcPts val="0"/>
+              </a:spcAft>
+              <a:buClrTx/>
+              <a:buSzTx/>
+              <a:buFontTx/>
+              <a:buNone/>
+              <a:tabLst/>
+            </a:pPr>
+            <a:r>
+              <a:rPr kumimoji="0" lang="en-US" sz="2400" b="0" i="0" u="none" strike="noStrike" cap="none" spc="0" normalizeH="0" baseline="0" dirty="0">
+                <a:ln>
+                  <a:noFill/>
+                </a:ln>
+                <a:solidFill>
+                  <a:srgbClr val="5E5E5E"/>
+                </a:solidFill>
+                <a:effectLst/>
+                <a:uFillTx/>
+                <a:latin typeface="+mn-lt"/>
+                <a:ea typeface="+mn-ea"/>
+                <a:cs typeface="+mn-cs"/>
+                <a:sym typeface="Helvetica Neue"/>
+              </a:rPr>
+              <a:t>0.296</a:t>
+            </a:r>
+          </a:p>
+        </p:txBody>
+      </p:sp>
+      <p:sp>
+        <p:nvSpPr>
+          <p:cNvPr id="17" name="TextBox 16">
+            <a:extLst>
+              <a:ext uri="{FF2B5EF4-FFF2-40B4-BE49-F238E27FC236}">
+                <a16:creationId xmlns:a16="http://schemas.microsoft.com/office/drawing/2014/main" id="{D0FC0BC1-4160-4DDA-8FD1-219A390E7486}"/>
+              </a:ext>
+            </a:extLst>
+          </p:cNvPr>
+          <p:cNvSpPr txBox="1"/>
+          <p:nvPr/>
+        </p:nvSpPr>
+        <p:spPr>
+          <a:xfrm>
+            <a:off x="9888283" y="3413814"/>
+            <a:ext cx="1351217" cy="471924"/>
+          </a:xfrm>
+          <a:prstGeom prst="rect">
+            <a:avLst/>
+          </a:prstGeom>
+          <a:noFill/>
+          <a:ln w="12700" cap="flat">
+            <a:noFill/>
+            <a:miter lim="400000"/>
+          </a:ln>
+          <a:effectLst/>
+          <a:sp3d/>
+        </p:spPr>
+        <p:style>
+          <a:lnRef idx="0">
+            <a:scrgbClr r="0" g="0" b="0"/>
+          </a:lnRef>
+          <a:fillRef idx="0">
+            <a:scrgbClr r="0" g="0" b="0"/>
+          </a:fillRef>
+          <a:effectRef idx="0">
+            <a:scrgbClr r="0" g="0" b="0"/>
+          </a:effectRef>
+          <a:fontRef idx="none"/>
+        </p:style>
+        <p:txBody>
+          <a:bodyPr rot="0" spcFirstLastPara="1" vertOverflow="overflow" horzOverflow="overflow" vert="horz" wrap="square" lIns="50800" tIns="50800" rIns="50800" bIns="50800" numCol="1" spcCol="38100" rtlCol="0" anchor="ctr">
+            <a:spAutoFit/>
+          </a:bodyPr>
+          <a:lstStyle/>
+          <a:p>
+            <a:pPr marL="0" marR="0" indent="0" algn="ctr" defTabSz="2438338" rtl="0" fontAlgn="auto" latinLnBrk="0" hangingPunct="0">
+              <a:lnSpc>
+                <a:spcPct val="100000"/>
+              </a:lnSpc>
+              <a:spcBef>
+                <a:spcPts val="0"/>
+              </a:spcBef>
+              <a:spcAft>
+                <a:spcPts val="0"/>
+              </a:spcAft>
+              <a:buClrTx/>
+              <a:buSzTx/>
+              <a:buFontTx/>
+              <a:buNone/>
+              <a:tabLst/>
+            </a:pPr>
+            <a:r>
+              <a:rPr kumimoji="0" lang="en-US" sz="2400" b="0" i="0" u="none" strike="noStrike" cap="none" spc="0" normalizeH="0" baseline="0" dirty="0">
+                <a:ln>
+                  <a:noFill/>
+                </a:ln>
+                <a:solidFill>
+                  <a:srgbClr val="5E5E5E"/>
+                </a:solidFill>
+                <a:effectLst/>
+                <a:uFillTx/>
+                <a:latin typeface="+mn-lt"/>
+                <a:ea typeface="+mn-ea"/>
+                <a:cs typeface="+mn-cs"/>
+                <a:sym typeface="Helvetica Neue"/>
+              </a:rPr>
+              <a:t>0.201</a:t>
+            </a:r>
+          </a:p>
+        </p:txBody>
+      </p:sp>
+      <p:sp>
+        <p:nvSpPr>
+          <p:cNvPr id="18" name="TextBox 17">
+            <a:extLst>
+              <a:ext uri="{FF2B5EF4-FFF2-40B4-BE49-F238E27FC236}">
+                <a16:creationId xmlns:a16="http://schemas.microsoft.com/office/drawing/2014/main" id="{BE7FA61A-8D72-47D5-BC9C-8B0C63667F35}"/>
+              </a:ext>
+            </a:extLst>
+          </p:cNvPr>
+          <p:cNvSpPr txBox="1"/>
+          <p:nvPr/>
+        </p:nvSpPr>
+        <p:spPr>
+          <a:xfrm>
+            <a:off x="10316908" y="9584583"/>
+            <a:ext cx="1351217" cy="471924"/>
+          </a:xfrm>
+          <a:prstGeom prst="rect">
+            <a:avLst/>
+          </a:prstGeom>
+          <a:noFill/>
+          <a:ln w="12700" cap="flat">
+            <a:noFill/>
+            <a:miter lim="400000"/>
+          </a:ln>
+          <a:effectLst/>
+          <a:sp3d/>
+        </p:spPr>
+        <p:style>
+          <a:lnRef idx="0">
+            <a:scrgbClr r="0" g="0" b="0"/>
+          </a:lnRef>
+          <a:fillRef idx="0">
+            <a:scrgbClr r="0" g="0" b="0"/>
+          </a:fillRef>
+          <a:effectRef idx="0">
+            <a:scrgbClr r="0" g="0" b="0"/>
+          </a:effectRef>
+          <a:fontRef idx="none"/>
+        </p:style>
+        <p:txBody>
+          <a:bodyPr rot="0" spcFirstLastPara="1" vertOverflow="overflow" horzOverflow="overflow" vert="horz" wrap="square" lIns="50800" tIns="50800" rIns="50800" bIns="50800" numCol="1" spcCol="38100" rtlCol="0" anchor="ctr">
+            <a:spAutoFit/>
+          </a:bodyPr>
+          <a:lstStyle/>
+          <a:p>
+            <a:pPr marL="0" marR="0" indent="0" algn="ctr" defTabSz="2438338" rtl="0" fontAlgn="auto" latinLnBrk="0" hangingPunct="0">
+              <a:lnSpc>
+                <a:spcPct val="100000"/>
+              </a:lnSpc>
+              <a:spcBef>
+                <a:spcPts val="0"/>
+              </a:spcBef>
+              <a:spcAft>
+                <a:spcPts val="0"/>
+              </a:spcAft>
+              <a:buClrTx/>
+              <a:buSzTx/>
+              <a:buFontTx/>
+              <a:buNone/>
+              <a:tabLst/>
+            </a:pPr>
+            <a:r>
+              <a:rPr kumimoji="0" lang="en-US" sz="2400" b="0" i="0" u="none" strike="noStrike" cap="none" spc="0" normalizeH="0" baseline="0" dirty="0">
+                <a:ln>
+                  <a:noFill/>
+                </a:ln>
+                <a:solidFill>
+                  <a:srgbClr val="5E5E5E"/>
+                </a:solidFill>
+                <a:effectLst/>
+                <a:uFillTx/>
+                <a:latin typeface="+mn-lt"/>
+                <a:ea typeface="+mn-ea"/>
+                <a:cs typeface="+mn-cs"/>
+                <a:sym typeface="Helvetica Neue"/>
+              </a:rPr>
+              <a:t>0.501</a:t>
+            </a:r>
+          </a:p>
+        </p:txBody>
+      </p:sp>
+      <p:sp>
+        <p:nvSpPr>
+          <p:cNvPr id="19" name="TextBox 18">
+            <a:extLst>
+              <a:ext uri="{FF2B5EF4-FFF2-40B4-BE49-F238E27FC236}">
+                <a16:creationId xmlns:a16="http://schemas.microsoft.com/office/drawing/2014/main" id="{A9E3D0D0-3D78-4D98-B94E-9C080C6DD87C}"/>
+              </a:ext>
+            </a:extLst>
+          </p:cNvPr>
+          <p:cNvSpPr txBox="1"/>
+          <p:nvPr/>
+        </p:nvSpPr>
+        <p:spPr>
+          <a:xfrm>
+            <a:off x="13202983" y="5760828"/>
+            <a:ext cx="1351217" cy="471924"/>
+          </a:xfrm>
+          <a:prstGeom prst="rect">
+            <a:avLst/>
+          </a:prstGeom>
+          <a:noFill/>
+          <a:ln w="12700" cap="flat">
+            <a:noFill/>
+            <a:miter lim="400000"/>
+          </a:ln>
+          <a:effectLst/>
+          <a:sp3d/>
+        </p:spPr>
+        <p:style>
+          <a:lnRef idx="0">
+            <a:scrgbClr r="0" g="0" b="0"/>
+          </a:lnRef>
+          <a:fillRef idx="0">
+            <a:scrgbClr r="0" g="0" b="0"/>
+          </a:fillRef>
+          <a:effectRef idx="0">
+            <a:scrgbClr r="0" g="0" b="0"/>
+          </a:effectRef>
+          <a:fontRef idx="none"/>
+        </p:style>
+        <p:txBody>
+          <a:bodyPr rot="0" spcFirstLastPara="1" vertOverflow="overflow" horzOverflow="overflow" vert="horz" wrap="square" lIns="50800" tIns="50800" rIns="50800" bIns="50800" numCol="1" spcCol="38100" rtlCol="0" anchor="ctr">
+            <a:spAutoFit/>
+          </a:bodyPr>
+          <a:lstStyle/>
+          <a:p>
+            <a:pPr marL="0" marR="0" indent="0" algn="ctr" defTabSz="2438338" rtl="0" fontAlgn="auto" latinLnBrk="0" hangingPunct="0">
+              <a:lnSpc>
+                <a:spcPct val="100000"/>
+              </a:lnSpc>
+              <a:spcBef>
+                <a:spcPts val="0"/>
+              </a:spcBef>
+              <a:spcAft>
+                <a:spcPts val="0"/>
+              </a:spcAft>
+              <a:buClrTx/>
+              <a:buSzTx/>
+              <a:buFontTx/>
+              <a:buNone/>
+              <a:tabLst/>
+            </a:pPr>
+            <a:r>
+              <a:rPr kumimoji="0" lang="en-US" sz="2400" b="0" i="0" u="none" strike="noStrike" cap="none" spc="0" normalizeH="0" baseline="0" dirty="0">
+                <a:ln>
+                  <a:noFill/>
+                </a:ln>
+                <a:solidFill>
+                  <a:srgbClr val="5E5E5E"/>
+                </a:solidFill>
+                <a:effectLst/>
+                <a:uFillTx/>
+                <a:latin typeface="+mn-lt"/>
+                <a:ea typeface="+mn-ea"/>
+                <a:cs typeface="+mn-cs"/>
+                <a:sym typeface="Helvetica Neue"/>
+              </a:rPr>
+              <a:t>0.497</a:t>
+            </a:r>
+          </a:p>
+        </p:txBody>
+      </p:sp>
+      <p:sp>
+        <p:nvSpPr>
+          <p:cNvPr id="20" name="TextBox 19">
+            <a:extLst>
+              <a:ext uri="{FF2B5EF4-FFF2-40B4-BE49-F238E27FC236}">
+                <a16:creationId xmlns:a16="http://schemas.microsoft.com/office/drawing/2014/main" id="{965BF61A-92D7-40FF-BE7A-BC8CEF971186}"/>
+              </a:ext>
+            </a:extLst>
+          </p:cNvPr>
+          <p:cNvSpPr txBox="1"/>
+          <p:nvPr/>
+        </p:nvSpPr>
+        <p:spPr>
+          <a:xfrm>
+            <a:off x="16917733" y="7170990"/>
+            <a:ext cx="1351217" cy="471924"/>
+          </a:xfrm>
+          <a:prstGeom prst="rect">
+            <a:avLst/>
+          </a:prstGeom>
+          <a:noFill/>
+          <a:ln w="12700" cap="flat">
+            <a:noFill/>
+            <a:miter lim="400000"/>
+          </a:ln>
+          <a:effectLst/>
+          <a:sp3d/>
+        </p:spPr>
+        <p:style>
+          <a:lnRef idx="0">
+            <a:scrgbClr r="0" g="0" b="0"/>
+          </a:lnRef>
+          <a:fillRef idx="0">
+            <a:scrgbClr r="0" g="0" b="0"/>
+          </a:fillRef>
+          <a:effectRef idx="0">
+            <a:scrgbClr r="0" g="0" b="0"/>
+          </a:effectRef>
+          <a:fontRef idx="none"/>
+        </p:style>
+        <p:txBody>
+          <a:bodyPr rot="0" spcFirstLastPara="1" vertOverflow="overflow" horzOverflow="overflow" vert="horz" wrap="square" lIns="50800" tIns="50800" rIns="50800" bIns="50800" numCol="1" spcCol="38100" rtlCol="0" anchor="ctr">
+            <a:spAutoFit/>
+          </a:bodyPr>
+          <a:lstStyle/>
+          <a:p>
+            <a:pPr marL="0" marR="0" indent="0" algn="ctr" defTabSz="2438338" rtl="0" fontAlgn="auto" latinLnBrk="0" hangingPunct="0">
+              <a:lnSpc>
+                <a:spcPct val="100000"/>
+              </a:lnSpc>
+              <a:spcBef>
+                <a:spcPts val="0"/>
+              </a:spcBef>
+              <a:spcAft>
+                <a:spcPts val="0"/>
+              </a:spcAft>
+              <a:buClrTx/>
+              <a:buSzTx/>
+              <a:buFontTx/>
+              <a:buNone/>
+              <a:tabLst/>
+            </a:pPr>
+            <a:r>
+              <a:rPr kumimoji="0" lang="en-US" sz="2400" b="0" i="0" u="none" strike="noStrike" cap="none" spc="0" normalizeH="0" baseline="0" dirty="0">
+                <a:ln>
+                  <a:noFill/>
+                </a:ln>
+                <a:solidFill>
+                  <a:srgbClr val="5E5E5E"/>
+                </a:solidFill>
+                <a:effectLst/>
+                <a:uFillTx/>
+                <a:latin typeface="+mn-lt"/>
+                <a:ea typeface="+mn-ea"/>
+                <a:cs typeface="+mn-cs"/>
+                <a:sym typeface="Helvetica Neue"/>
+              </a:rPr>
+              <a:t>0.998</a:t>
+            </a:r>
+          </a:p>
+        </p:txBody>
+      </p:sp>
+      <p:cxnSp>
+        <p:nvCxnSpPr>
+          <p:cNvPr id="21" name="Straight Arrow Connector 20">
+            <a:extLst>
+              <a:ext uri="{FF2B5EF4-FFF2-40B4-BE49-F238E27FC236}">
+                <a16:creationId xmlns:a16="http://schemas.microsoft.com/office/drawing/2014/main" id="{4CD83CC2-6E6D-4B81-9336-543653593755}"/>
+              </a:ext>
+            </a:extLst>
+          </p:cNvPr>
+          <p:cNvCxnSpPr>
+            <a:stCxn id="2" idx="3"/>
+          </p:cNvCxnSpPr>
+          <p:nvPr/>
+        </p:nvCxnSpPr>
+        <p:spPr>
+          <a:xfrm>
+            <a:off x="5686425" y="1885074"/>
+            <a:ext cx="1744405" cy="483612"/>
+          </a:xfrm>
+          <a:prstGeom prst="straightConnector1">
+            <a:avLst/>
+          </a:prstGeom>
+          <a:noFill/>
+          <a:ln w="25400" cap="flat">
+            <a:solidFill>
+              <a:srgbClr val="000000"/>
+            </a:solidFill>
+            <a:prstDash val="solid"/>
+            <a:miter lim="400000"/>
+            <a:tailEnd type="triangle"/>
+          </a:ln>
+          <a:effectLst/>
+          <a:sp3d/>
+        </p:spPr>
+        <p:style>
+          <a:lnRef idx="0">
+            <a:scrgbClr r="0" g="0" b="0"/>
+          </a:lnRef>
+          <a:fillRef idx="0">
+            <a:scrgbClr r="0" g="0" b="0"/>
+          </a:fillRef>
+          <a:effectRef idx="0">
+            <a:scrgbClr r="0" g="0" b="0"/>
+          </a:effectRef>
+          <a:fontRef idx="none"/>
+        </p:style>
+      </p:cxnSp>
+      <p:cxnSp>
+        <p:nvCxnSpPr>
+          <p:cNvPr id="23" name="Straight Arrow Connector 22">
+            <a:extLst>
+              <a:ext uri="{FF2B5EF4-FFF2-40B4-BE49-F238E27FC236}">
+                <a16:creationId xmlns:a16="http://schemas.microsoft.com/office/drawing/2014/main" id="{1B2EBB95-E5BC-488A-92B9-80C7775C3FC7}"/>
+              </a:ext>
+            </a:extLst>
+          </p:cNvPr>
+          <p:cNvCxnSpPr>
+            <a:stCxn id="5" idx="3"/>
+            <a:endCxn id="13" idx="1"/>
+          </p:cNvCxnSpPr>
+          <p:nvPr/>
+        </p:nvCxnSpPr>
+        <p:spPr>
+          <a:xfrm flipV="1">
+            <a:off x="5686424" y="2368686"/>
+            <a:ext cx="1744409" cy="468888"/>
+          </a:xfrm>
+          <a:prstGeom prst="straightConnector1">
+            <a:avLst/>
+          </a:prstGeom>
+          <a:noFill/>
+          <a:ln w="25400" cap="flat">
+            <a:solidFill>
+              <a:srgbClr val="000000"/>
+            </a:solidFill>
+            <a:prstDash val="solid"/>
+            <a:miter lim="400000"/>
+            <a:tailEnd type="triangle"/>
+          </a:ln>
+          <a:effectLst/>
+          <a:sp3d/>
+        </p:spPr>
+        <p:style>
+          <a:lnRef idx="0">
+            <a:scrgbClr r="0" g="0" b="0"/>
+          </a:lnRef>
+          <a:fillRef idx="0">
+            <a:scrgbClr r="0" g="0" b="0"/>
+          </a:fillRef>
+          <a:effectRef idx="0">
+            <a:scrgbClr r="0" g="0" b="0"/>
+          </a:effectRef>
+          <a:fontRef idx="none"/>
+        </p:style>
+      </p:cxnSp>
+      <p:cxnSp>
+        <p:nvCxnSpPr>
+          <p:cNvPr id="25" name="Straight Arrow Connector 24">
+            <a:extLst>
+              <a:ext uri="{FF2B5EF4-FFF2-40B4-BE49-F238E27FC236}">
+                <a16:creationId xmlns:a16="http://schemas.microsoft.com/office/drawing/2014/main" id="{C007E900-76CD-4CA9-8C73-49582FC8C091}"/>
+              </a:ext>
+            </a:extLst>
+          </p:cNvPr>
+          <p:cNvCxnSpPr>
+            <a:stCxn id="9" idx="3"/>
+            <a:endCxn id="14" idx="1"/>
+          </p:cNvCxnSpPr>
+          <p:nvPr/>
+        </p:nvCxnSpPr>
+        <p:spPr>
+          <a:xfrm>
+            <a:off x="5781674" y="3885738"/>
+            <a:ext cx="1649158" cy="910488"/>
+          </a:xfrm>
+          <a:prstGeom prst="straightConnector1">
+            <a:avLst/>
+          </a:prstGeom>
+          <a:noFill/>
+          <a:ln w="25400" cap="flat">
+            <a:solidFill>
+              <a:srgbClr val="000000"/>
+            </a:solidFill>
+            <a:prstDash val="solid"/>
+            <a:miter lim="400000"/>
+            <a:tailEnd type="triangle"/>
+          </a:ln>
+          <a:effectLst/>
+          <a:sp3d/>
+        </p:spPr>
+        <p:style>
+          <a:lnRef idx="0">
+            <a:scrgbClr r="0" g="0" b="0"/>
+          </a:lnRef>
+          <a:fillRef idx="0">
+            <a:scrgbClr r="0" g="0" b="0"/>
+          </a:fillRef>
+          <a:effectRef idx="0">
+            <a:scrgbClr r="0" g="0" b="0"/>
+          </a:effectRef>
+          <a:fontRef idx="none"/>
+        </p:style>
+      </p:cxnSp>
+      <p:cxnSp>
+        <p:nvCxnSpPr>
+          <p:cNvPr id="27" name="Straight Arrow Connector 26">
+            <a:extLst>
+              <a:ext uri="{FF2B5EF4-FFF2-40B4-BE49-F238E27FC236}">
+                <a16:creationId xmlns:a16="http://schemas.microsoft.com/office/drawing/2014/main" id="{E5E20197-1340-452D-BAD6-4A1701EE39A8}"/>
+              </a:ext>
+            </a:extLst>
+          </p:cNvPr>
+          <p:cNvCxnSpPr>
+            <a:stCxn id="8" idx="3"/>
+            <a:endCxn id="14" idx="1"/>
+          </p:cNvCxnSpPr>
+          <p:nvPr/>
+        </p:nvCxnSpPr>
+        <p:spPr>
+          <a:xfrm flipV="1">
+            <a:off x="5686425" y="4796226"/>
+            <a:ext cx="1744407" cy="499212"/>
+          </a:xfrm>
+          <a:prstGeom prst="straightConnector1">
+            <a:avLst/>
+          </a:prstGeom>
+          <a:noFill/>
+          <a:ln w="25400" cap="flat">
+            <a:solidFill>
+              <a:srgbClr val="000000"/>
+            </a:solidFill>
+            <a:prstDash val="solid"/>
+            <a:miter lim="400000"/>
+            <a:tailEnd type="triangle"/>
+          </a:ln>
+          <a:effectLst/>
+          <a:sp3d/>
+        </p:spPr>
+        <p:style>
+          <a:lnRef idx="0">
+            <a:scrgbClr r="0" g="0" b="0"/>
+          </a:lnRef>
+          <a:fillRef idx="0">
+            <a:scrgbClr r="0" g="0" b="0"/>
+          </a:fillRef>
+          <a:effectRef idx="0">
+            <a:scrgbClr r="0" g="0" b="0"/>
+          </a:effectRef>
+          <a:fontRef idx="none"/>
+        </p:style>
+      </p:cxnSp>
+      <p:cxnSp>
+        <p:nvCxnSpPr>
+          <p:cNvPr id="29" name="Straight Arrow Connector 28">
+            <a:extLst>
+              <a:ext uri="{FF2B5EF4-FFF2-40B4-BE49-F238E27FC236}">
+                <a16:creationId xmlns:a16="http://schemas.microsoft.com/office/drawing/2014/main" id="{6EB7E623-4BC7-4D85-AB9D-EA83AE32343E}"/>
+              </a:ext>
+            </a:extLst>
+          </p:cNvPr>
+          <p:cNvCxnSpPr>
+            <a:stCxn id="7" idx="3"/>
+          </p:cNvCxnSpPr>
+          <p:nvPr/>
+        </p:nvCxnSpPr>
+        <p:spPr>
+          <a:xfrm>
+            <a:off x="5686425" y="6469176"/>
+            <a:ext cx="1571625" cy="388824"/>
+          </a:xfrm>
+          <a:prstGeom prst="straightConnector1">
+            <a:avLst/>
+          </a:prstGeom>
+          <a:noFill/>
+          <a:ln w="25400" cap="flat">
+            <a:solidFill>
+              <a:srgbClr val="000000"/>
+            </a:solidFill>
+            <a:prstDash val="solid"/>
+            <a:miter lim="400000"/>
+            <a:tailEnd type="triangle"/>
+          </a:ln>
+          <a:effectLst/>
+          <a:sp3d/>
+        </p:spPr>
+        <p:style>
+          <a:lnRef idx="0">
+            <a:scrgbClr r="0" g="0" b="0"/>
+          </a:lnRef>
+          <a:fillRef idx="0">
+            <a:scrgbClr r="0" g="0" b="0"/>
+          </a:fillRef>
+          <a:effectRef idx="0">
+            <a:scrgbClr r="0" g="0" b="0"/>
+          </a:effectRef>
+          <a:fontRef idx="none"/>
+        </p:style>
+      </p:cxnSp>
+      <p:cxnSp>
+        <p:nvCxnSpPr>
+          <p:cNvPr id="31" name="Straight Arrow Connector 30">
+            <a:extLst>
+              <a:ext uri="{FF2B5EF4-FFF2-40B4-BE49-F238E27FC236}">
+                <a16:creationId xmlns:a16="http://schemas.microsoft.com/office/drawing/2014/main" id="{5C914FC9-8EA7-4393-850A-CB623F36CF96}"/>
+              </a:ext>
+            </a:extLst>
+          </p:cNvPr>
+          <p:cNvCxnSpPr>
+            <a:stCxn id="6" idx="3"/>
+          </p:cNvCxnSpPr>
+          <p:nvPr/>
+        </p:nvCxnSpPr>
+        <p:spPr>
+          <a:xfrm flipV="1">
+            <a:off x="5781674" y="6906915"/>
+            <a:ext cx="1476376" cy="735999"/>
+          </a:xfrm>
+          <a:prstGeom prst="straightConnector1">
+            <a:avLst/>
+          </a:prstGeom>
+          <a:noFill/>
+          <a:ln w="25400" cap="flat">
+            <a:solidFill>
+              <a:srgbClr val="000000"/>
+            </a:solidFill>
+            <a:prstDash val="solid"/>
+            <a:miter lim="400000"/>
+            <a:tailEnd type="triangle"/>
+          </a:ln>
+          <a:effectLst/>
+          <a:sp3d/>
+        </p:spPr>
+        <p:style>
+          <a:lnRef idx="0">
+            <a:scrgbClr r="0" g="0" b="0"/>
+          </a:lnRef>
+          <a:fillRef idx="0">
+            <a:scrgbClr r="0" g="0" b="0"/>
+          </a:fillRef>
+          <a:effectRef idx="0">
+            <a:scrgbClr r="0" g="0" b="0"/>
+          </a:effectRef>
+          <a:fontRef idx="none"/>
+        </p:style>
+      </p:cxnSp>
+      <p:cxnSp>
+        <p:nvCxnSpPr>
+          <p:cNvPr id="33" name="Straight Arrow Connector 32">
+            <a:extLst>
+              <a:ext uri="{FF2B5EF4-FFF2-40B4-BE49-F238E27FC236}">
+                <a16:creationId xmlns:a16="http://schemas.microsoft.com/office/drawing/2014/main" id="{503896CB-5684-4AED-9302-FC572646477A}"/>
+              </a:ext>
+            </a:extLst>
+          </p:cNvPr>
+          <p:cNvCxnSpPr>
+            <a:stCxn id="10" idx="3"/>
+          </p:cNvCxnSpPr>
+          <p:nvPr/>
+        </p:nvCxnSpPr>
+        <p:spPr>
+          <a:xfrm>
+            <a:off x="5686423" y="8844765"/>
+            <a:ext cx="1571627" cy="493965"/>
+          </a:xfrm>
+          <a:prstGeom prst="straightConnector1">
+            <a:avLst/>
+          </a:prstGeom>
+          <a:noFill/>
+          <a:ln w="25400" cap="flat">
+            <a:solidFill>
+              <a:srgbClr val="000000"/>
+            </a:solidFill>
+            <a:prstDash val="solid"/>
+            <a:miter lim="400000"/>
+            <a:tailEnd type="triangle"/>
+          </a:ln>
+          <a:effectLst/>
+          <a:sp3d/>
+        </p:spPr>
+        <p:style>
+          <a:lnRef idx="0">
+            <a:scrgbClr r="0" g="0" b="0"/>
+          </a:lnRef>
+          <a:fillRef idx="0">
+            <a:scrgbClr r="0" g="0" b="0"/>
+          </a:fillRef>
+          <a:effectRef idx="0">
+            <a:scrgbClr r="0" g="0" b="0"/>
+          </a:effectRef>
+          <a:fontRef idx="none"/>
+        </p:style>
+      </p:cxnSp>
+      <p:cxnSp>
+        <p:nvCxnSpPr>
+          <p:cNvPr id="35" name="Straight Arrow Connector 34">
+            <a:extLst>
+              <a:ext uri="{FF2B5EF4-FFF2-40B4-BE49-F238E27FC236}">
+                <a16:creationId xmlns:a16="http://schemas.microsoft.com/office/drawing/2014/main" id="{99F07DE7-E52E-4960-83D3-37984EAC58FC}"/>
+              </a:ext>
+            </a:extLst>
+          </p:cNvPr>
+          <p:cNvCxnSpPr>
+            <a:stCxn id="11" idx="3"/>
+          </p:cNvCxnSpPr>
+          <p:nvPr/>
+        </p:nvCxnSpPr>
+        <p:spPr>
+          <a:xfrm flipV="1">
+            <a:off x="5686422" y="9338730"/>
+            <a:ext cx="1571628" cy="471924"/>
+          </a:xfrm>
+          <a:prstGeom prst="straightConnector1">
+            <a:avLst/>
+          </a:prstGeom>
+          <a:noFill/>
+          <a:ln w="25400" cap="flat">
+            <a:solidFill>
+              <a:srgbClr val="000000"/>
+            </a:solidFill>
+            <a:prstDash val="solid"/>
+            <a:miter lim="400000"/>
+            <a:tailEnd type="triangle"/>
+          </a:ln>
+          <a:effectLst/>
+          <a:sp3d/>
+        </p:spPr>
+        <p:style>
+          <a:lnRef idx="0">
+            <a:scrgbClr r="0" g="0" b="0"/>
+          </a:lnRef>
+          <a:fillRef idx="0">
+            <a:scrgbClr r="0" g="0" b="0"/>
+          </a:fillRef>
+          <a:effectRef idx="0">
+            <a:scrgbClr r="0" g="0" b="0"/>
+          </a:effectRef>
+          <a:fontRef idx="none"/>
+        </p:style>
+      </p:cxnSp>
+      <p:cxnSp>
+        <p:nvCxnSpPr>
+          <p:cNvPr id="37" name="Straight Arrow Connector 36">
+            <a:extLst>
+              <a:ext uri="{FF2B5EF4-FFF2-40B4-BE49-F238E27FC236}">
+                <a16:creationId xmlns:a16="http://schemas.microsoft.com/office/drawing/2014/main" id="{9C725BC5-DD01-43D6-94AB-57E23F6C922B}"/>
+              </a:ext>
+            </a:extLst>
+          </p:cNvPr>
+          <p:cNvCxnSpPr>
+            <a:stCxn id="13" idx="3"/>
+            <a:endCxn id="17" idx="1"/>
+          </p:cNvCxnSpPr>
+          <p:nvPr/>
+        </p:nvCxnSpPr>
+        <p:spPr>
+          <a:xfrm>
+            <a:off x="8782050" y="2368686"/>
+            <a:ext cx="1106233" cy="1281090"/>
+          </a:xfrm>
+          <a:prstGeom prst="straightConnector1">
+            <a:avLst/>
+          </a:prstGeom>
+          <a:noFill/>
+          <a:ln w="25400" cap="flat">
+            <a:solidFill>
+              <a:srgbClr val="000000"/>
+            </a:solidFill>
+            <a:prstDash val="solid"/>
+            <a:miter lim="400000"/>
+            <a:tailEnd type="triangle"/>
+          </a:ln>
+          <a:effectLst/>
+          <a:sp3d/>
+        </p:spPr>
+        <p:style>
+          <a:lnRef idx="0">
+            <a:scrgbClr r="0" g="0" b="0"/>
+          </a:lnRef>
+          <a:fillRef idx="0">
+            <a:scrgbClr r="0" g="0" b="0"/>
+          </a:fillRef>
+          <a:effectRef idx="0">
+            <a:scrgbClr r="0" g="0" b="0"/>
+          </a:effectRef>
+          <a:fontRef idx="none"/>
+        </p:style>
+      </p:cxnSp>
+      <p:cxnSp>
+        <p:nvCxnSpPr>
+          <p:cNvPr id="39" name="Straight Arrow Connector 38">
+            <a:extLst>
+              <a:ext uri="{FF2B5EF4-FFF2-40B4-BE49-F238E27FC236}">
+                <a16:creationId xmlns:a16="http://schemas.microsoft.com/office/drawing/2014/main" id="{4BE2FE85-262E-4BC2-83DC-F0570FE7F7BC}"/>
+              </a:ext>
+            </a:extLst>
+          </p:cNvPr>
+          <p:cNvCxnSpPr>
+            <a:stCxn id="14" idx="3"/>
+            <a:endCxn id="17" idx="1"/>
+          </p:cNvCxnSpPr>
+          <p:nvPr/>
+        </p:nvCxnSpPr>
+        <p:spPr>
+          <a:xfrm flipV="1">
+            <a:off x="8782049" y="3649776"/>
+            <a:ext cx="1106234" cy="1146450"/>
+          </a:xfrm>
+          <a:prstGeom prst="straightConnector1">
+            <a:avLst/>
+          </a:prstGeom>
+          <a:noFill/>
+          <a:ln w="25400" cap="flat">
+            <a:solidFill>
+              <a:srgbClr val="000000"/>
+            </a:solidFill>
+            <a:prstDash val="solid"/>
+            <a:miter lim="400000"/>
+            <a:tailEnd type="triangle"/>
+          </a:ln>
+          <a:effectLst/>
+          <a:sp3d/>
+        </p:spPr>
+        <p:style>
+          <a:lnRef idx="0">
+            <a:scrgbClr r="0" g="0" b="0"/>
+          </a:lnRef>
+          <a:fillRef idx="0">
+            <a:scrgbClr r="0" g="0" b="0"/>
+          </a:fillRef>
+          <a:effectRef idx="0">
+            <a:scrgbClr r="0" g="0" b="0"/>
+          </a:effectRef>
+          <a:fontRef idx="none"/>
+        </p:style>
+      </p:cxnSp>
+      <p:cxnSp>
+        <p:nvCxnSpPr>
+          <p:cNvPr id="41" name="Straight Arrow Connector 40">
+            <a:extLst>
+              <a:ext uri="{FF2B5EF4-FFF2-40B4-BE49-F238E27FC236}">
+                <a16:creationId xmlns:a16="http://schemas.microsoft.com/office/drawing/2014/main" id="{58AD00E8-FA45-4172-9707-BA436F82ABD6}"/>
+              </a:ext>
+            </a:extLst>
+          </p:cNvPr>
+          <p:cNvCxnSpPr>
+            <a:stCxn id="15" idx="3"/>
+            <a:endCxn id="18" idx="1"/>
+          </p:cNvCxnSpPr>
+          <p:nvPr/>
+        </p:nvCxnSpPr>
+        <p:spPr>
+          <a:xfrm>
+            <a:off x="8782047" y="6858000"/>
+            <a:ext cx="1534861" cy="2962545"/>
+          </a:xfrm>
+          <a:prstGeom prst="straightConnector1">
+            <a:avLst/>
+          </a:prstGeom>
+          <a:noFill/>
+          <a:ln w="25400" cap="flat">
+            <a:solidFill>
+              <a:srgbClr val="000000"/>
+            </a:solidFill>
+            <a:prstDash val="solid"/>
+            <a:miter lim="400000"/>
+            <a:tailEnd type="triangle"/>
+          </a:ln>
+          <a:effectLst/>
+          <a:sp3d/>
+        </p:spPr>
+        <p:style>
+          <a:lnRef idx="0">
+            <a:scrgbClr r="0" g="0" b="0"/>
+          </a:lnRef>
+          <a:fillRef idx="0">
+            <a:scrgbClr r="0" g="0" b="0"/>
+          </a:fillRef>
+          <a:effectRef idx="0">
+            <a:scrgbClr r="0" g="0" b="0"/>
+          </a:effectRef>
+          <a:fontRef idx="none"/>
+        </p:style>
+      </p:cxnSp>
+      <p:cxnSp>
+        <p:nvCxnSpPr>
+          <p:cNvPr id="43" name="Straight Arrow Connector 42">
+            <a:extLst>
+              <a:ext uri="{FF2B5EF4-FFF2-40B4-BE49-F238E27FC236}">
+                <a16:creationId xmlns:a16="http://schemas.microsoft.com/office/drawing/2014/main" id="{1754EC92-407C-4601-B11E-FBFBCB7030F9}"/>
+              </a:ext>
+            </a:extLst>
+          </p:cNvPr>
+          <p:cNvCxnSpPr>
+            <a:stCxn id="12" idx="3"/>
+            <a:endCxn id="18" idx="1"/>
+          </p:cNvCxnSpPr>
+          <p:nvPr/>
+        </p:nvCxnSpPr>
+        <p:spPr>
+          <a:xfrm flipV="1">
+            <a:off x="5686421" y="9820545"/>
+            <a:ext cx="4630487" cy="1107621"/>
+          </a:xfrm>
+          <a:prstGeom prst="straightConnector1">
+            <a:avLst/>
+          </a:prstGeom>
+          <a:noFill/>
+          <a:ln w="25400" cap="flat">
+            <a:solidFill>
+              <a:srgbClr val="000000"/>
+            </a:solidFill>
+            <a:prstDash val="solid"/>
+            <a:miter lim="400000"/>
+            <a:tailEnd type="triangle"/>
+          </a:ln>
+          <a:effectLst/>
+          <a:sp3d/>
+        </p:spPr>
+        <p:style>
+          <a:lnRef idx="0">
+            <a:scrgbClr r="0" g="0" b="0"/>
+          </a:lnRef>
+          <a:fillRef idx="0">
+            <a:scrgbClr r="0" g="0" b="0"/>
+          </a:fillRef>
+          <a:effectRef idx="0">
+            <a:scrgbClr r="0" g="0" b="0"/>
+          </a:effectRef>
+          <a:fontRef idx="none"/>
+        </p:style>
+      </p:cxnSp>
+      <p:cxnSp>
+        <p:nvCxnSpPr>
+          <p:cNvPr id="47" name="Straight Arrow Connector 46">
+            <a:extLst>
+              <a:ext uri="{FF2B5EF4-FFF2-40B4-BE49-F238E27FC236}">
+                <a16:creationId xmlns:a16="http://schemas.microsoft.com/office/drawing/2014/main" id="{AA33C48C-79F5-4287-BD9E-3A7BBB49A3AD}"/>
+              </a:ext>
+            </a:extLst>
+          </p:cNvPr>
+          <p:cNvCxnSpPr>
+            <a:stCxn id="16" idx="3"/>
+            <a:endCxn id="19" idx="1"/>
+          </p:cNvCxnSpPr>
+          <p:nvPr/>
+        </p:nvCxnSpPr>
+        <p:spPr>
+          <a:xfrm flipV="1">
+            <a:off x="8695657" y="5996790"/>
+            <a:ext cx="4507326" cy="3369014"/>
+          </a:xfrm>
+          <a:prstGeom prst="straightConnector1">
+            <a:avLst/>
+          </a:prstGeom>
+          <a:noFill/>
+          <a:ln w="25400" cap="flat">
+            <a:solidFill>
+              <a:srgbClr val="000000"/>
+            </a:solidFill>
+            <a:prstDash val="solid"/>
+            <a:miter lim="400000"/>
+            <a:tailEnd type="triangle"/>
+          </a:ln>
+          <a:effectLst/>
+          <a:sp3d/>
+        </p:spPr>
+        <p:style>
+          <a:lnRef idx="0">
+            <a:scrgbClr r="0" g="0" b="0"/>
+          </a:lnRef>
+          <a:fillRef idx="0">
+            <a:scrgbClr r="0" g="0" b="0"/>
+          </a:fillRef>
+          <a:effectRef idx="0">
+            <a:scrgbClr r="0" g="0" b="0"/>
+          </a:effectRef>
+          <a:fontRef idx="none"/>
+        </p:style>
+      </p:cxnSp>
+      <p:cxnSp>
+        <p:nvCxnSpPr>
+          <p:cNvPr id="49" name="Straight Arrow Connector 48">
+            <a:extLst>
+              <a:ext uri="{FF2B5EF4-FFF2-40B4-BE49-F238E27FC236}">
+                <a16:creationId xmlns:a16="http://schemas.microsoft.com/office/drawing/2014/main" id="{F4F6B95F-EA40-457B-947E-445921E58869}"/>
+              </a:ext>
+            </a:extLst>
+          </p:cNvPr>
+          <p:cNvCxnSpPr>
+            <a:stCxn id="17" idx="3"/>
+            <a:endCxn id="19" idx="1"/>
+          </p:cNvCxnSpPr>
+          <p:nvPr/>
+        </p:nvCxnSpPr>
+        <p:spPr>
+          <a:xfrm>
+            <a:off x="11239500" y="3649776"/>
+            <a:ext cx="1963483" cy="2347014"/>
+          </a:xfrm>
+          <a:prstGeom prst="straightConnector1">
+            <a:avLst/>
+          </a:prstGeom>
+          <a:noFill/>
+          <a:ln w="25400" cap="flat">
+            <a:solidFill>
+              <a:srgbClr val="000000"/>
+            </a:solidFill>
+            <a:prstDash val="solid"/>
+            <a:miter lim="400000"/>
+            <a:tailEnd type="triangle"/>
+          </a:ln>
+          <a:effectLst/>
+          <a:sp3d/>
+        </p:spPr>
+        <p:style>
+          <a:lnRef idx="0">
+            <a:scrgbClr r="0" g="0" b="0"/>
+          </a:lnRef>
+          <a:fillRef idx="0">
+            <a:scrgbClr r="0" g="0" b="0"/>
+          </a:fillRef>
+          <a:effectRef idx="0">
+            <a:scrgbClr r="0" g="0" b="0"/>
+          </a:effectRef>
+          <a:fontRef idx="none"/>
+        </p:style>
+      </p:cxnSp>
+      <p:cxnSp>
+        <p:nvCxnSpPr>
+          <p:cNvPr id="51" name="Straight Arrow Connector 50">
+            <a:extLst>
+              <a:ext uri="{FF2B5EF4-FFF2-40B4-BE49-F238E27FC236}">
+                <a16:creationId xmlns:a16="http://schemas.microsoft.com/office/drawing/2014/main" id="{E681E3CD-8410-41F8-8640-8B94A8888464}"/>
+              </a:ext>
+            </a:extLst>
+          </p:cNvPr>
+          <p:cNvCxnSpPr>
+            <a:stCxn id="18" idx="3"/>
+            <a:endCxn id="20" idx="1"/>
+          </p:cNvCxnSpPr>
+          <p:nvPr/>
+        </p:nvCxnSpPr>
+        <p:spPr>
+          <a:xfrm flipV="1">
+            <a:off x="11668125" y="7406952"/>
+            <a:ext cx="5249608" cy="2413593"/>
+          </a:xfrm>
+          <a:prstGeom prst="straightConnector1">
+            <a:avLst/>
+          </a:prstGeom>
+          <a:noFill/>
+          <a:ln w="25400" cap="flat">
+            <a:solidFill>
+              <a:srgbClr val="000000"/>
+            </a:solidFill>
+            <a:prstDash val="solid"/>
+            <a:miter lim="400000"/>
+            <a:tailEnd type="triangle"/>
+          </a:ln>
+          <a:effectLst/>
+          <a:sp3d/>
+        </p:spPr>
+        <p:style>
+          <a:lnRef idx="0">
+            <a:scrgbClr r="0" g="0" b="0"/>
+          </a:lnRef>
+          <a:fillRef idx="0">
+            <a:scrgbClr r="0" g="0" b="0"/>
+          </a:fillRef>
+          <a:effectRef idx="0">
+            <a:scrgbClr r="0" g="0" b="0"/>
+          </a:effectRef>
+          <a:fontRef idx="none"/>
+        </p:style>
+      </p:cxnSp>
+      <p:cxnSp>
+        <p:nvCxnSpPr>
+          <p:cNvPr id="53" name="Straight Arrow Connector 52">
+            <a:extLst>
+              <a:ext uri="{FF2B5EF4-FFF2-40B4-BE49-F238E27FC236}">
+                <a16:creationId xmlns:a16="http://schemas.microsoft.com/office/drawing/2014/main" id="{0642FE48-21C7-40C3-A803-48927243914B}"/>
+              </a:ext>
+            </a:extLst>
+          </p:cNvPr>
+          <p:cNvCxnSpPr>
+            <a:stCxn id="19" idx="3"/>
+            <a:endCxn id="20" idx="1"/>
+          </p:cNvCxnSpPr>
+          <p:nvPr/>
+        </p:nvCxnSpPr>
+        <p:spPr>
+          <a:xfrm>
+            <a:off x="14554200" y="5996790"/>
+            <a:ext cx="2363533" cy="1410162"/>
+          </a:xfrm>
+          <a:prstGeom prst="straightConnector1">
+            <a:avLst/>
+          </a:prstGeom>
+          <a:noFill/>
+          <a:ln w="25400" cap="flat">
+            <a:solidFill>
+              <a:srgbClr val="000000"/>
+            </a:solidFill>
+            <a:prstDash val="solid"/>
+            <a:miter lim="400000"/>
+            <a:tailEnd type="triangle"/>
+          </a:ln>
+          <a:effectLst/>
+          <a:sp3d/>
+        </p:spPr>
+        <p:style>
+          <a:lnRef idx="0">
+            <a:scrgbClr r="0" g="0" b="0"/>
+          </a:lnRef>
+          <a:fillRef idx="0">
+            <a:scrgbClr r="0" g="0" b="0"/>
+          </a:fillRef>
+          <a:effectRef idx="0">
+            <a:scrgbClr r="0" g="0" b="0"/>
+          </a:effectRef>
+          <a:fontRef idx="none"/>
+        </p:style>
+      </p:cxnSp>
     </p:spTree>
     <p:extLst>
       <p:ext uri="{BB962C8B-B14F-4D97-AF65-F5344CB8AC3E}">
@@ -10760,9 +12917,12 @@
 </file>
 
 <file path=customXml/item1.xml><?xml version="1.0" encoding="utf-8"?>
-<p:properties xmlns:p="http://schemas.microsoft.com/office/2006/metadata/properties" xmlns:xsi="http://www.w3.org/2001/XMLSchema-instance" xmlns:pc="http://schemas.microsoft.com/office/infopath/2007/PartnerControls">
-  <documentManagement/>
-</p:properties>
+<?mso-contentType ?>
+<FormTemplates xmlns="http://schemas.microsoft.com/sharepoint/v3/contenttype/forms">
+  <Display>DocumentLibraryForm</Display>
+  <Edit>DocumentLibraryForm</Edit>
+  <New>DocumentLibraryForm</New>
+</FormTemplates>
 </file>
 
 <file path=customXml/item2.xml><?xml version="1.0" encoding="utf-8"?>
@@ -10969,19 +13129,15 @@
 </file>
 
 <file path=customXml/item3.xml><?xml version="1.0" encoding="utf-8"?>
-<?mso-contentType ?>
-<FormTemplates xmlns="http://schemas.microsoft.com/sharepoint/v3/contenttype/forms">
-  <Display>DocumentLibraryForm</Display>
-  <Edit>DocumentLibraryForm</Edit>
-  <New>DocumentLibraryForm</New>
-</FormTemplates>
+<p:properties xmlns:p="http://schemas.microsoft.com/office/2006/metadata/properties" xmlns:xsi="http://www.w3.org/2001/XMLSchema-instance" xmlns:pc="http://schemas.microsoft.com/office/infopath/2007/PartnerControls">
+  <documentManagement/>
+</p:properties>
 </file>
 
 <file path=customXml/itemProps1.xml><?xml version="1.0" encoding="utf-8"?>
-<ds:datastoreItem xmlns:ds="http://schemas.openxmlformats.org/officeDocument/2006/customXml" ds:itemID="{0B24D49F-F276-498D-A24D-B13464F5F0FE}">
+<ds:datastoreItem xmlns:ds="http://schemas.openxmlformats.org/officeDocument/2006/customXml" ds:itemID="{7DF2CD51-6DB2-48C4-8BB2-FE46CBA753F9}">
   <ds:schemaRefs>
-    <ds:schemaRef ds:uri="http://schemas.microsoft.com/office/2006/metadata/properties"/>
-    <ds:schemaRef ds:uri="http://schemas.microsoft.com/office/infopath/2007/PartnerControls"/>
+    <ds:schemaRef ds:uri="http://schemas.microsoft.com/sharepoint/v3/contenttype/forms"/>
   </ds:schemaRefs>
 </ds:datastoreItem>
 </file>
@@ -11006,9 +13162,10 @@
 </file>
 
 <file path=customXml/itemProps3.xml><?xml version="1.0" encoding="utf-8"?>
-<ds:datastoreItem xmlns:ds="http://schemas.openxmlformats.org/officeDocument/2006/customXml" ds:itemID="{7DF2CD51-6DB2-48C4-8BB2-FE46CBA753F9}">
+<ds:datastoreItem xmlns:ds="http://schemas.openxmlformats.org/officeDocument/2006/customXml" ds:itemID="{0B24D49F-F276-498D-A24D-B13464F5F0FE}">
   <ds:schemaRefs>
-    <ds:schemaRef ds:uri="http://schemas.microsoft.com/sharepoint/v3/contenttype/forms"/>
+    <ds:schemaRef ds:uri="http://schemas.microsoft.com/office/2006/metadata/properties"/>
+    <ds:schemaRef ds:uri="http://schemas.microsoft.com/office/infopath/2007/PartnerControls"/>
   </ds:schemaRefs>
 </ds:datastoreItem>
 </file>
--- a/Latihan 6.pptx
+++ b/Latihan 6.pptx
@@ -10762,6 +10762,3637 @@
           <a:fontRef idx="none"/>
         </p:style>
       </p:cxnSp>
+      <p:cxnSp>
+        <p:nvCxnSpPr>
+          <p:cNvPr id="58" name="Straight Arrow Connector 57">
+            <a:extLst>
+              <a:ext uri="{FF2B5EF4-FFF2-40B4-BE49-F238E27FC236}">
+                <a16:creationId xmlns:a16="http://schemas.microsoft.com/office/drawing/2014/main" id="{B958D9C9-A402-4372-961F-7F59C67BC73B}"/>
+              </a:ext>
+            </a:extLst>
+          </p:cNvPr>
+          <p:cNvCxnSpPr>
+            <a:endCxn id="2" idx="1"/>
+          </p:cNvCxnSpPr>
+          <p:nvPr/>
+        </p:nvCxnSpPr>
+        <p:spPr>
+          <a:xfrm>
+            <a:off x="2743200" y="1428750"/>
+            <a:ext cx="1592008" cy="456324"/>
+          </a:xfrm>
+          <a:prstGeom prst="straightConnector1">
+            <a:avLst/>
+          </a:prstGeom>
+          <a:noFill/>
+          <a:ln w="25400" cap="flat">
+            <a:solidFill>
+              <a:srgbClr val="000000"/>
+            </a:solidFill>
+            <a:prstDash val="solid"/>
+            <a:miter lim="400000"/>
+            <a:tailEnd type="triangle"/>
+          </a:ln>
+          <a:effectLst/>
+          <a:sp3d/>
+        </p:spPr>
+        <p:style>
+          <a:lnRef idx="0">
+            <a:scrgbClr r="0" g="0" b="0"/>
+          </a:lnRef>
+          <a:fillRef idx="0">
+            <a:scrgbClr r="0" g="0" b="0"/>
+          </a:fillRef>
+          <a:effectRef idx="0">
+            <a:scrgbClr r="0" g="0" b="0"/>
+          </a:effectRef>
+          <a:fontRef idx="none"/>
+        </p:style>
+      </p:cxnSp>
+      <p:cxnSp>
+        <p:nvCxnSpPr>
+          <p:cNvPr id="60" name="Straight Arrow Connector 59">
+            <a:extLst>
+              <a:ext uri="{FF2B5EF4-FFF2-40B4-BE49-F238E27FC236}">
+                <a16:creationId xmlns:a16="http://schemas.microsoft.com/office/drawing/2014/main" id="{6B9929FB-D0BE-4488-BDA9-DDA9BE1232A0}"/>
+              </a:ext>
+            </a:extLst>
+          </p:cNvPr>
+          <p:cNvCxnSpPr>
+            <a:endCxn id="2" idx="1"/>
+          </p:cNvCxnSpPr>
+          <p:nvPr/>
+        </p:nvCxnSpPr>
+        <p:spPr>
+          <a:xfrm flipV="1">
+            <a:off x="2743200" y="1885074"/>
+            <a:ext cx="1592008" cy="123413"/>
+          </a:xfrm>
+          <a:prstGeom prst="straightConnector1">
+            <a:avLst/>
+          </a:prstGeom>
+          <a:noFill/>
+          <a:ln w="25400" cap="flat">
+            <a:solidFill>
+              <a:srgbClr val="000000"/>
+            </a:solidFill>
+            <a:prstDash val="solid"/>
+            <a:miter lim="400000"/>
+            <a:tailEnd type="triangle"/>
+          </a:ln>
+          <a:effectLst/>
+          <a:sp3d/>
+        </p:spPr>
+        <p:style>
+          <a:lnRef idx="0">
+            <a:scrgbClr r="0" g="0" b="0"/>
+          </a:lnRef>
+          <a:fillRef idx="0">
+            <a:scrgbClr r="0" g="0" b="0"/>
+          </a:fillRef>
+          <a:effectRef idx="0">
+            <a:scrgbClr r="0" g="0" b="0"/>
+          </a:effectRef>
+          <a:fontRef idx="none"/>
+        </p:style>
+      </p:cxnSp>
+      <p:cxnSp>
+        <p:nvCxnSpPr>
+          <p:cNvPr id="62" name="Straight Arrow Connector 61">
+            <a:extLst>
+              <a:ext uri="{FF2B5EF4-FFF2-40B4-BE49-F238E27FC236}">
+                <a16:creationId xmlns:a16="http://schemas.microsoft.com/office/drawing/2014/main" id="{4E3FC03F-B870-44AA-A1D1-98BDED2D79B4}"/>
+              </a:ext>
+            </a:extLst>
+          </p:cNvPr>
+          <p:cNvCxnSpPr>
+            <a:endCxn id="5" idx="1"/>
+          </p:cNvCxnSpPr>
+          <p:nvPr/>
+        </p:nvCxnSpPr>
+        <p:spPr>
+          <a:xfrm>
+            <a:off x="2743200" y="2615001"/>
+            <a:ext cx="1592007" cy="222573"/>
+          </a:xfrm>
+          <a:prstGeom prst="straightConnector1">
+            <a:avLst/>
+          </a:prstGeom>
+          <a:noFill/>
+          <a:ln w="25400" cap="flat">
+            <a:solidFill>
+              <a:srgbClr val="000000"/>
+            </a:solidFill>
+            <a:prstDash val="solid"/>
+            <a:miter lim="400000"/>
+            <a:tailEnd type="triangle"/>
+          </a:ln>
+          <a:effectLst/>
+          <a:sp3d/>
+        </p:spPr>
+        <p:style>
+          <a:lnRef idx="0">
+            <a:scrgbClr r="0" g="0" b="0"/>
+          </a:lnRef>
+          <a:fillRef idx="0">
+            <a:scrgbClr r="0" g="0" b="0"/>
+          </a:fillRef>
+          <a:effectRef idx="0">
+            <a:scrgbClr r="0" g="0" b="0"/>
+          </a:effectRef>
+          <a:fontRef idx="none"/>
+        </p:style>
+      </p:cxnSp>
+      <p:cxnSp>
+        <p:nvCxnSpPr>
+          <p:cNvPr id="64" name="Straight Arrow Connector 63">
+            <a:extLst>
+              <a:ext uri="{FF2B5EF4-FFF2-40B4-BE49-F238E27FC236}">
+                <a16:creationId xmlns:a16="http://schemas.microsoft.com/office/drawing/2014/main" id="{9B205F2F-C8BD-4FE8-BB33-309B34CCFF12}"/>
+              </a:ext>
+            </a:extLst>
+          </p:cNvPr>
+          <p:cNvCxnSpPr>
+            <a:endCxn id="5" idx="1"/>
+          </p:cNvCxnSpPr>
+          <p:nvPr/>
+        </p:nvCxnSpPr>
+        <p:spPr>
+          <a:xfrm flipV="1">
+            <a:off x="2900361" y="2837574"/>
+            <a:ext cx="1434846" cy="318237"/>
+          </a:xfrm>
+          <a:prstGeom prst="straightConnector1">
+            <a:avLst/>
+          </a:prstGeom>
+          <a:noFill/>
+          <a:ln w="25400" cap="flat">
+            <a:solidFill>
+              <a:srgbClr val="000000"/>
+            </a:solidFill>
+            <a:prstDash val="solid"/>
+            <a:miter lim="400000"/>
+            <a:tailEnd type="triangle"/>
+          </a:ln>
+          <a:effectLst/>
+          <a:sp3d/>
+        </p:spPr>
+        <p:style>
+          <a:lnRef idx="0">
+            <a:scrgbClr r="0" g="0" b="0"/>
+          </a:lnRef>
+          <a:fillRef idx="0">
+            <a:scrgbClr r="0" g="0" b="0"/>
+          </a:fillRef>
+          <a:effectRef idx="0">
+            <a:scrgbClr r="0" g="0" b="0"/>
+          </a:effectRef>
+          <a:fontRef idx="none"/>
+        </p:style>
+      </p:cxnSp>
+      <p:cxnSp>
+        <p:nvCxnSpPr>
+          <p:cNvPr id="66" name="Straight Arrow Connector 65">
+            <a:extLst>
+              <a:ext uri="{FF2B5EF4-FFF2-40B4-BE49-F238E27FC236}">
+                <a16:creationId xmlns:a16="http://schemas.microsoft.com/office/drawing/2014/main" id="{6E172209-2332-4A47-AF3A-20D395E94257}"/>
+              </a:ext>
+            </a:extLst>
+          </p:cNvPr>
+          <p:cNvCxnSpPr>
+            <a:endCxn id="9" idx="1"/>
+          </p:cNvCxnSpPr>
+          <p:nvPr/>
+        </p:nvCxnSpPr>
+        <p:spPr>
+          <a:xfrm>
+            <a:off x="2900361" y="3732513"/>
+            <a:ext cx="1530096" cy="153225"/>
+          </a:xfrm>
+          <a:prstGeom prst="straightConnector1">
+            <a:avLst/>
+          </a:prstGeom>
+          <a:noFill/>
+          <a:ln w="25400" cap="flat">
+            <a:solidFill>
+              <a:srgbClr val="000000"/>
+            </a:solidFill>
+            <a:prstDash val="solid"/>
+            <a:miter lim="400000"/>
+            <a:tailEnd type="triangle"/>
+          </a:ln>
+          <a:effectLst/>
+          <a:sp3d/>
+        </p:spPr>
+        <p:style>
+          <a:lnRef idx="0">
+            <a:scrgbClr r="0" g="0" b="0"/>
+          </a:lnRef>
+          <a:fillRef idx="0">
+            <a:scrgbClr r="0" g="0" b="0"/>
+          </a:fillRef>
+          <a:effectRef idx="0">
+            <a:scrgbClr r="0" g="0" b="0"/>
+          </a:effectRef>
+          <a:fontRef idx="none"/>
+        </p:style>
+      </p:cxnSp>
+      <p:cxnSp>
+        <p:nvCxnSpPr>
+          <p:cNvPr id="68" name="Straight Arrow Connector 67">
+            <a:extLst>
+              <a:ext uri="{FF2B5EF4-FFF2-40B4-BE49-F238E27FC236}">
+                <a16:creationId xmlns:a16="http://schemas.microsoft.com/office/drawing/2014/main" id="{C3FDE576-DCB3-4097-9CFB-14FD4CA3F2C5}"/>
+              </a:ext>
+            </a:extLst>
+          </p:cNvPr>
+          <p:cNvCxnSpPr/>
+          <p:nvPr/>
+        </p:nvCxnSpPr>
+        <p:spPr>
+          <a:xfrm flipV="1">
+            <a:off x="2900361" y="3989893"/>
+            <a:ext cx="1530096" cy="377988"/>
+          </a:xfrm>
+          <a:prstGeom prst="straightConnector1">
+            <a:avLst/>
+          </a:prstGeom>
+          <a:noFill/>
+          <a:ln w="25400" cap="flat">
+            <a:solidFill>
+              <a:srgbClr val="000000"/>
+            </a:solidFill>
+            <a:prstDash val="solid"/>
+            <a:miter lim="400000"/>
+            <a:tailEnd type="triangle"/>
+          </a:ln>
+          <a:effectLst/>
+          <a:sp3d/>
+        </p:spPr>
+        <p:style>
+          <a:lnRef idx="0">
+            <a:scrgbClr r="0" g="0" b="0"/>
+          </a:lnRef>
+          <a:fillRef idx="0">
+            <a:scrgbClr r="0" g="0" b="0"/>
+          </a:fillRef>
+          <a:effectRef idx="0">
+            <a:scrgbClr r="0" g="0" b="0"/>
+          </a:effectRef>
+          <a:fontRef idx="none"/>
+        </p:style>
+      </p:cxnSp>
+      <p:cxnSp>
+        <p:nvCxnSpPr>
+          <p:cNvPr id="70" name="Straight Arrow Connector 69">
+            <a:extLst>
+              <a:ext uri="{FF2B5EF4-FFF2-40B4-BE49-F238E27FC236}">
+                <a16:creationId xmlns:a16="http://schemas.microsoft.com/office/drawing/2014/main" id="{FF1DE102-AFC8-4926-8518-71D953B24232}"/>
+              </a:ext>
+            </a:extLst>
+          </p:cNvPr>
+          <p:cNvCxnSpPr>
+            <a:endCxn id="8" idx="1"/>
+          </p:cNvCxnSpPr>
+          <p:nvPr/>
+        </p:nvCxnSpPr>
+        <p:spPr>
+          <a:xfrm>
+            <a:off x="2900361" y="4933902"/>
+            <a:ext cx="1434847" cy="361536"/>
+          </a:xfrm>
+          <a:prstGeom prst="straightConnector1">
+            <a:avLst/>
+          </a:prstGeom>
+          <a:noFill/>
+          <a:ln w="25400" cap="flat">
+            <a:solidFill>
+              <a:srgbClr val="000000"/>
+            </a:solidFill>
+            <a:prstDash val="solid"/>
+            <a:miter lim="400000"/>
+            <a:tailEnd type="triangle"/>
+          </a:ln>
+          <a:effectLst/>
+          <a:sp3d/>
+        </p:spPr>
+        <p:style>
+          <a:lnRef idx="0">
+            <a:scrgbClr r="0" g="0" b="0"/>
+          </a:lnRef>
+          <a:fillRef idx="0">
+            <a:scrgbClr r="0" g="0" b="0"/>
+          </a:fillRef>
+          <a:effectRef idx="0">
+            <a:scrgbClr r="0" g="0" b="0"/>
+          </a:effectRef>
+          <a:fontRef idx="none"/>
+        </p:style>
+      </p:cxnSp>
+      <p:cxnSp>
+        <p:nvCxnSpPr>
+          <p:cNvPr id="72" name="Straight Arrow Connector 71">
+            <a:extLst>
+              <a:ext uri="{FF2B5EF4-FFF2-40B4-BE49-F238E27FC236}">
+                <a16:creationId xmlns:a16="http://schemas.microsoft.com/office/drawing/2014/main" id="{0FF4D318-1381-4B62-B1C2-912FB2FEA7B2}"/>
+              </a:ext>
+            </a:extLst>
+          </p:cNvPr>
+          <p:cNvCxnSpPr>
+            <a:endCxn id="8" idx="1"/>
+          </p:cNvCxnSpPr>
+          <p:nvPr/>
+        </p:nvCxnSpPr>
+        <p:spPr>
+          <a:xfrm flipV="1">
+            <a:off x="2893219" y="5295438"/>
+            <a:ext cx="1441989" cy="235962"/>
+          </a:xfrm>
+          <a:prstGeom prst="straightConnector1">
+            <a:avLst/>
+          </a:prstGeom>
+          <a:noFill/>
+          <a:ln w="25400" cap="flat">
+            <a:solidFill>
+              <a:srgbClr val="000000"/>
+            </a:solidFill>
+            <a:prstDash val="solid"/>
+            <a:miter lim="400000"/>
+            <a:tailEnd type="triangle"/>
+          </a:ln>
+          <a:effectLst/>
+          <a:sp3d/>
+        </p:spPr>
+        <p:style>
+          <a:lnRef idx="0">
+            <a:scrgbClr r="0" g="0" b="0"/>
+          </a:lnRef>
+          <a:fillRef idx="0">
+            <a:scrgbClr r="0" g="0" b="0"/>
+          </a:fillRef>
+          <a:effectRef idx="0">
+            <a:scrgbClr r="0" g="0" b="0"/>
+          </a:effectRef>
+          <a:fontRef idx="none"/>
+        </p:style>
+      </p:cxnSp>
+      <p:cxnSp>
+        <p:nvCxnSpPr>
+          <p:cNvPr id="74" name="Straight Arrow Connector 73">
+            <a:extLst>
+              <a:ext uri="{FF2B5EF4-FFF2-40B4-BE49-F238E27FC236}">
+                <a16:creationId xmlns:a16="http://schemas.microsoft.com/office/drawing/2014/main" id="{B93A22BA-6277-4EF0-BE1B-B4BFB7B05390}"/>
+              </a:ext>
+            </a:extLst>
+          </p:cNvPr>
+          <p:cNvCxnSpPr>
+            <a:endCxn id="7" idx="1"/>
+          </p:cNvCxnSpPr>
+          <p:nvPr/>
+        </p:nvCxnSpPr>
+        <p:spPr>
+          <a:xfrm>
+            <a:off x="3022997" y="6186924"/>
+            <a:ext cx="1312211" cy="282252"/>
+          </a:xfrm>
+          <a:prstGeom prst="straightConnector1">
+            <a:avLst/>
+          </a:prstGeom>
+          <a:noFill/>
+          <a:ln w="25400" cap="flat">
+            <a:solidFill>
+              <a:srgbClr val="000000"/>
+            </a:solidFill>
+            <a:prstDash val="solid"/>
+            <a:miter lim="400000"/>
+            <a:tailEnd type="triangle"/>
+          </a:ln>
+          <a:effectLst/>
+          <a:sp3d/>
+        </p:spPr>
+        <p:style>
+          <a:lnRef idx="0">
+            <a:scrgbClr r="0" g="0" b="0"/>
+          </a:lnRef>
+          <a:fillRef idx="0">
+            <a:scrgbClr r="0" g="0" b="0"/>
+          </a:fillRef>
+          <a:effectRef idx="0">
+            <a:scrgbClr r="0" g="0" b="0"/>
+          </a:effectRef>
+          <a:fontRef idx="none"/>
+        </p:style>
+      </p:cxnSp>
+      <p:cxnSp>
+        <p:nvCxnSpPr>
+          <p:cNvPr id="76" name="Straight Arrow Connector 75">
+            <a:extLst>
+              <a:ext uri="{FF2B5EF4-FFF2-40B4-BE49-F238E27FC236}">
+                <a16:creationId xmlns:a16="http://schemas.microsoft.com/office/drawing/2014/main" id="{C572F58E-44C1-481A-A75E-9277347DF0FD}"/>
+              </a:ext>
+            </a:extLst>
+          </p:cNvPr>
+          <p:cNvCxnSpPr>
+            <a:stCxn id="4" idx="3"/>
+            <a:endCxn id="7" idx="1"/>
+          </p:cNvCxnSpPr>
+          <p:nvPr/>
+        </p:nvCxnSpPr>
+        <p:spPr>
+          <a:xfrm flipV="1">
+            <a:off x="3057525" y="6469176"/>
+            <a:ext cx="1277683" cy="260237"/>
+          </a:xfrm>
+          <a:prstGeom prst="straightConnector1">
+            <a:avLst/>
+          </a:prstGeom>
+          <a:noFill/>
+          <a:ln w="25400" cap="flat">
+            <a:solidFill>
+              <a:srgbClr val="000000"/>
+            </a:solidFill>
+            <a:prstDash val="solid"/>
+            <a:miter lim="400000"/>
+            <a:tailEnd type="triangle"/>
+          </a:ln>
+          <a:effectLst/>
+          <a:sp3d/>
+        </p:spPr>
+        <p:style>
+          <a:lnRef idx="0">
+            <a:scrgbClr r="0" g="0" b="0"/>
+          </a:lnRef>
+          <a:fillRef idx="0">
+            <a:scrgbClr r="0" g="0" b="0"/>
+          </a:fillRef>
+          <a:effectRef idx="0">
+            <a:scrgbClr r="0" g="0" b="0"/>
+          </a:effectRef>
+          <a:fontRef idx="none"/>
+        </p:style>
+      </p:cxnSp>
+      <p:cxnSp>
+        <p:nvCxnSpPr>
+          <p:cNvPr id="78" name="Straight Arrow Connector 77">
+            <a:extLst>
+              <a:ext uri="{FF2B5EF4-FFF2-40B4-BE49-F238E27FC236}">
+                <a16:creationId xmlns:a16="http://schemas.microsoft.com/office/drawing/2014/main" id="{9E988D26-F090-475E-B138-C8CCF7F3F93E}"/>
+              </a:ext>
+            </a:extLst>
+          </p:cNvPr>
+          <p:cNvCxnSpPr>
+            <a:endCxn id="6" idx="1"/>
+          </p:cNvCxnSpPr>
+          <p:nvPr/>
+        </p:nvCxnSpPr>
+        <p:spPr>
+          <a:xfrm>
+            <a:off x="3009894" y="7403718"/>
+            <a:ext cx="1420563" cy="239196"/>
+          </a:xfrm>
+          <a:prstGeom prst="straightConnector1">
+            <a:avLst/>
+          </a:prstGeom>
+          <a:noFill/>
+          <a:ln w="25400" cap="flat">
+            <a:solidFill>
+              <a:srgbClr val="000000"/>
+            </a:solidFill>
+            <a:prstDash val="solid"/>
+            <a:miter lim="400000"/>
+            <a:tailEnd type="triangle"/>
+          </a:ln>
+          <a:effectLst/>
+          <a:sp3d/>
+        </p:spPr>
+        <p:style>
+          <a:lnRef idx="0">
+            <a:scrgbClr r="0" g="0" b="0"/>
+          </a:lnRef>
+          <a:fillRef idx="0">
+            <a:scrgbClr r="0" g="0" b="0"/>
+          </a:fillRef>
+          <a:effectRef idx="0">
+            <a:scrgbClr r="0" g="0" b="0"/>
+          </a:effectRef>
+          <a:fontRef idx="none"/>
+        </p:style>
+      </p:cxnSp>
+      <p:cxnSp>
+        <p:nvCxnSpPr>
+          <p:cNvPr id="80" name="Straight Arrow Connector 79">
+            <a:extLst>
+              <a:ext uri="{FF2B5EF4-FFF2-40B4-BE49-F238E27FC236}">
+                <a16:creationId xmlns:a16="http://schemas.microsoft.com/office/drawing/2014/main" id="{1EB0C266-C8A0-4684-ABE1-59F3F9891132}"/>
+              </a:ext>
+            </a:extLst>
+          </p:cNvPr>
+          <p:cNvCxnSpPr>
+            <a:endCxn id="6" idx="1"/>
+          </p:cNvCxnSpPr>
+          <p:nvPr/>
+        </p:nvCxnSpPr>
+        <p:spPr>
+          <a:xfrm flipV="1">
+            <a:off x="3009894" y="7642914"/>
+            <a:ext cx="1420563" cy="413388"/>
+          </a:xfrm>
+          <a:prstGeom prst="straightConnector1">
+            <a:avLst/>
+          </a:prstGeom>
+          <a:noFill/>
+          <a:ln w="25400" cap="flat">
+            <a:solidFill>
+              <a:srgbClr val="000000"/>
+            </a:solidFill>
+            <a:prstDash val="solid"/>
+            <a:miter lim="400000"/>
+            <a:tailEnd type="triangle"/>
+          </a:ln>
+          <a:effectLst/>
+          <a:sp3d/>
+        </p:spPr>
+        <p:style>
+          <a:lnRef idx="0">
+            <a:scrgbClr r="0" g="0" b="0"/>
+          </a:lnRef>
+          <a:fillRef idx="0">
+            <a:scrgbClr r="0" g="0" b="0"/>
+          </a:fillRef>
+          <a:effectRef idx="0">
+            <a:scrgbClr r="0" g="0" b="0"/>
+          </a:effectRef>
+          <a:fontRef idx="none"/>
+        </p:style>
+      </p:cxnSp>
+      <p:cxnSp>
+        <p:nvCxnSpPr>
+          <p:cNvPr id="82" name="Straight Arrow Connector 81">
+            <a:extLst>
+              <a:ext uri="{FF2B5EF4-FFF2-40B4-BE49-F238E27FC236}">
+                <a16:creationId xmlns:a16="http://schemas.microsoft.com/office/drawing/2014/main" id="{38AB3545-85EB-45D0-B9E6-485872F77768}"/>
+              </a:ext>
+            </a:extLst>
+          </p:cNvPr>
+          <p:cNvCxnSpPr>
+            <a:endCxn id="10" idx="1"/>
+          </p:cNvCxnSpPr>
+          <p:nvPr/>
+        </p:nvCxnSpPr>
+        <p:spPr>
+          <a:xfrm>
+            <a:off x="2891168" y="8556075"/>
+            <a:ext cx="1444038" cy="288690"/>
+          </a:xfrm>
+          <a:prstGeom prst="straightConnector1">
+            <a:avLst/>
+          </a:prstGeom>
+          <a:noFill/>
+          <a:ln w="25400" cap="flat">
+            <a:solidFill>
+              <a:srgbClr val="000000"/>
+            </a:solidFill>
+            <a:prstDash val="solid"/>
+            <a:miter lim="400000"/>
+            <a:tailEnd type="triangle"/>
+          </a:ln>
+          <a:effectLst/>
+          <a:sp3d/>
+        </p:spPr>
+        <p:style>
+          <a:lnRef idx="0">
+            <a:scrgbClr r="0" g="0" b="0"/>
+          </a:lnRef>
+          <a:fillRef idx="0">
+            <a:scrgbClr r="0" g="0" b="0"/>
+          </a:fillRef>
+          <a:effectRef idx="0">
+            <a:scrgbClr r="0" g="0" b="0"/>
+          </a:effectRef>
+          <a:fontRef idx="none"/>
+        </p:style>
+      </p:cxnSp>
+      <p:cxnSp>
+        <p:nvCxnSpPr>
+          <p:cNvPr id="84" name="Straight Arrow Connector 83">
+            <a:extLst>
+              <a:ext uri="{FF2B5EF4-FFF2-40B4-BE49-F238E27FC236}">
+                <a16:creationId xmlns:a16="http://schemas.microsoft.com/office/drawing/2014/main" id="{B9C447D9-6ADF-49F0-BF81-AC231BC3BA27}"/>
+              </a:ext>
+            </a:extLst>
+          </p:cNvPr>
+          <p:cNvCxnSpPr>
+            <a:endCxn id="10" idx="1"/>
+          </p:cNvCxnSpPr>
+          <p:nvPr/>
+        </p:nvCxnSpPr>
+        <p:spPr>
+          <a:xfrm flipV="1">
+            <a:off x="2784180" y="8844765"/>
+            <a:ext cx="1551026" cy="260313"/>
+          </a:xfrm>
+          <a:prstGeom prst="straightConnector1">
+            <a:avLst/>
+          </a:prstGeom>
+          <a:noFill/>
+          <a:ln w="25400" cap="flat">
+            <a:solidFill>
+              <a:srgbClr val="000000"/>
+            </a:solidFill>
+            <a:prstDash val="solid"/>
+            <a:miter lim="400000"/>
+            <a:tailEnd type="triangle"/>
+          </a:ln>
+          <a:effectLst/>
+          <a:sp3d/>
+        </p:spPr>
+        <p:style>
+          <a:lnRef idx="0">
+            <a:scrgbClr r="0" g="0" b="0"/>
+          </a:lnRef>
+          <a:fillRef idx="0">
+            <a:scrgbClr r="0" g="0" b="0"/>
+          </a:fillRef>
+          <a:effectRef idx="0">
+            <a:scrgbClr r="0" g="0" b="0"/>
+          </a:effectRef>
+          <a:fontRef idx="none"/>
+        </p:style>
+      </p:cxnSp>
+      <p:cxnSp>
+        <p:nvCxnSpPr>
+          <p:cNvPr id="86" name="Straight Arrow Connector 85">
+            <a:extLst>
+              <a:ext uri="{FF2B5EF4-FFF2-40B4-BE49-F238E27FC236}">
+                <a16:creationId xmlns:a16="http://schemas.microsoft.com/office/drawing/2014/main" id="{DC93FFA9-98B7-438D-94F7-1BCD8ADDA29B}"/>
+              </a:ext>
+            </a:extLst>
+          </p:cNvPr>
+          <p:cNvCxnSpPr>
+            <a:endCxn id="11" idx="1"/>
+          </p:cNvCxnSpPr>
+          <p:nvPr/>
+        </p:nvCxnSpPr>
+        <p:spPr>
+          <a:xfrm>
+            <a:off x="2800348" y="9601766"/>
+            <a:ext cx="1534857" cy="208888"/>
+          </a:xfrm>
+          <a:prstGeom prst="straightConnector1">
+            <a:avLst/>
+          </a:prstGeom>
+          <a:noFill/>
+          <a:ln w="25400" cap="flat">
+            <a:solidFill>
+              <a:srgbClr val="000000"/>
+            </a:solidFill>
+            <a:prstDash val="solid"/>
+            <a:miter lim="400000"/>
+            <a:tailEnd type="triangle"/>
+          </a:ln>
+          <a:effectLst/>
+          <a:sp3d/>
+        </p:spPr>
+        <p:style>
+          <a:lnRef idx="0">
+            <a:scrgbClr r="0" g="0" b="0"/>
+          </a:lnRef>
+          <a:fillRef idx="0">
+            <a:scrgbClr r="0" g="0" b="0"/>
+          </a:fillRef>
+          <a:effectRef idx="0">
+            <a:scrgbClr r="0" g="0" b="0"/>
+          </a:effectRef>
+          <a:fontRef idx="none"/>
+        </p:style>
+      </p:cxnSp>
+      <p:cxnSp>
+        <p:nvCxnSpPr>
+          <p:cNvPr id="88" name="Straight Arrow Connector 87">
+            <a:extLst>
+              <a:ext uri="{FF2B5EF4-FFF2-40B4-BE49-F238E27FC236}">
+                <a16:creationId xmlns:a16="http://schemas.microsoft.com/office/drawing/2014/main" id="{D928BD7A-BBCE-43FA-9C0A-32F6265829EE}"/>
+              </a:ext>
+            </a:extLst>
+          </p:cNvPr>
+          <p:cNvCxnSpPr>
+            <a:endCxn id="11" idx="1"/>
+          </p:cNvCxnSpPr>
+          <p:nvPr/>
+        </p:nvCxnSpPr>
+        <p:spPr>
+          <a:xfrm flipV="1">
+            <a:off x="2784180" y="9810654"/>
+            <a:ext cx="1551025" cy="454312"/>
+          </a:xfrm>
+          <a:prstGeom prst="straightConnector1">
+            <a:avLst/>
+          </a:prstGeom>
+          <a:noFill/>
+          <a:ln w="25400" cap="flat">
+            <a:solidFill>
+              <a:srgbClr val="000000"/>
+            </a:solidFill>
+            <a:prstDash val="solid"/>
+            <a:miter lim="400000"/>
+            <a:tailEnd type="triangle"/>
+          </a:ln>
+          <a:effectLst/>
+          <a:sp3d/>
+        </p:spPr>
+        <p:style>
+          <a:lnRef idx="0">
+            <a:scrgbClr r="0" g="0" b="0"/>
+          </a:lnRef>
+          <a:fillRef idx="0">
+            <a:scrgbClr r="0" g="0" b="0"/>
+          </a:fillRef>
+          <a:effectRef idx="0">
+            <a:scrgbClr r="0" g="0" b="0"/>
+          </a:effectRef>
+          <a:fontRef idx="none"/>
+        </p:style>
+      </p:cxnSp>
+      <p:cxnSp>
+        <p:nvCxnSpPr>
+          <p:cNvPr id="90" name="Straight Arrow Connector 89">
+            <a:extLst>
+              <a:ext uri="{FF2B5EF4-FFF2-40B4-BE49-F238E27FC236}">
+                <a16:creationId xmlns:a16="http://schemas.microsoft.com/office/drawing/2014/main" id="{CBA65A9D-43A2-446E-8212-5E355F62F93B}"/>
+              </a:ext>
+            </a:extLst>
+          </p:cNvPr>
+          <p:cNvCxnSpPr>
+            <a:endCxn id="12" idx="1"/>
+          </p:cNvCxnSpPr>
+          <p:nvPr/>
+        </p:nvCxnSpPr>
+        <p:spPr>
+          <a:xfrm>
+            <a:off x="2891168" y="10878426"/>
+            <a:ext cx="1444036" cy="49740"/>
+          </a:xfrm>
+          <a:prstGeom prst="straightConnector1">
+            <a:avLst/>
+          </a:prstGeom>
+          <a:noFill/>
+          <a:ln w="25400" cap="flat">
+            <a:solidFill>
+              <a:srgbClr val="000000"/>
+            </a:solidFill>
+            <a:prstDash val="solid"/>
+            <a:miter lim="400000"/>
+            <a:tailEnd type="triangle"/>
+          </a:ln>
+          <a:effectLst/>
+          <a:sp3d/>
+        </p:spPr>
+        <p:style>
+          <a:lnRef idx="0">
+            <a:scrgbClr r="0" g="0" b="0"/>
+          </a:lnRef>
+          <a:fillRef idx="0">
+            <a:scrgbClr r="0" g="0" b="0"/>
+          </a:fillRef>
+          <a:effectRef idx="0">
+            <a:scrgbClr r="0" g="0" b="0"/>
+          </a:effectRef>
+          <a:fontRef idx="none"/>
+        </p:style>
+      </p:cxnSp>
+      <p:cxnSp>
+        <p:nvCxnSpPr>
+          <p:cNvPr id="92" name="Straight Arrow Connector 91">
+            <a:extLst>
+              <a:ext uri="{FF2B5EF4-FFF2-40B4-BE49-F238E27FC236}">
+                <a16:creationId xmlns:a16="http://schemas.microsoft.com/office/drawing/2014/main" id="{F164E0D4-5B73-493C-A71E-ABF570E18F9B}"/>
+              </a:ext>
+            </a:extLst>
+          </p:cNvPr>
+          <p:cNvCxnSpPr/>
+          <p:nvPr/>
+        </p:nvCxnSpPr>
+        <p:spPr>
+          <a:xfrm flipV="1">
+            <a:off x="2891168" y="10970542"/>
+            <a:ext cx="1397627" cy="399125"/>
+          </a:xfrm>
+          <a:prstGeom prst="straightConnector1">
+            <a:avLst/>
+          </a:prstGeom>
+          <a:noFill/>
+          <a:ln w="25400" cap="flat">
+            <a:solidFill>
+              <a:srgbClr val="000000"/>
+            </a:solidFill>
+            <a:prstDash val="solid"/>
+            <a:miter lim="400000"/>
+            <a:tailEnd type="triangle"/>
+          </a:ln>
+          <a:effectLst/>
+          <a:sp3d/>
+        </p:spPr>
+        <p:style>
+          <a:lnRef idx="0">
+            <a:scrgbClr r="0" g="0" b="0"/>
+          </a:lnRef>
+          <a:fillRef idx="0">
+            <a:scrgbClr r="0" g="0" b="0"/>
+          </a:fillRef>
+          <a:effectRef idx="0">
+            <a:scrgbClr r="0" g="0" b="0"/>
+          </a:effectRef>
+          <a:fontRef idx="none"/>
+        </p:style>
+      </p:cxnSp>
+      <p:sp>
+        <p:nvSpPr>
+          <p:cNvPr id="93" name="TextBox 92">
+            <a:extLst>
+              <a:ext uri="{FF2B5EF4-FFF2-40B4-BE49-F238E27FC236}">
+                <a16:creationId xmlns:a16="http://schemas.microsoft.com/office/drawing/2014/main" id="{5348489E-4ED9-4BFB-A45F-8F418D6F966E}"/>
+              </a:ext>
+            </a:extLst>
+          </p:cNvPr>
+          <p:cNvSpPr txBox="1"/>
+          <p:nvPr/>
+        </p:nvSpPr>
+        <p:spPr>
+          <a:xfrm>
+            <a:off x="3829454" y="7065185"/>
+            <a:ext cx="274114" cy="471924"/>
+          </a:xfrm>
+          <a:prstGeom prst="rect">
+            <a:avLst/>
+          </a:prstGeom>
+          <a:noFill/>
+          <a:ln w="12700" cap="flat">
+            <a:noFill/>
+            <a:miter lim="400000"/>
+          </a:ln>
+          <a:effectLst/>
+          <a:sp3d/>
+        </p:spPr>
+        <p:style>
+          <a:lnRef idx="0">
+            <a:scrgbClr r="0" g="0" b="0"/>
+          </a:lnRef>
+          <a:fillRef idx="0">
+            <a:scrgbClr r="0" g="0" b="0"/>
+          </a:fillRef>
+          <a:effectRef idx="0">
+            <a:scrgbClr r="0" g="0" b="0"/>
+          </a:effectRef>
+          <a:fontRef idx="none"/>
+        </p:style>
+        <p:txBody>
+          <a:bodyPr rot="0" spcFirstLastPara="1" vertOverflow="overflow" horzOverflow="overflow" vert="horz" wrap="none" lIns="50800" tIns="50800" rIns="50800" bIns="50800" numCol="1" spcCol="38100" rtlCol="0" anchor="ctr">
+            <a:spAutoFit/>
+          </a:bodyPr>
+          <a:lstStyle/>
+          <a:p>
+            <a:pPr marL="0" marR="0" indent="0" algn="ctr" defTabSz="2438338" rtl="0" fontAlgn="auto" latinLnBrk="0" hangingPunct="0">
+              <a:lnSpc>
+                <a:spcPct val="100000"/>
+              </a:lnSpc>
+              <a:spcBef>
+                <a:spcPts val="0"/>
+              </a:spcBef>
+              <a:spcAft>
+                <a:spcPts val="0"/>
+              </a:spcAft>
+              <a:buClrTx/>
+              <a:buSzTx/>
+              <a:buFontTx/>
+              <a:buNone/>
+              <a:tabLst/>
+            </a:pPr>
+            <a:r>
+              <a:rPr kumimoji="0" lang="en-US" sz="2400" b="0" i="0" u="none" strike="noStrike" cap="none" spc="0" normalizeH="0" baseline="0" dirty="0">
+                <a:ln>
+                  <a:noFill/>
+                </a:ln>
+                <a:solidFill>
+                  <a:srgbClr val="5E5E5E"/>
+                </a:solidFill>
+                <a:effectLst/>
+                <a:uFillTx/>
+                <a:latin typeface="+mn-lt"/>
+                <a:ea typeface="+mn-ea"/>
+                <a:cs typeface="+mn-cs"/>
+                <a:sym typeface="Helvetica Neue"/>
+              </a:rPr>
+              <a:t>0</a:t>
+            </a:r>
+          </a:p>
+        </p:txBody>
+      </p:sp>
+      <p:sp>
+        <p:nvSpPr>
+          <p:cNvPr id="94" name="TextBox 93">
+            <a:extLst>
+              <a:ext uri="{FF2B5EF4-FFF2-40B4-BE49-F238E27FC236}">
+                <a16:creationId xmlns:a16="http://schemas.microsoft.com/office/drawing/2014/main" id="{EF48CFD6-C81C-4CC5-9359-B2556996242A}"/>
+              </a:ext>
+            </a:extLst>
+          </p:cNvPr>
+          <p:cNvSpPr txBox="1"/>
+          <p:nvPr/>
+        </p:nvSpPr>
+        <p:spPr>
+          <a:xfrm>
+            <a:off x="12303371" y="4131919"/>
+            <a:ext cx="274114" cy="471924"/>
+          </a:xfrm>
+          <a:prstGeom prst="rect">
+            <a:avLst/>
+          </a:prstGeom>
+          <a:noFill/>
+          <a:ln w="12700" cap="flat">
+            <a:noFill/>
+            <a:miter lim="400000"/>
+          </a:ln>
+          <a:effectLst/>
+          <a:sp3d/>
+        </p:spPr>
+        <p:style>
+          <a:lnRef idx="0">
+            <a:scrgbClr r="0" g="0" b="0"/>
+          </a:lnRef>
+          <a:fillRef idx="0">
+            <a:scrgbClr r="0" g="0" b="0"/>
+          </a:fillRef>
+          <a:effectRef idx="0">
+            <a:scrgbClr r="0" g="0" b="0"/>
+          </a:effectRef>
+          <a:fontRef idx="none"/>
+        </p:style>
+        <p:txBody>
+          <a:bodyPr rot="0" spcFirstLastPara="1" vertOverflow="overflow" horzOverflow="overflow" vert="horz" wrap="none" lIns="50800" tIns="50800" rIns="50800" bIns="50800" numCol="1" spcCol="38100" rtlCol="0" anchor="ctr">
+            <a:spAutoFit/>
+          </a:bodyPr>
+          <a:lstStyle/>
+          <a:p>
+            <a:pPr marL="0" marR="0" indent="0" algn="ctr" defTabSz="2438338" rtl="0" fontAlgn="auto" latinLnBrk="0" hangingPunct="0">
+              <a:lnSpc>
+                <a:spcPct val="100000"/>
+              </a:lnSpc>
+              <a:spcBef>
+                <a:spcPts val="0"/>
+              </a:spcBef>
+              <a:spcAft>
+                <a:spcPts val="0"/>
+              </a:spcAft>
+              <a:buClrTx/>
+              <a:buSzTx/>
+              <a:buFontTx/>
+              <a:buNone/>
+              <a:tabLst/>
+            </a:pPr>
+            <a:r>
+              <a:rPr kumimoji="0" lang="en-US" sz="2400" b="0" i="0" u="none" strike="noStrike" cap="none" spc="0" normalizeH="0" baseline="0" dirty="0">
+                <a:ln>
+                  <a:noFill/>
+                </a:ln>
+                <a:solidFill>
+                  <a:srgbClr val="5E5E5E"/>
+                </a:solidFill>
+                <a:effectLst/>
+                <a:uFillTx/>
+                <a:latin typeface="+mn-lt"/>
+                <a:ea typeface="+mn-ea"/>
+                <a:cs typeface="+mn-cs"/>
+                <a:sym typeface="Helvetica Neue"/>
+              </a:rPr>
+              <a:t>0</a:t>
+            </a:r>
+          </a:p>
+        </p:txBody>
+      </p:sp>
+      <p:sp>
+        <p:nvSpPr>
+          <p:cNvPr id="95" name="TextBox 94">
+            <a:extLst>
+              <a:ext uri="{FF2B5EF4-FFF2-40B4-BE49-F238E27FC236}">
+                <a16:creationId xmlns:a16="http://schemas.microsoft.com/office/drawing/2014/main" id="{0499F70F-5781-49B2-8D56-3F135D713F46}"/>
+              </a:ext>
+            </a:extLst>
+          </p:cNvPr>
+          <p:cNvSpPr txBox="1"/>
+          <p:nvPr/>
+        </p:nvSpPr>
+        <p:spPr>
+          <a:xfrm>
+            <a:off x="9275363" y="2511285"/>
+            <a:ext cx="274114" cy="471924"/>
+          </a:xfrm>
+          <a:prstGeom prst="rect">
+            <a:avLst/>
+          </a:prstGeom>
+          <a:noFill/>
+          <a:ln w="12700" cap="flat">
+            <a:noFill/>
+            <a:miter lim="400000"/>
+          </a:ln>
+          <a:effectLst/>
+          <a:sp3d/>
+        </p:spPr>
+        <p:style>
+          <a:lnRef idx="0">
+            <a:scrgbClr r="0" g="0" b="0"/>
+          </a:lnRef>
+          <a:fillRef idx="0">
+            <a:scrgbClr r="0" g="0" b="0"/>
+          </a:fillRef>
+          <a:effectRef idx="0">
+            <a:scrgbClr r="0" g="0" b="0"/>
+          </a:effectRef>
+          <a:fontRef idx="none"/>
+        </p:style>
+        <p:txBody>
+          <a:bodyPr rot="0" spcFirstLastPara="1" vertOverflow="overflow" horzOverflow="overflow" vert="horz" wrap="none" lIns="50800" tIns="50800" rIns="50800" bIns="50800" numCol="1" spcCol="38100" rtlCol="0" anchor="ctr">
+            <a:spAutoFit/>
+          </a:bodyPr>
+          <a:lstStyle/>
+          <a:p>
+            <a:pPr marL="0" marR="0" indent="0" algn="ctr" defTabSz="2438338" rtl="0" fontAlgn="auto" latinLnBrk="0" hangingPunct="0">
+              <a:lnSpc>
+                <a:spcPct val="100000"/>
+              </a:lnSpc>
+              <a:spcBef>
+                <a:spcPts val="0"/>
+              </a:spcBef>
+              <a:spcAft>
+                <a:spcPts val="0"/>
+              </a:spcAft>
+              <a:buClrTx/>
+              <a:buSzTx/>
+              <a:buFontTx/>
+              <a:buNone/>
+              <a:tabLst/>
+            </a:pPr>
+            <a:r>
+              <a:rPr kumimoji="0" lang="en-US" sz="2400" b="0" i="0" u="none" strike="noStrike" cap="none" spc="0" normalizeH="0" baseline="0" dirty="0">
+                <a:ln>
+                  <a:noFill/>
+                </a:ln>
+                <a:solidFill>
+                  <a:srgbClr val="5E5E5E"/>
+                </a:solidFill>
+                <a:effectLst/>
+                <a:uFillTx/>
+                <a:latin typeface="+mn-lt"/>
+                <a:ea typeface="+mn-ea"/>
+                <a:cs typeface="+mn-cs"/>
+                <a:sym typeface="Helvetica Neue"/>
+              </a:rPr>
+              <a:t>0</a:t>
+            </a:r>
+          </a:p>
+        </p:txBody>
+      </p:sp>
+      <p:sp>
+        <p:nvSpPr>
+          <p:cNvPr id="96" name="TextBox 95">
+            <a:extLst>
+              <a:ext uri="{FF2B5EF4-FFF2-40B4-BE49-F238E27FC236}">
+                <a16:creationId xmlns:a16="http://schemas.microsoft.com/office/drawing/2014/main" id="{95D81C2F-54ED-4710-8A5B-261BE4F2BDEE}"/>
+              </a:ext>
+            </a:extLst>
+          </p:cNvPr>
+          <p:cNvSpPr txBox="1"/>
+          <p:nvPr/>
+        </p:nvSpPr>
+        <p:spPr>
+          <a:xfrm>
+            <a:off x="6425145" y="1646513"/>
+            <a:ext cx="274114" cy="471924"/>
+          </a:xfrm>
+          <a:prstGeom prst="rect">
+            <a:avLst/>
+          </a:prstGeom>
+          <a:noFill/>
+          <a:ln w="12700" cap="flat">
+            <a:noFill/>
+            <a:miter lim="400000"/>
+          </a:ln>
+          <a:effectLst/>
+          <a:sp3d/>
+        </p:spPr>
+        <p:style>
+          <a:lnRef idx="0">
+            <a:scrgbClr r="0" g="0" b="0"/>
+          </a:lnRef>
+          <a:fillRef idx="0">
+            <a:scrgbClr r="0" g="0" b="0"/>
+          </a:fillRef>
+          <a:effectRef idx="0">
+            <a:scrgbClr r="0" g="0" b="0"/>
+          </a:effectRef>
+          <a:fontRef idx="none"/>
+        </p:style>
+        <p:txBody>
+          <a:bodyPr rot="0" spcFirstLastPara="1" vertOverflow="overflow" horzOverflow="overflow" vert="horz" wrap="none" lIns="50800" tIns="50800" rIns="50800" bIns="50800" numCol="1" spcCol="38100" rtlCol="0" anchor="ctr">
+            <a:spAutoFit/>
+          </a:bodyPr>
+          <a:lstStyle/>
+          <a:p>
+            <a:pPr marL="0" marR="0" indent="0" algn="ctr" defTabSz="2438338" rtl="0" fontAlgn="auto" latinLnBrk="0" hangingPunct="0">
+              <a:lnSpc>
+                <a:spcPct val="100000"/>
+              </a:lnSpc>
+              <a:spcBef>
+                <a:spcPts val="0"/>
+              </a:spcBef>
+              <a:spcAft>
+                <a:spcPts val="0"/>
+              </a:spcAft>
+              <a:buClrTx/>
+              <a:buSzTx/>
+              <a:buFontTx/>
+              <a:buNone/>
+              <a:tabLst/>
+            </a:pPr>
+            <a:r>
+              <a:rPr kumimoji="0" lang="en-US" sz="2400" b="0" i="0" u="none" strike="noStrike" cap="none" spc="0" normalizeH="0" baseline="0" dirty="0">
+                <a:ln>
+                  <a:noFill/>
+                </a:ln>
+                <a:solidFill>
+                  <a:srgbClr val="5E5E5E"/>
+                </a:solidFill>
+                <a:effectLst/>
+                <a:uFillTx/>
+                <a:latin typeface="+mn-lt"/>
+                <a:ea typeface="+mn-ea"/>
+                <a:cs typeface="+mn-cs"/>
+                <a:sym typeface="Helvetica Neue"/>
+              </a:rPr>
+              <a:t>0</a:t>
+            </a:r>
+          </a:p>
+        </p:txBody>
+      </p:sp>
+      <p:sp>
+        <p:nvSpPr>
+          <p:cNvPr id="97" name="TextBox 96">
+            <a:extLst>
+              <a:ext uri="{FF2B5EF4-FFF2-40B4-BE49-F238E27FC236}">
+                <a16:creationId xmlns:a16="http://schemas.microsoft.com/office/drawing/2014/main" id="{47B5BC89-0A7E-4E0D-8D5E-5CCE9DDA4B4A}"/>
+              </a:ext>
+            </a:extLst>
+          </p:cNvPr>
+          <p:cNvSpPr txBox="1"/>
+          <p:nvPr/>
+        </p:nvSpPr>
+        <p:spPr>
+          <a:xfrm>
+            <a:off x="6588793" y="3793380"/>
+            <a:ext cx="274114" cy="471924"/>
+          </a:xfrm>
+          <a:prstGeom prst="rect">
+            <a:avLst/>
+          </a:prstGeom>
+          <a:noFill/>
+          <a:ln w="12700" cap="flat">
+            <a:noFill/>
+            <a:miter lim="400000"/>
+          </a:ln>
+          <a:effectLst/>
+          <a:sp3d/>
+        </p:spPr>
+        <p:style>
+          <a:lnRef idx="0">
+            <a:scrgbClr r="0" g="0" b="0"/>
+          </a:lnRef>
+          <a:fillRef idx="0">
+            <a:scrgbClr r="0" g="0" b="0"/>
+          </a:fillRef>
+          <a:effectRef idx="0">
+            <a:scrgbClr r="0" g="0" b="0"/>
+          </a:effectRef>
+          <a:fontRef idx="none"/>
+        </p:style>
+        <p:txBody>
+          <a:bodyPr rot="0" spcFirstLastPara="1" vertOverflow="overflow" horzOverflow="overflow" vert="horz" wrap="none" lIns="50800" tIns="50800" rIns="50800" bIns="50800" numCol="1" spcCol="38100" rtlCol="0" anchor="ctr">
+            <a:spAutoFit/>
+          </a:bodyPr>
+          <a:lstStyle/>
+          <a:p>
+            <a:pPr marL="0" marR="0" indent="0" algn="ctr" defTabSz="2438338" rtl="0" fontAlgn="auto" latinLnBrk="0" hangingPunct="0">
+              <a:lnSpc>
+                <a:spcPct val="100000"/>
+              </a:lnSpc>
+              <a:spcBef>
+                <a:spcPts val="0"/>
+              </a:spcBef>
+              <a:spcAft>
+                <a:spcPts val="0"/>
+              </a:spcAft>
+              <a:buClrTx/>
+              <a:buSzTx/>
+              <a:buFontTx/>
+              <a:buNone/>
+              <a:tabLst/>
+            </a:pPr>
+            <a:r>
+              <a:rPr kumimoji="0" lang="en-US" sz="2400" b="0" i="0" u="none" strike="noStrike" cap="none" spc="0" normalizeH="0" baseline="0" dirty="0">
+                <a:ln>
+                  <a:noFill/>
+                </a:ln>
+                <a:solidFill>
+                  <a:srgbClr val="5E5E5E"/>
+                </a:solidFill>
+                <a:effectLst/>
+                <a:uFillTx/>
+                <a:latin typeface="+mn-lt"/>
+                <a:ea typeface="+mn-ea"/>
+                <a:cs typeface="+mn-cs"/>
+                <a:sym typeface="Helvetica Neue"/>
+              </a:rPr>
+              <a:t>0</a:t>
+            </a:r>
+          </a:p>
+        </p:txBody>
+      </p:sp>
+      <p:sp>
+        <p:nvSpPr>
+          <p:cNvPr id="98" name="TextBox 97">
+            <a:extLst>
+              <a:ext uri="{FF2B5EF4-FFF2-40B4-BE49-F238E27FC236}">
+                <a16:creationId xmlns:a16="http://schemas.microsoft.com/office/drawing/2014/main" id="{7E26F39A-1839-4C7C-8FAD-643D0714A3CE}"/>
+              </a:ext>
+            </a:extLst>
+          </p:cNvPr>
+          <p:cNvSpPr txBox="1"/>
+          <p:nvPr/>
+        </p:nvSpPr>
+        <p:spPr>
+          <a:xfrm>
+            <a:off x="9261411" y="7322030"/>
+            <a:ext cx="274114" cy="471924"/>
+          </a:xfrm>
+          <a:prstGeom prst="rect">
+            <a:avLst/>
+          </a:prstGeom>
+          <a:noFill/>
+          <a:ln w="12700" cap="flat">
+            <a:noFill/>
+            <a:miter lim="400000"/>
+          </a:ln>
+          <a:effectLst/>
+          <a:sp3d/>
+        </p:spPr>
+        <p:style>
+          <a:lnRef idx="0">
+            <a:scrgbClr r="0" g="0" b="0"/>
+          </a:lnRef>
+          <a:fillRef idx="0">
+            <a:scrgbClr r="0" g="0" b="0"/>
+          </a:fillRef>
+          <a:effectRef idx="0">
+            <a:scrgbClr r="0" g="0" b="0"/>
+          </a:effectRef>
+          <a:fontRef idx="none"/>
+        </p:style>
+        <p:txBody>
+          <a:bodyPr rot="0" spcFirstLastPara="1" vertOverflow="overflow" horzOverflow="overflow" vert="horz" wrap="none" lIns="50800" tIns="50800" rIns="50800" bIns="50800" numCol="1" spcCol="38100" rtlCol="0" anchor="ctr">
+            <a:spAutoFit/>
+          </a:bodyPr>
+          <a:lstStyle/>
+          <a:p>
+            <a:pPr marL="0" marR="0" indent="0" algn="ctr" defTabSz="2438338" rtl="0" fontAlgn="auto" latinLnBrk="0" hangingPunct="0">
+              <a:lnSpc>
+                <a:spcPct val="100000"/>
+              </a:lnSpc>
+              <a:spcBef>
+                <a:spcPts val="0"/>
+              </a:spcBef>
+              <a:spcAft>
+                <a:spcPts val="0"/>
+              </a:spcAft>
+              <a:buClrTx/>
+              <a:buSzTx/>
+              <a:buFontTx/>
+              <a:buNone/>
+              <a:tabLst/>
+            </a:pPr>
+            <a:r>
+              <a:rPr kumimoji="0" lang="en-US" sz="2400" b="0" i="0" u="none" strike="noStrike" cap="none" spc="0" normalizeH="0" baseline="0" dirty="0">
+                <a:ln>
+                  <a:noFill/>
+                </a:ln>
+                <a:solidFill>
+                  <a:srgbClr val="5E5E5E"/>
+                </a:solidFill>
+                <a:effectLst/>
+                <a:uFillTx/>
+                <a:latin typeface="+mn-lt"/>
+                <a:ea typeface="+mn-ea"/>
+                <a:cs typeface="+mn-cs"/>
+                <a:sym typeface="Helvetica Neue"/>
+              </a:rPr>
+              <a:t>0</a:t>
+            </a:r>
+          </a:p>
+        </p:txBody>
+      </p:sp>
+      <p:sp>
+        <p:nvSpPr>
+          <p:cNvPr id="99" name="TextBox 98">
+            <a:extLst>
+              <a:ext uri="{FF2B5EF4-FFF2-40B4-BE49-F238E27FC236}">
+                <a16:creationId xmlns:a16="http://schemas.microsoft.com/office/drawing/2014/main" id="{219CD2B0-95DE-4322-B1EA-2F06EC89BEBA}"/>
+              </a:ext>
+            </a:extLst>
+          </p:cNvPr>
+          <p:cNvSpPr txBox="1"/>
+          <p:nvPr/>
+        </p:nvSpPr>
+        <p:spPr>
+          <a:xfrm>
+            <a:off x="3391295" y="1121644"/>
+            <a:ext cx="274114" cy="471924"/>
+          </a:xfrm>
+          <a:prstGeom prst="rect">
+            <a:avLst/>
+          </a:prstGeom>
+          <a:noFill/>
+          <a:ln w="12700" cap="flat">
+            <a:noFill/>
+            <a:miter lim="400000"/>
+          </a:ln>
+          <a:effectLst/>
+          <a:sp3d/>
+        </p:spPr>
+        <p:style>
+          <a:lnRef idx="0">
+            <a:scrgbClr r="0" g="0" b="0"/>
+          </a:lnRef>
+          <a:fillRef idx="0">
+            <a:scrgbClr r="0" g="0" b="0"/>
+          </a:fillRef>
+          <a:effectRef idx="0">
+            <a:scrgbClr r="0" g="0" b="0"/>
+          </a:effectRef>
+          <a:fontRef idx="none"/>
+        </p:style>
+        <p:txBody>
+          <a:bodyPr rot="0" spcFirstLastPara="1" vertOverflow="overflow" horzOverflow="overflow" vert="horz" wrap="none" lIns="50800" tIns="50800" rIns="50800" bIns="50800" numCol="1" spcCol="38100" rtlCol="0" anchor="ctr">
+            <a:spAutoFit/>
+          </a:bodyPr>
+          <a:lstStyle/>
+          <a:p>
+            <a:pPr marL="0" marR="0" indent="0" algn="ctr" defTabSz="2438338" rtl="0" fontAlgn="auto" latinLnBrk="0" hangingPunct="0">
+              <a:lnSpc>
+                <a:spcPct val="100000"/>
+              </a:lnSpc>
+              <a:spcBef>
+                <a:spcPts val="0"/>
+              </a:spcBef>
+              <a:spcAft>
+                <a:spcPts val="0"/>
+              </a:spcAft>
+              <a:buClrTx/>
+              <a:buSzTx/>
+              <a:buFontTx/>
+              <a:buNone/>
+              <a:tabLst/>
+            </a:pPr>
+            <a:r>
+              <a:rPr kumimoji="0" lang="en-US" sz="2400" b="0" i="0" u="none" strike="noStrike" cap="none" spc="0" normalizeH="0" baseline="0" dirty="0">
+                <a:ln>
+                  <a:noFill/>
+                </a:ln>
+                <a:solidFill>
+                  <a:srgbClr val="5E5E5E"/>
+                </a:solidFill>
+                <a:effectLst/>
+                <a:uFillTx/>
+                <a:latin typeface="+mn-lt"/>
+                <a:ea typeface="+mn-ea"/>
+                <a:cs typeface="+mn-cs"/>
+                <a:sym typeface="Helvetica Neue"/>
+              </a:rPr>
+              <a:t>0</a:t>
+            </a:r>
+          </a:p>
+        </p:txBody>
+      </p:sp>
+      <p:sp>
+        <p:nvSpPr>
+          <p:cNvPr id="100" name="TextBox 99">
+            <a:extLst>
+              <a:ext uri="{FF2B5EF4-FFF2-40B4-BE49-F238E27FC236}">
+                <a16:creationId xmlns:a16="http://schemas.microsoft.com/office/drawing/2014/main" id="{DDAEFC46-BE84-4755-A8D6-E30DDAC33342}"/>
+              </a:ext>
+            </a:extLst>
+          </p:cNvPr>
+          <p:cNvSpPr txBox="1"/>
+          <p:nvPr/>
+        </p:nvSpPr>
+        <p:spPr>
+          <a:xfrm>
+            <a:off x="3559053" y="8304673"/>
+            <a:ext cx="274114" cy="471924"/>
+          </a:xfrm>
+          <a:prstGeom prst="rect">
+            <a:avLst/>
+          </a:prstGeom>
+          <a:noFill/>
+          <a:ln w="12700" cap="flat">
+            <a:noFill/>
+            <a:miter lim="400000"/>
+          </a:ln>
+          <a:effectLst/>
+          <a:sp3d/>
+        </p:spPr>
+        <p:style>
+          <a:lnRef idx="0">
+            <a:scrgbClr r="0" g="0" b="0"/>
+          </a:lnRef>
+          <a:fillRef idx="0">
+            <a:scrgbClr r="0" g="0" b="0"/>
+          </a:fillRef>
+          <a:effectRef idx="0">
+            <a:scrgbClr r="0" g="0" b="0"/>
+          </a:effectRef>
+          <a:fontRef idx="none"/>
+        </p:style>
+        <p:txBody>
+          <a:bodyPr rot="0" spcFirstLastPara="1" vertOverflow="overflow" horzOverflow="overflow" vert="horz" wrap="none" lIns="50800" tIns="50800" rIns="50800" bIns="50800" numCol="1" spcCol="38100" rtlCol="0" anchor="ctr">
+            <a:spAutoFit/>
+          </a:bodyPr>
+          <a:lstStyle/>
+          <a:p>
+            <a:pPr marL="0" marR="0" indent="0" algn="ctr" defTabSz="2438338" rtl="0" fontAlgn="auto" latinLnBrk="0" hangingPunct="0">
+              <a:lnSpc>
+                <a:spcPct val="100000"/>
+              </a:lnSpc>
+              <a:spcBef>
+                <a:spcPts val="0"/>
+              </a:spcBef>
+              <a:spcAft>
+                <a:spcPts val="0"/>
+              </a:spcAft>
+              <a:buClrTx/>
+              <a:buSzTx/>
+              <a:buFontTx/>
+              <a:buNone/>
+              <a:tabLst/>
+            </a:pPr>
+            <a:r>
+              <a:rPr kumimoji="0" lang="en-US" sz="2400" b="0" i="0" u="none" strike="noStrike" cap="none" spc="0" normalizeH="0" baseline="0" dirty="0">
+                <a:ln>
+                  <a:noFill/>
+                </a:ln>
+                <a:solidFill>
+                  <a:srgbClr val="5E5E5E"/>
+                </a:solidFill>
+                <a:effectLst/>
+                <a:uFillTx/>
+                <a:latin typeface="+mn-lt"/>
+                <a:ea typeface="+mn-ea"/>
+                <a:cs typeface="+mn-cs"/>
+                <a:sym typeface="Helvetica Neue"/>
+              </a:rPr>
+              <a:t>0</a:t>
+            </a:r>
+          </a:p>
+        </p:txBody>
+      </p:sp>
+      <p:sp>
+        <p:nvSpPr>
+          <p:cNvPr id="101" name="TextBox 100">
+            <a:extLst>
+              <a:ext uri="{FF2B5EF4-FFF2-40B4-BE49-F238E27FC236}">
+                <a16:creationId xmlns:a16="http://schemas.microsoft.com/office/drawing/2014/main" id="{B2E6BBCE-86A4-46FB-BEA8-9C6274FC6568}"/>
+              </a:ext>
+            </a:extLst>
+          </p:cNvPr>
+          <p:cNvSpPr txBox="1"/>
+          <p:nvPr/>
+        </p:nvSpPr>
+        <p:spPr>
+          <a:xfrm>
+            <a:off x="3308992" y="9197194"/>
+            <a:ext cx="274114" cy="471924"/>
+          </a:xfrm>
+          <a:prstGeom prst="rect">
+            <a:avLst/>
+          </a:prstGeom>
+          <a:noFill/>
+          <a:ln w="12700" cap="flat">
+            <a:noFill/>
+            <a:miter lim="400000"/>
+          </a:ln>
+          <a:effectLst/>
+          <a:sp3d/>
+        </p:spPr>
+        <p:style>
+          <a:lnRef idx="0">
+            <a:scrgbClr r="0" g="0" b="0"/>
+          </a:lnRef>
+          <a:fillRef idx="0">
+            <a:scrgbClr r="0" g="0" b="0"/>
+          </a:fillRef>
+          <a:effectRef idx="0">
+            <a:scrgbClr r="0" g="0" b="0"/>
+          </a:effectRef>
+          <a:fontRef idx="none"/>
+        </p:style>
+        <p:txBody>
+          <a:bodyPr rot="0" spcFirstLastPara="1" vertOverflow="overflow" horzOverflow="overflow" vert="horz" wrap="none" lIns="50800" tIns="50800" rIns="50800" bIns="50800" numCol="1" spcCol="38100" rtlCol="0" anchor="ctr">
+            <a:spAutoFit/>
+          </a:bodyPr>
+          <a:lstStyle/>
+          <a:p>
+            <a:pPr marL="0" marR="0" indent="0" algn="ctr" defTabSz="2438338" rtl="0" fontAlgn="auto" latinLnBrk="0" hangingPunct="0">
+              <a:lnSpc>
+                <a:spcPct val="100000"/>
+              </a:lnSpc>
+              <a:spcBef>
+                <a:spcPts val="0"/>
+              </a:spcBef>
+              <a:spcAft>
+                <a:spcPts val="0"/>
+              </a:spcAft>
+              <a:buClrTx/>
+              <a:buSzTx/>
+              <a:buFontTx/>
+              <a:buNone/>
+              <a:tabLst/>
+            </a:pPr>
+            <a:r>
+              <a:rPr kumimoji="0" lang="en-US" sz="2400" b="0" i="0" u="none" strike="noStrike" cap="none" spc="0" normalizeH="0" baseline="0" dirty="0">
+                <a:ln>
+                  <a:noFill/>
+                </a:ln>
+                <a:solidFill>
+                  <a:srgbClr val="5E5E5E"/>
+                </a:solidFill>
+                <a:effectLst/>
+                <a:uFillTx/>
+                <a:latin typeface="+mn-lt"/>
+                <a:ea typeface="+mn-ea"/>
+                <a:cs typeface="+mn-cs"/>
+                <a:sym typeface="Helvetica Neue"/>
+              </a:rPr>
+              <a:t>0</a:t>
+            </a:r>
+          </a:p>
+        </p:txBody>
+      </p:sp>
+      <p:sp>
+        <p:nvSpPr>
+          <p:cNvPr id="102" name="TextBox 101">
+            <a:extLst>
+              <a:ext uri="{FF2B5EF4-FFF2-40B4-BE49-F238E27FC236}">
+                <a16:creationId xmlns:a16="http://schemas.microsoft.com/office/drawing/2014/main" id="{120B4FB8-B929-4D81-A4F3-B473FEC19B7C}"/>
+              </a:ext>
+            </a:extLst>
+          </p:cNvPr>
+          <p:cNvSpPr txBox="1"/>
+          <p:nvPr/>
+        </p:nvSpPr>
+        <p:spPr>
+          <a:xfrm>
+            <a:off x="6425145" y="8554449"/>
+            <a:ext cx="274114" cy="471924"/>
+          </a:xfrm>
+          <a:prstGeom prst="rect">
+            <a:avLst/>
+          </a:prstGeom>
+          <a:noFill/>
+          <a:ln w="12700" cap="flat">
+            <a:noFill/>
+            <a:miter lim="400000"/>
+          </a:ln>
+          <a:effectLst/>
+          <a:sp3d/>
+        </p:spPr>
+        <p:style>
+          <a:lnRef idx="0">
+            <a:scrgbClr r="0" g="0" b="0"/>
+          </a:lnRef>
+          <a:fillRef idx="0">
+            <a:scrgbClr r="0" g="0" b="0"/>
+          </a:fillRef>
+          <a:effectRef idx="0">
+            <a:scrgbClr r="0" g="0" b="0"/>
+          </a:effectRef>
+          <a:fontRef idx="none"/>
+        </p:style>
+        <p:txBody>
+          <a:bodyPr rot="0" spcFirstLastPara="1" vertOverflow="overflow" horzOverflow="overflow" vert="horz" wrap="none" lIns="50800" tIns="50800" rIns="50800" bIns="50800" numCol="1" spcCol="38100" rtlCol="0" anchor="ctr">
+            <a:spAutoFit/>
+          </a:bodyPr>
+          <a:lstStyle/>
+          <a:p>
+            <a:pPr marL="0" marR="0" indent="0" algn="ctr" defTabSz="2438338" rtl="0" fontAlgn="auto" latinLnBrk="0" hangingPunct="0">
+              <a:lnSpc>
+                <a:spcPct val="100000"/>
+              </a:lnSpc>
+              <a:spcBef>
+                <a:spcPts val="0"/>
+              </a:spcBef>
+              <a:spcAft>
+                <a:spcPts val="0"/>
+              </a:spcAft>
+              <a:buClrTx/>
+              <a:buSzTx/>
+              <a:buFontTx/>
+              <a:buNone/>
+              <a:tabLst/>
+            </a:pPr>
+            <a:r>
+              <a:rPr kumimoji="0" lang="en-US" sz="2400" b="0" i="0" u="none" strike="noStrike" cap="none" spc="0" normalizeH="0" baseline="0" dirty="0">
+                <a:ln>
+                  <a:noFill/>
+                </a:ln>
+                <a:solidFill>
+                  <a:srgbClr val="5E5E5E"/>
+                </a:solidFill>
+                <a:effectLst/>
+                <a:uFillTx/>
+                <a:latin typeface="+mn-lt"/>
+                <a:ea typeface="+mn-ea"/>
+                <a:cs typeface="+mn-cs"/>
+                <a:sym typeface="Helvetica Neue"/>
+              </a:rPr>
+              <a:t>0</a:t>
+            </a:r>
+          </a:p>
+        </p:txBody>
+      </p:sp>
+      <p:sp>
+        <p:nvSpPr>
+          <p:cNvPr id="103" name="TextBox 102">
+            <a:extLst>
+              <a:ext uri="{FF2B5EF4-FFF2-40B4-BE49-F238E27FC236}">
+                <a16:creationId xmlns:a16="http://schemas.microsoft.com/office/drawing/2014/main" id="{7F4315B5-DE93-4A56-BEF5-584C8ED39D16}"/>
+              </a:ext>
+            </a:extLst>
+          </p:cNvPr>
+          <p:cNvSpPr txBox="1"/>
+          <p:nvPr/>
+        </p:nvSpPr>
+        <p:spPr>
+          <a:xfrm>
+            <a:off x="3614213" y="10415154"/>
+            <a:ext cx="274114" cy="471924"/>
+          </a:xfrm>
+          <a:prstGeom prst="rect">
+            <a:avLst/>
+          </a:prstGeom>
+          <a:noFill/>
+          <a:ln w="12700" cap="flat">
+            <a:noFill/>
+            <a:miter lim="400000"/>
+          </a:ln>
+          <a:effectLst/>
+          <a:sp3d/>
+        </p:spPr>
+        <p:style>
+          <a:lnRef idx="0">
+            <a:scrgbClr r="0" g="0" b="0"/>
+          </a:lnRef>
+          <a:fillRef idx="0">
+            <a:scrgbClr r="0" g="0" b="0"/>
+          </a:fillRef>
+          <a:effectRef idx="0">
+            <a:scrgbClr r="0" g="0" b="0"/>
+          </a:effectRef>
+          <a:fontRef idx="none"/>
+        </p:style>
+        <p:txBody>
+          <a:bodyPr rot="0" spcFirstLastPara="1" vertOverflow="overflow" horzOverflow="overflow" vert="horz" wrap="none" lIns="50800" tIns="50800" rIns="50800" bIns="50800" numCol="1" spcCol="38100" rtlCol="0" anchor="ctr">
+            <a:spAutoFit/>
+          </a:bodyPr>
+          <a:lstStyle/>
+          <a:p>
+            <a:pPr marL="0" marR="0" indent="0" algn="ctr" defTabSz="2438338" rtl="0" fontAlgn="auto" latinLnBrk="0" hangingPunct="0">
+              <a:lnSpc>
+                <a:spcPct val="100000"/>
+              </a:lnSpc>
+              <a:spcBef>
+                <a:spcPts val="0"/>
+              </a:spcBef>
+              <a:spcAft>
+                <a:spcPts val="0"/>
+              </a:spcAft>
+              <a:buClrTx/>
+              <a:buSzTx/>
+              <a:buFontTx/>
+              <a:buNone/>
+              <a:tabLst/>
+            </a:pPr>
+            <a:r>
+              <a:rPr kumimoji="0" lang="en-US" sz="2400" b="0" i="0" u="none" strike="noStrike" cap="none" spc="0" normalizeH="0" baseline="0" dirty="0">
+                <a:ln>
+                  <a:noFill/>
+                </a:ln>
+                <a:solidFill>
+                  <a:srgbClr val="5E5E5E"/>
+                </a:solidFill>
+                <a:effectLst/>
+                <a:uFillTx/>
+                <a:latin typeface="+mn-lt"/>
+                <a:ea typeface="+mn-ea"/>
+                <a:cs typeface="+mn-cs"/>
+                <a:sym typeface="Helvetica Neue"/>
+              </a:rPr>
+              <a:t>0</a:t>
+            </a:r>
+          </a:p>
+        </p:txBody>
+      </p:sp>
+      <p:sp>
+        <p:nvSpPr>
+          <p:cNvPr id="104" name="TextBox 103">
+            <a:extLst>
+              <a:ext uri="{FF2B5EF4-FFF2-40B4-BE49-F238E27FC236}">
+                <a16:creationId xmlns:a16="http://schemas.microsoft.com/office/drawing/2014/main" id="{CBF3367D-839E-4901-ABD8-15A2D706CA21}"/>
+              </a:ext>
+            </a:extLst>
+          </p:cNvPr>
+          <p:cNvSpPr txBox="1"/>
+          <p:nvPr/>
+        </p:nvSpPr>
+        <p:spPr>
+          <a:xfrm>
+            <a:off x="6621609" y="6171035"/>
+            <a:ext cx="274114" cy="471924"/>
+          </a:xfrm>
+          <a:prstGeom prst="rect">
+            <a:avLst/>
+          </a:prstGeom>
+          <a:noFill/>
+          <a:ln w="12700" cap="flat">
+            <a:noFill/>
+            <a:miter lim="400000"/>
+          </a:ln>
+          <a:effectLst/>
+          <a:sp3d/>
+        </p:spPr>
+        <p:style>
+          <a:lnRef idx="0">
+            <a:scrgbClr r="0" g="0" b="0"/>
+          </a:lnRef>
+          <a:fillRef idx="0">
+            <a:scrgbClr r="0" g="0" b="0"/>
+          </a:fillRef>
+          <a:effectRef idx="0">
+            <a:scrgbClr r="0" g="0" b="0"/>
+          </a:effectRef>
+          <a:fontRef idx="none"/>
+        </p:style>
+        <p:txBody>
+          <a:bodyPr rot="0" spcFirstLastPara="1" vertOverflow="overflow" horzOverflow="overflow" vert="horz" wrap="none" lIns="50800" tIns="50800" rIns="50800" bIns="50800" numCol="1" spcCol="38100" rtlCol="0" anchor="ctr">
+            <a:spAutoFit/>
+          </a:bodyPr>
+          <a:lstStyle/>
+          <a:p>
+            <a:pPr marL="0" marR="0" indent="0" algn="ctr" defTabSz="2438338" rtl="0" fontAlgn="auto" latinLnBrk="0" hangingPunct="0">
+              <a:lnSpc>
+                <a:spcPct val="100000"/>
+              </a:lnSpc>
+              <a:spcBef>
+                <a:spcPts val="0"/>
+              </a:spcBef>
+              <a:spcAft>
+                <a:spcPts val="0"/>
+              </a:spcAft>
+              <a:buClrTx/>
+              <a:buSzTx/>
+              <a:buFontTx/>
+              <a:buNone/>
+              <a:tabLst/>
+            </a:pPr>
+            <a:r>
+              <a:rPr kumimoji="0" lang="en-US" sz="2400" b="0" i="0" u="none" strike="noStrike" cap="none" spc="0" normalizeH="0" baseline="0" dirty="0">
+                <a:ln>
+                  <a:noFill/>
+                </a:ln>
+                <a:solidFill>
+                  <a:srgbClr val="5E5E5E"/>
+                </a:solidFill>
+                <a:effectLst/>
+                <a:uFillTx/>
+                <a:latin typeface="+mn-lt"/>
+                <a:ea typeface="+mn-ea"/>
+                <a:cs typeface="+mn-cs"/>
+                <a:sym typeface="Helvetica Neue"/>
+              </a:rPr>
+              <a:t>0</a:t>
+            </a:r>
+          </a:p>
+        </p:txBody>
+      </p:sp>
+      <p:sp>
+        <p:nvSpPr>
+          <p:cNvPr id="105" name="TextBox 104">
+            <a:extLst>
+              <a:ext uri="{FF2B5EF4-FFF2-40B4-BE49-F238E27FC236}">
+                <a16:creationId xmlns:a16="http://schemas.microsoft.com/office/drawing/2014/main" id="{4D3532CC-92C7-42EF-89C8-9DE30DFA67F2}"/>
+              </a:ext>
+            </a:extLst>
+          </p:cNvPr>
+          <p:cNvSpPr txBox="1"/>
+          <p:nvPr/>
+        </p:nvSpPr>
+        <p:spPr>
+          <a:xfrm>
+            <a:off x="16236418" y="6408162"/>
+            <a:ext cx="274114" cy="471924"/>
+          </a:xfrm>
+          <a:prstGeom prst="rect">
+            <a:avLst/>
+          </a:prstGeom>
+          <a:noFill/>
+          <a:ln w="12700" cap="flat">
+            <a:noFill/>
+            <a:miter lim="400000"/>
+          </a:ln>
+          <a:effectLst/>
+          <a:sp3d/>
+        </p:spPr>
+        <p:style>
+          <a:lnRef idx="0">
+            <a:scrgbClr r="0" g="0" b="0"/>
+          </a:lnRef>
+          <a:fillRef idx="0">
+            <a:scrgbClr r="0" g="0" b="0"/>
+          </a:fillRef>
+          <a:effectRef idx="0">
+            <a:scrgbClr r="0" g="0" b="0"/>
+          </a:effectRef>
+          <a:fontRef idx="none"/>
+        </p:style>
+        <p:txBody>
+          <a:bodyPr rot="0" spcFirstLastPara="1" vertOverflow="overflow" horzOverflow="overflow" vert="horz" wrap="none" lIns="50800" tIns="50800" rIns="50800" bIns="50800" numCol="1" spcCol="38100" rtlCol="0" anchor="ctr">
+            <a:spAutoFit/>
+          </a:bodyPr>
+          <a:lstStyle/>
+          <a:p>
+            <a:pPr marL="0" marR="0" indent="0" algn="ctr" defTabSz="2438338" rtl="0" fontAlgn="auto" latinLnBrk="0" hangingPunct="0">
+              <a:lnSpc>
+                <a:spcPct val="100000"/>
+              </a:lnSpc>
+              <a:spcBef>
+                <a:spcPts val="0"/>
+              </a:spcBef>
+              <a:spcAft>
+                <a:spcPts val="0"/>
+              </a:spcAft>
+              <a:buClrTx/>
+              <a:buSzTx/>
+              <a:buFontTx/>
+              <a:buNone/>
+              <a:tabLst/>
+            </a:pPr>
+            <a:r>
+              <a:rPr kumimoji="0" lang="en-US" sz="2400" b="0" i="0" u="none" strike="noStrike" cap="none" spc="0" normalizeH="0" baseline="0" dirty="0">
+                <a:ln>
+                  <a:noFill/>
+                </a:ln>
+                <a:solidFill>
+                  <a:srgbClr val="5E5E5E"/>
+                </a:solidFill>
+                <a:effectLst/>
+                <a:uFillTx/>
+                <a:latin typeface="+mn-lt"/>
+                <a:ea typeface="+mn-ea"/>
+                <a:cs typeface="+mn-cs"/>
+                <a:sym typeface="Helvetica Neue"/>
+              </a:rPr>
+              <a:t>0</a:t>
+            </a:r>
+          </a:p>
+        </p:txBody>
+      </p:sp>
+      <p:sp>
+        <p:nvSpPr>
+          <p:cNvPr id="106" name="TextBox 105">
+            <a:extLst>
+              <a:ext uri="{FF2B5EF4-FFF2-40B4-BE49-F238E27FC236}">
+                <a16:creationId xmlns:a16="http://schemas.microsoft.com/office/drawing/2014/main" id="{24446702-2007-4D39-AE61-A50E61BD243E}"/>
+              </a:ext>
+            </a:extLst>
+          </p:cNvPr>
+          <p:cNvSpPr txBox="1"/>
+          <p:nvPr/>
+        </p:nvSpPr>
+        <p:spPr>
+          <a:xfrm>
+            <a:off x="3473584" y="4587552"/>
+            <a:ext cx="274114" cy="471924"/>
+          </a:xfrm>
+          <a:prstGeom prst="rect">
+            <a:avLst/>
+          </a:prstGeom>
+          <a:noFill/>
+          <a:ln w="12700" cap="flat">
+            <a:noFill/>
+            <a:miter lim="400000"/>
+          </a:ln>
+          <a:effectLst/>
+          <a:sp3d/>
+        </p:spPr>
+        <p:style>
+          <a:lnRef idx="0">
+            <a:scrgbClr r="0" g="0" b="0"/>
+          </a:lnRef>
+          <a:fillRef idx="0">
+            <a:scrgbClr r="0" g="0" b="0"/>
+          </a:fillRef>
+          <a:effectRef idx="0">
+            <a:scrgbClr r="0" g="0" b="0"/>
+          </a:effectRef>
+          <a:fontRef idx="none"/>
+        </p:style>
+        <p:txBody>
+          <a:bodyPr rot="0" spcFirstLastPara="1" vertOverflow="overflow" horzOverflow="overflow" vert="horz" wrap="none" lIns="50800" tIns="50800" rIns="50800" bIns="50800" numCol="1" spcCol="38100" rtlCol="0" anchor="ctr">
+            <a:spAutoFit/>
+          </a:bodyPr>
+          <a:lstStyle/>
+          <a:p>
+            <a:pPr marL="0" marR="0" indent="0" algn="ctr" defTabSz="2438338" rtl="0" fontAlgn="auto" latinLnBrk="0" hangingPunct="0">
+              <a:lnSpc>
+                <a:spcPct val="100000"/>
+              </a:lnSpc>
+              <a:spcBef>
+                <a:spcPts val="0"/>
+              </a:spcBef>
+              <a:spcAft>
+                <a:spcPts val="0"/>
+              </a:spcAft>
+              <a:buClrTx/>
+              <a:buSzTx/>
+              <a:buFontTx/>
+              <a:buNone/>
+              <a:tabLst/>
+            </a:pPr>
+            <a:r>
+              <a:rPr kumimoji="0" lang="en-US" sz="2400" b="0" i="0" u="none" strike="noStrike" cap="none" spc="0" normalizeH="0" baseline="0" dirty="0">
+                <a:ln>
+                  <a:noFill/>
+                </a:ln>
+                <a:solidFill>
+                  <a:srgbClr val="5E5E5E"/>
+                </a:solidFill>
+                <a:effectLst/>
+                <a:uFillTx/>
+                <a:latin typeface="+mn-lt"/>
+                <a:ea typeface="+mn-ea"/>
+                <a:cs typeface="+mn-cs"/>
+                <a:sym typeface="Helvetica Neue"/>
+              </a:rPr>
+              <a:t>0</a:t>
+            </a:r>
+          </a:p>
+        </p:txBody>
+      </p:sp>
+      <p:sp>
+        <p:nvSpPr>
+          <p:cNvPr id="107" name="TextBox 106">
+            <a:extLst>
+              <a:ext uri="{FF2B5EF4-FFF2-40B4-BE49-F238E27FC236}">
+                <a16:creationId xmlns:a16="http://schemas.microsoft.com/office/drawing/2014/main" id="{D85A12DF-45D0-41D6-8D3D-E27293056CDF}"/>
+              </a:ext>
+            </a:extLst>
+          </p:cNvPr>
+          <p:cNvSpPr txBox="1"/>
+          <p:nvPr/>
+        </p:nvSpPr>
+        <p:spPr>
+          <a:xfrm>
+            <a:off x="3425905" y="5913624"/>
+            <a:ext cx="274114" cy="471924"/>
+          </a:xfrm>
+          <a:prstGeom prst="rect">
+            <a:avLst/>
+          </a:prstGeom>
+          <a:noFill/>
+          <a:ln w="12700" cap="flat">
+            <a:noFill/>
+            <a:miter lim="400000"/>
+          </a:ln>
+          <a:effectLst/>
+          <a:sp3d/>
+        </p:spPr>
+        <p:style>
+          <a:lnRef idx="0">
+            <a:scrgbClr r="0" g="0" b="0"/>
+          </a:lnRef>
+          <a:fillRef idx="0">
+            <a:scrgbClr r="0" g="0" b="0"/>
+          </a:fillRef>
+          <a:effectRef idx="0">
+            <a:scrgbClr r="0" g="0" b="0"/>
+          </a:effectRef>
+          <a:fontRef idx="none"/>
+        </p:style>
+        <p:txBody>
+          <a:bodyPr rot="0" spcFirstLastPara="1" vertOverflow="overflow" horzOverflow="overflow" vert="horz" wrap="none" lIns="50800" tIns="50800" rIns="50800" bIns="50800" numCol="1" spcCol="38100" rtlCol="0" anchor="ctr">
+            <a:spAutoFit/>
+          </a:bodyPr>
+          <a:lstStyle/>
+          <a:p>
+            <a:pPr marL="0" marR="0" indent="0" algn="ctr" defTabSz="2438338" rtl="0" fontAlgn="auto" latinLnBrk="0" hangingPunct="0">
+              <a:lnSpc>
+                <a:spcPct val="100000"/>
+              </a:lnSpc>
+              <a:spcBef>
+                <a:spcPts val="0"/>
+              </a:spcBef>
+              <a:spcAft>
+                <a:spcPts val="0"/>
+              </a:spcAft>
+              <a:buClrTx/>
+              <a:buSzTx/>
+              <a:buFontTx/>
+              <a:buNone/>
+              <a:tabLst/>
+            </a:pPr>
+            <a:r>
+              <a:rPr kumimoji="0" lang="en-US" sz="2400" b="0" i="0" u="none" strike="noStrike" cap="none" spc="0" normalizeH="0" baseline="0" dirty="0">
+                <a:ln>
+                  <a:noFill/>
+                </a:ln>
+                <a:solidFill>
+                  <a:srgbClr val="5E5E5E"/>
+                </a:solidFill>
+                <a:effectLst/>
+                <a:uFillTx/>
+                <a:latin typeface="+mn-lt"/>
+                <a:ea typeface="+mn-ea"/>
+                <a:cs typeface="+mn-cs"/>
+                <a:sym typeface="Helvetica Neue"/>
+              </a:rPr>
+              <a:t>0</a:t>
+            </a:r>
+          </a:p>
+        </p:txBody>
+      </p:sp>
+      <p:sp>
+        <p:nvSpPr>
+          <p:cNvPr id="108" name="TextBox 107">
+            <a:extLst>
+              <a:ext uri="{FF2B5EF4-FFF2-40B4-BE49-F238E27FC236}">
+                <a16:creationId xmlns:a16="http://schemas.microsoft.com/office/drawing/2014/main" id="{43F39909-A9C8-4C4E-801F-66454186AF4A}"/>
+              </a:ext>
+            </a:extLst>
+          </p:cNvPr>
+          <p:cNvSpPr txBox="1"/>
+          <p:nvPr/>
+        </p:nvSpPr>
+        <p:spPr>
+          <a:xfrm>
+            <a:off x="3725475" y="3330304"/>
+            <a:ext cx="274114" cy="471924"/>
+          </a:xfrm>
+          <a:prstGeom prst="rect">
+            <a:avLst/>
+          </a:prstGeom>
+          <a:noFill/>
+          <a:ln w="12700" cap="flat">
+            <a:noFill/>
+            <a:miter lim="400000"/>
+          </a:ln>
+          <a:effectLst/>
+          <a:sp3d/>
+        </p:spPr>
+        <p:style>
+          <a:lnRef idx="0">
+            <a:scrgbClr r="0" g="0" b="0"/>
+          </a:lnRef>
+          <a:fillRef idx="0">
+            <a:scrgbClr r="0" g="0" b="0"/>
+          </a:fillRef>
+          <a:effectRef idx="0">
+            <a:scrgbClr r="0" g="0" b="0"/>
+          </a:effectRef>
+          <a:fontRef idx="none"/>
+        </p:style>
+        <p:txBody>
+          <a:bodyPr rot="0" spcFirstLastPara="1" vertOverflow="overflow" horzOverflow="overflow" vert="horz" wrap="none" lIns="50800" tIns="50800" rIns="50800" bIns="50800" numCol="1" spcCol="38100" rtlCol="0" anchor="ctr">
+            <a:spAutoFit/>
+          </a:bodyPr>
+          <a:lstStyle/>
+          <a:p>
+            <a:pPr marL="0" marR="0" indent="0" algn="ctr" defTabSz="2438338" rtl="0" fontAlgn="auto" latinLnBrk="0" hangingPunct="0">
+              <a:lnSpc>
+                <a:spcPct val="100000"/>
+              </a:lnSpc>
+              <a:spcBef>
+                <a:spcPts val="0"/>
+              </a:spcBef>
+              <a:spcAft>
+                <a:spcPts val="0"/>
+              </a:spcAft>
+              <a:buClrTx/>
+              <a:buSzTx/>
+              <a:buFontTx/>
+              <a:buNone/>
+              <a:tabLst/>
+            </a:pPr>
+            <a:r>
+              <a:rPr kumimoji="0" lang="en-US" sz="2400" b="0" i="0" u="none" strike="noStrike" cap="none" spc="0" normalizeH="0" baseline="0" dirty="0">
+                <a:ln>
+                  <a:noFill/>
+                </a:ln>
+                <a:solidFill>
+                  <a:srgbClr val="5E5E5E"/>
+                </a:solidFill>
+                <a:effectLst/>
+                <a:uFillTx/>
+                <a:latin typeface="+mn-lt"/>
+                <a:ea typeface="+mn-ea"/>
+                <a:cs typeface="+mn-cs"/>
+                <a:sym typeface="Helvetica Neue"/>
+              </a:rPr>
+              <a:t>0</a:t>
+            </a:r>
+          </a:p>
+        </p:txBody>
+      </p:sp>
+      <p:sp>
+        <p:nvSpPr>
+          <p:cNvPr id="109" name="TextBox 108">
+            <a:extLst>
+              <a:ext uri="{FF2B5EF4-FFF2-40B4-BE49-F238E27FC236}">
+                <a16:creationId xmlns:a16="http://schemas.microsoft.com/office/drawing/2014/main" id="{F105D4A2-ED53-481E-AB72-14EDA28D36A0}"/>
+              </a:ext>
+            </a:extLst>
+          </p:cNvPr>
+          <p:cNvSpPr txBox="1"/>
+          <p:nvPr/>
+        </p:nvSpPr>
+        <p:spPr>
+          <a:xfrm>
+            <a:off x="3397384" y="2285163"/>
+            <a:ext cx="274114" cy="471924"/>
+          </a:xfrm>
+          <a:prstGeom prst="rect">
+            <a:avLst/>
+          </a:prstGeom>
+          <a:noFill/>
+          <a:ln w="12700" cap="flat">
+            <a:noFill/>
+            <a:miter lim="400000"/>
+          </a:ln>
+          <a:effectLst/>
+          <a:sp3d/>
+        </p:spPr>
+        <p:style>
+          <a:lnRef idx="0">
+            <a:scrgbClr r="0" g="0" b="0"/>
+          </a:lnRef>
+          <a:fillRef idx="0">
+            <a:scrgbClr r="0" g="0" b="0"/>
+          </a:fillRef>
+          <a:effectRef idx="0">
+            <a:scrgbClr r="0" g="0" b="0"/>
+          </a:effectRef>
+          <a:fontRef idx="none"/>
+        </p:style>
+        <p:txBody>
+          <a:bodyPr rot="0" spcFirstLastPara="1" vertOverflow="overflow" horzOverflow="overflow" vert="horz" wrap="none" lIns="50800" tIns="50800" rIns="50800" bIns="50800" numCol="1" spcCol="38100" rtlCol="0" anchor="ctr">
+            <a:spAutoFit/>
+          </a:bodyPr>
+          <a:lstStyle/>
+          <a:p>
+            <a:pPr marL="0" marR="0" indent="0" algn="ctr" defTabSz="2438338" rtl="0" fontAlgn="auto" latinLnBrk="0" hangingPunct="0">
+              <a:lnSpc>
+                <a:spcPct val="100000"/>
+              </a:lnSpc>
+              <a:spcBef>
+                <a:spcPts val="0"/>
+              </a:spcBef>
+              <a:spcAft>
+                <a:spcPts val="0"/>
+              </a:spcAft>
+              <a:buClrTx/>
+              <a:buSzTx/>
+              <a:buFontTx/>
+              <a:buNone/>
+              <a:tabLst/>
+            </a:pPr>
+            <a:r>
+              <a:rPr kumimoji="0" lang="en-US" sz="2400" b="0" i="0" u="none" strike="noStrike" cap="none" spc="0" normalizeH="0" baseline="0" dirty="0">
+                <a:ln>
+                  <a:noFill/>
+                </a:ln>
+                <a:solidFill>
+                  <a:srgbClr val="5E5E5E"/>
+                </a:solidFill>
+                <a:effectLst/>
+                <a:uFillTx/>
+                <a:latin typeface="+mn-lt"/>
+                <a:ea typeface="+mn-ea"/>
+                <a:cs typeface="+mn-cs"/>
+                <a:sym typeface="Helvetica Neue"/>
+              </a:rPr>
+              <a:t>0</a:t>
+            </a:r>
+          </a:p>
+        </p:txBody>
+      </p:sp>
+      <p:sp>
+        <p:nvSpPr>
+          <p:cNvPr id="110" name="TextBox 109">
+            <a:extLst>
+              <a:ext uri="{FF2B5EF4-FFF2-40B4-BE49-F238E27FC236}">
+                <a16:creationId xmlns:a16="http://schemas.microsoft.com/office/drawing/2014/main" id="{7AD1B1E3-02EC-4F74-82A8-DDCC1E135903}"/>
+              </a:ext>
+            </a:extLst>
+          </p:cNvPr>
+          <p:cNvSpPr txBox="1"/>
+          <p:nvPr/>
+        </p:nvSpPr>
+        <p:spPr>
+          <a:xfrm>
+            <a:off x="14786244" y="8487141"/>
+            <a:ext cx="274114" cy="471924"/>
+          </a:xfrm>
+          <a:prstGeom prst="rect">
+            <a:avLst/>
+          </a:prstGeom>
+          <a:noFill/>
+          <a:ln w="12700" cap="flat">
+            <a:noFill/>
+            <a:miter lim="400000"/>
+          </a:ln>
+          <a:effectLst/>
+          <a:sp3d/>
+        </p:spPr>
+        <p:style>
+          <a:lnRef idx="0">
+            <a:scrgbClr r="0" g="0" b="0"/>
+          </a:lnRef>
+          <a:fillRef idx="0">
+            <a:scrgbClr r="0" g="0" b="0"/>
+          </a:fillRef>
+          <a:effectRef idx="0">
+            <a:scrgbClr r="0" g="0" b="0"/>
+          </a:effectRef>
+          <a:fontRef idx="none"/>
+        </p:style>
+        <p:txBody>
+          <a:bodyPr rot="0" spcFirstLastPara="1" vertOverflow="overflow" horzOverflow="overflow" vert="horz" wrap="none" lIns="50800" tIns="50800" rIns="50800" bIns="50800" numCol="1" spcCol="38100" rtlCol="0" anchor="ctr">
+            <a:spAutoFit/>
+          </a:bodyPr>
+          <a:lstStyle/>
+          <a:p>
+            <a:pPr marL="0" marR="0" indent="0" algn="ctr" defTabSz="2438338" rtl="0" fontAlgn="auto" latinLnBrk="0" hangingPunct="0">
+              <a:lnSpc>
+                <a:spcPct val="100000"/>
+              </a:lnSpc>
+              <a:spcBef>
+                <a:spcPts val="0"/>
+              </a:spcBef>
+              <a:spcAft>
+                <a:spcPts val="0"/>
+              </a:spcAft>
+              <a:buClrTx/>
+              <a:buSzTx/>
+              <a:buFontTx/>
+              <a:buNone/>
+              <a:tabLst/>
+            </a:pPr>
+            <a:r>
+              <a:rPr kumimoji="0" lang="en-US" sz="2400" b="0" i="0" u="none" strike="noStrike" cap="none" spc="0" normalizeH="0" baseline="0" dirty="0">
+                <a:ln>
+                  <a:noFill/>
+                </a:ln>
+                <a:solidFill>
+                  <a:srgbClr val="5E5E5E"/>
+                </a:solidFill>
+                <a:effectLst/>
+                <a:uFillTx/>
+                <a:latin typeface="+mn-lt"/>
+                <a:ea typeface="+mn-ea"/>
+                <a:cs typeface="+mn-cs"/>
+                <a:sym typeface="Helvetica Neue"/>
+              </a:rPr>
+              <a:t>1</a:t>
+            </a:r>
+          </a:p>
+        </p:txBody>
+      </p:sp>
+      <p:sp>
+        <p:nvSpPr>
+          <p:cNvPr id="111" name="TextBox 110">
+            <a:extLst>
+              <a:ext uri="{FF2B5EF4-FFF2-40B4-BE49-F238E27FC236}">
+                <a16:creationId xmlns:a16="http://schemas.microsoft.com/office/drawing/2014/main" id="{4C14B7EA-DADA-4B99-B35D-8D01AD9F321A}"/>
+              </a:ext>
+            </a:extLst>
+          </p:cNvPr>
+          <p:cNvSpPr txBox="1"/>
+          <p:nvPr/>
+        </p:nvSpPr>
+        <p:spPr>
+          <a:xfrm>
+            <a:off x="3854709" y="4123818"/>
+            <a:ext cx="274114" cy="471924"/>
+          </a:xfrm>
+          <a:prstGeom prst="rect">
+            <a:avLst/>
+          </a:prstGeom>
+          <a:noFill/>
+          <a:ln w="12700" cap="flat">
+            <a:noFill/>
+            <a:miter lim="400000"/>
+          </a:ln>
+          <a:effectLst/>
+          <a:sp3d/>
+        </p:spPr>
+        <p:style>
+          <a:lnRef idx="0">
+            <a:scrgbClr r="0" g="0" b="0"/>
+          </a:lnRef>
+          <a:fillRef idx="0">
+            <a:scrgbClr r="0" g="0" b="0"/>
+          </a:fillRef>
+          <a:effectRef idx="0">
+            <a:scrgbClr r="0" g="0" b="0"/>
+          </a:effectRef>
+          <a:fontRef idx="none"/>
+        </p:style>
+        <p:txBody>
+          <a:bodyPr rot="0" spcFirstLastPara="1" vertOverflow="overflow" horzOverflow="overflow" vert="horz" wrap="none" lIns="50800" tIns="50800" rIns="50800" bIns="50800" numCol="1" spcCol="38100" rtlCol="0" anchor="ctr">
+            <a:spAutoFit/>
+          </a:bodyPr>
+          <a:lstStyle/>
+          <a:p>
+            <a:pPr marL="0" marR="0" indent="0" algn="ctr" defTabSz="2438338" rtl="0" fontAlgn="auto" latinLnBrk="0" hangingPunct="0">
+              <a:lnSpc>
+                <a:spcPct val="100000"/>
+              </a:lnSpc>
+              <a:spcBef>
+                <a:spcPts val="0"/>
+              </a:spcBef>
+              <a:spcAft>
+                <a:spcPts val="0"/>
+              </a:spcAft>
+              <a:buClrTx/>
+              <a:buSzTx/>
+              <a:buFontTx/>
+              <a:buNone/>
+              <a:tabLst/>
+            </a:pPr>
+            <a:r>
+              <a:rPr kumimoji="0" lang="en-US" sz="2400" b="0" i="0" u="none" strike="noStrike" cap="none" spc="0" normalizeH="0" baseline="0" dirty="0">
+                <a:ln>
+                  <a:noFill/>
+                </a:ln>
+                <a:solidFill>
+                  <a:srgbClr val="5E5E5E"/>
+                </a:solidFill>
+                <a:effectLst/>
+                <a:uFillTx/>
+                <a:latin typeface="+mn-lt"/>
+                <a:ea typeface="+mn-ea"/>
+                <a:cs typeface="+mn-cs"/>
+                <a:sym typeface="Helvetica Neue"/>
+              </a:rPr>
+              <a:t>1</a:t>
+            </a:r>
+          </a:p>
+        </p:txBody>
+      </p:sp>
+      <p:sp>
+        <p:nvSpPr>
+          <p:cNvPr id="112" name="TextBox 111">
+            <a:extLst>
+              <a:ext uri="{FF2B5EF4-FFF2-40B4-BE49-F238E27FC236}">
+                <a16:creationId xmlns:a16="http://schemas.microsoft.com/office/drawing/2014/main" id="{01E2E9CC-546D-45AB-B7B7-51236D7FC7CD}"/>
+              </a:ext>
+            </a:extLst>
+          </p:cNvPr>
+          <p:cNvSpPr txBox="1"/>
+          <p:nvPr/>
+        </p:nvSpPr>
+        <p:spPr>
+          <a:xfrm>
+            <a:off x="3717652" y="9904115"/>
+            <a:ext cx="274114" cy="471924"/>
+          </a:xfrm>
+          <a:prstGeom prst="rect">
+            <a:avLst/>
+          </a:prstGeom>
+          <a:noFill/>
+          <a:ln w="12700" cap="flat">
+            <a:noFill/>
+            <a:miter lim="400000"/>
+          </a:ln>
+          <a:effectLst/>
+          <a:sp3d/>
+        </p:spPr>
+        <p:style>
+          <a:lnRef idx="0">
+            <a:scrgbClr r="0" g="0" b="0"/>
+          </a:lnRef>
+          <a:fillRef idx="0">
+            <a:scrgbClr r="0" g="0" b="0"/>
+          </a:fillRef>
+          <a:effectRef idx="0">
+            <a:scrgbClr r="0" g="0" b="0"/>
+          </a:effectRef>
+          <a:fontRef idx="none"/>
+        </p:style>
+        <p:txBody>
+          <a:bodyPr rot="0" spcFirstLastPara="1" vertOverflow="overflow" horzOverflow="overflow" vert="horz" wrap="none" lIns="50800" tIns="50800" rIns="50800" bIns="50800" numCol="1" spcCol="38100" rtlCol="0" anchor="ctr">
+            <a:spAutoFit/>
+          </a:bodyPr>
+          <a:lstStyle/>
+          <a:p>
+            <a:pPr marL="0" marR="0" indent="0" algn="ctr" defTabSz="2438338" rtl="0" fontAlgn="auto" latinLnBrk="0" hangingPunct="0">
+              <a:lnSpc>
+                <a:spcPct val="100000"/>
+              </a:lnSpc>
+              <a:spcBef>
+                <a:spcPts val="0"/>
+              </a:spcBef>
+              <a:spcAft>
+                <a:spcPts val="0"/>
+              </a:spcAft>
+              <a:buClrTx/>
+              <a:buSzTx/>
+              <a:buFontTx/>
+              <a:buNone/>
+              <a:tabLst/>
+            </a:pPr>
+            <a:r>
+              <a:rPr kumimoji="0" lang="en-US" sz="2400" b="0" i="0" u="none" strike="noStrike" cap="none" spc="0" normalizeH="0" baseline="0" dirty="0">
+                <a:ln>
+                  <a:noFill/>
+                </a:ln>
+                <a:solidFill>
+                  <a:srgbClr val="5E5E5E"/>
+                </a:solidFill>
+                <a:effectLst/>
+                <a:uFillTx/>
+                <a:latin typeface="+mn-lt"/>
+                <a:ea typeface="+mn-ea"/>
+                <a:cs typeface="+mn-cs"/>
+                <a:sym typeface="Helvetica Neue"/>
+              </a:rPr>
+              <a:t>1</a:t>
+            </a:r>
+          </a:p>
+        </p:txBody>
+      </p:sp>
+      <p:sp>
+        <p:nvSpPr>
+          <p:cNvPr id="113" name="TextBox 112">
+            <a:extLst>
+              <a:ext uri="{FF2B5EF4-FFF2-40B4-BE49-F238E27FC236}">
+                <a16:creationId xmlns:a16="http://schemas.microsoft.com/office/drawing/2014/main" id="{8E8BF4D5-761A-4723-AA96-17EA7C4A899D}"/>
+              </a:ext>
+            </a:extLst>
+          </p:cNvPr>
+          <p:cNvSpPr txBox="1"/>
+          <p:nvPr/>
+        </p:nvSpPr>
+        <p:spPr>
+          <a:xfrm>
+            <a:off x="3700019" y="2944050"/>
+            <a:ext cx="274114" cy="471924"/>
+          </a:xfrm>
+          <a:prstGeom prst="rect">
+            <a:avLst/>
+          </a:prstGeom>
+          <a:noFill/>
+          <a:ln w="12700" cap="flat">
+            <a:noFill/>
+            <a:miter lim="400000"/>
+          </a:ln>
+          <a:effectLst/>
+          <a:sp3d/>
+        </p:spPr>
+        <p:style>
+          <a:lnRef idx="0">
+            <a:scrgbClr r="0" g="0" b="0"/>
+          </a:lnRef>
+          <a:fillRef idx="0">
+            <a:scrgbClr r="0" g="0" b="0"/>
+          </a:fillRef>
+          <a:effectRef idx="0">
+            <a:scrgbClr r="0" g="0" b="0"/>
+          </a:effectRef>
+          <a:fontRef idx="none"/>
+        </p:style>
+        <p:txBody>
+          <a:bodyPr rot="0" spcFirstLastPara="1" vertOverflow="overflow" horzOverflow="overflow" vert="horz" wrap="none" lIns="50800" tIns="50800" rIns="50800" bIns="50800" numCol="1" spcCol="38100" rtlCol="0" anchor="ctr">
+            <a:spAutoFit/>
+          </a:bodyPr>
+          <a:lstStyle/>
+          <a:p>
+            <a:pPr marL="0" marR="0" indent="0" algn="ctr" defTabSz="2438338" rtl="0" fontAlgn="auto" latinLnBrk="0" hangingPunct="0">
+              <a:lnSpc>
+                <a:spcPct val="100000"/>
+              </a:lnSpc>
+              <a:spcBef>
+                <a:spcPts val="0"/>
+              </a:spcBef>
+              <a:spcAft>
+                <a:spcPts val="0"/>
+              </a:spcAft>
+              <a:buClrTx/>
+              <a:buSzTx/>
+              <a:buFontTx/>
+              <a:buNone/>
+              <a:tabLst/>
+            </a:pPr>
+            <a:r>
+              <a:rPr kumimoji="0" lang="en-US" sz="2400" b="0" i="0" u="none" strike="noStrike" cap="none" spc="0" normalizeH="0" baseline="0" dirty="0">
+                <a:ln>
+                  <a:noFill/>
+                </a:ln>
+                <a:solidFill>
+                  <a:srgbClr val="5E5E5E"/>
+                </a:solidFill>
+                <a:effectLst/>
+                <a:uFillTx/>
+                <a:latin typeface="+mn-lt"/>
+                <a:ea typeface="+mn-ea"/>
+                <a:cs typeface="+mn-cs"/>
+                <a:sym typeface="Helvetica Neue"/>
+              </a:rPr>
+              <a:t>1</a:t>
+            </a:r>
+          </a:p>
+        </p:txBody>
+      </p:sp>
+      <p:sp>
+        <p:nvSpPr>
+          <p:cNvPr id="114" name="TextBox 113">
+            <a:extLst>
+              <a:ext uri="{FF2B5EF4-FFF2-40B4-BE49-F238E27FC236}">
+                <a16:creationId xmlns:a16="http://schemas.microsoft.com/office/drawing/2014/main" id="{8DBAA084-17BE-4E76-BA7F-58D099E1CA0D}"/>
+              </a:ext>
+            </a:extLst>
+          </p:cNvPr>
+          <p:cNvSpPr txBox="1"/>
+          <p:nvPr/>
+        </p:nvSpPr>
+        <p:spPr>
+          <a:xfrm>
+            <a:off x="3626112" y="1867885"/>
+            <a:ext cx="274114" cy="471924"/>
+          </a:xfrm>
+          <a:prstGeom prst="rect">
+            <a:avLst/>
+          </a:prstGeom>
+          <a:noFill/>
+          <a:ln w="12700" cap="flat">
+            <a:noFill/>
+            <a:miter lim="400000"/>
+          </a:ln>
+          <a:effectLst/>
+          <a:sp3d/>
+        </p:spPr>
+        <p:style>
+          <a:lnRef idx="0">
+            <a:scrgbClr r="0" g="0" b="0"/>
+          </a:lnRef>
+          <a:fillRef idx="0">
+            <a:scrgbClr r="0" g="0" b="0"/>
+          </a:fillRef>
+          <a:effectRef idx="0">
+            <a:scrgbClr r="0" g="0" b="0"/>
+          </a:effectRef>
+          <a:fontRef idx="none"/>
+        </p:style>
+        <p:txBody>
+          <a:bodyPr rot="0" spcFirstLastPara="1" vertOverflow="overflow" horzOverflow="overflow" vert="horz" wrap="none" lIns="50800" tIns="50800" rIns="50800" bIns="50800" numCol="1" spcCol="38100" rtlCol="0" anchor="ctr">
+            <a:spAutoFit/>
+          </a:bodyPr>
+          <a:lstStyle/>
+          <a:p>
+            <a:pPr marL="0" marR="0" indent="0" algn="ctr" defTabSz="2438338" rtl="0" fontAlgn="auto" latinLnBrk="0" hangingPunct="0">
+              <a:lnSpc>
+                <a:spcPct val="100000"/>
+              </a:lnSpc>
+              <a:spcBef>
+                <a:spcPts val="0"/>
+              </a:spcBef>
+              <a:spcAft>
+                <a:spcPts val="0"/>
+              </a:spcAft>
+              <a:buClrTx/>
+              <a:buSzTx/>
+              <a:buFontTx/>
+              <a:buNone/>
+              <a:tabLst/>
+            </a:pPr>
+            <a:r>
+              <a:rPr kumimoji="0" lang="en-US" sz="2400" b="0" i="0" u="none" strike="noStrike" cap="none" spc="0" normalizeH="0" baseline="0" dirty="0">
+                <a:ln>
+                  <a:noFill/>
+                </a:ln>
+                <a:solidFill>
+                  <a:srgbClr val="5E5E5E"/>
+                </a:solidFill>
+                <a:effectLst/>
+                <a:uFillTx/>
+                <a:latin typeface="+mn-lt"/>
+                <a:ea typeface="+mn-ea"/>
+                <a:cs typeface="+mn-cs"/>
+                <a:sym typeface="Helvetica Neue"/>
+              </a:rPr>
+              <a:t>1</a:t>
+            </a:r>
+          </a:p>
+        </p:txBody>
+      </p:sp>
+      <p:sp>
+        <p:nvSpPr>
+          <p:cNvPr id="115" name="TextBox 114">
+            <a:extLst>
+              <a:ext uri="{FF2B5EF4-FFF2-40B4-BE49-F238E27FC236}">
+                <a16:creationId xmlns:a16="http://schemas.microsoft.com/office/drawing/2014/main" id="{842F6E00-7A03-444E-9306-FBBD96BBBA1F}"/>
+              </a:ext>
+            </a:extLst>
+          </p:cNvPr>
+          <p:cNvSpPr txBox="1"/>
+          <p:nvPr/>
+        </p:nvSpPr>
+        <p:spPr>
+          <a:xfrm>
+            <a:off x="6717455" y="2533493"/>
+            <a:ext cx="274114" cy="471924"/>
+          </a:xfrm>
+          <a:prstGeom prst="rect">
+            <a:avLst/>
+          </a:prstGeom>
+          <a:noFill/>
+          <a:ln w="12700" cap="flat">
+            <a:noFill/>
+            <a:miter lim="400000"/>
+          </a:ln>
+          <a:effectLst/>
+          <a:sp3d/>
+        </p:spPr>
+        <p:style>
+          <a:lnRef idx="0">
+            <a:scrgbClr r="0" g="0" b="0"/>
+          </a:lnRef>
+          <a:fillRef idx="0">
+            <a:scrgbClr r="0" g="0" b="0"/>
+          </a:fillRef>
+          <a:effectRef idx="0">
+            <a:scrgbClr r="0" g="0" b="0"/>
+          </a:effectRef>
+          <a:fontRef idx="none"/>
+        </p:style>
+        <p:txBody>
+          <a:bodyPr rot="0" spcFirstLastPara="1" vertOverflow="overflow" horzOverflow="overflow" vert="horz" wrap="none" lIns="50800" tIns="50800" rIns="50800" bIns="50800" numCol="1" spcCol="38100" rtlCol="0" anchor="ctr">
+            <a:spAutoFit/>
+          </a:bodyPr>
+          <a:lstStyle/>
+          <a:p>
+            <a:pPr marL="0" marR="0" indent="0" algn="ctr" defTabSz="2438338" rtl="0" fontAlgn="auto" latinLnBrk="0" hangingPunct="0">
+              <a:lnSpc>
+                <a:spcPct val="100000"/>
+              </a:lnSpc>
+              <a:spcBef>
+                <a:spcPts val="0"/>
+              </a:spcBef>
+              <a:spcAft>
+                <a:spcPts val="0"/>
+              </a:spcAft>
+              <a:buClrTx/>
+              <a:buSzTx/>
+              <a:buFontTx/>
+              <a:buNone/>
+              <a:tabLst/>
+            </a:pPr>
+            <a:r>
+              <a:rPr kumimoji="0" lang="en-US" sz="2400" b="0" i="0" u="none" strike="noStrike" cap="none" spc="0" normalizeH="0" baseline="0" dirty="0">
+                <a:ln>
+                  <a:noFill/>
+                </a:ln>
+                <a:solidFill>
+                  <a:srgbClr val="5E5E5E"/>
+                </a:solidFill>
+                <a:effectLst/>
+                <a:uFillTx/>
+                <a:latin typeface="+mn-lt"/>
+                <a:ea typeface="+mn-ea"/>
+                <a:cs typeface="+mn-cs"/>
+                <a:sym typeface="Helvetica Neue"/>
+              </a:rPr>
+              <a:t>1</a:t>
+            </a:r>
+          </a:p>
+        </p:txBody>
+      </p:sp>
+      <p:sp>
+        <p:nvSpPr>
+          <p:cNvPr id="116" name="TextBox 115">
+            <a:extLst>
+              <a:ext uri="{FF2B5EF4-FFF2-40B4-BE49-F238E27FC236}">
+                <a16:creationId xmlns:a16="http://schemas.microsoft.com/office/drawing/2014/main" id="{C0899E2A-10FB-4C17-9210-6E95BAB59247}"/>
+              </a:ext>
+            </a:extLst>
+          </p:cNvPr>
+          <p:cNvSpPr txBox="1"/>
+          <p:nvPr/>
+        </p:nvSpPr>
+        <p:spPr>
+          <a:xfrm>
+            <a:off x="6900585" y="4998062"/>
+            <a:ext cx="274114" cy="471924"/>
+          </a:xfrm>
+          <a:prstGeom prst="rect">
+            <a:avLst/>
+          </a:prstGeom>
+          <a:noFill/>
+          <a:ln w="12700" cap="flat">
+            <a:noFill/>
+            <a:miter lim="400000"/>
+          </a:ln>
+          <a:effectLst/>
+          <a:sp3d/>
+        </p:spPr>
+        <p:style>
+          <a:lnRef idx="0">
+            <a:scrgbClr r="0" g="0" b="0"/>
+          </a:lnRef>
+          <a:fillRef idx="0">
+            <a:scrgbClr r="0" g="0" b="0"/>
+          </a:fillRef>
+          <a:effectRef idx="0">
+            <a:scrgbClr r="0" g="0" b="0"/>
+          </a:effectRef>
+          <a:fontRef idx="none"/>
+        </p:style>
+        <p:txBody>
+          <a:bodyPr rot="0" spcFirstLastPara="1" vertOverflow="overflow" horzOverflow="overflow" vert="horz" wrap="none" lIns="50800" tIns="50800" rIns="50800" bIns="50800" numCol="1" spcCol="38100" rtlCol="0" anchor="ctr">
+            <a:spAutoFit/>
+          </a:bodyPr>
+          <a:lstStyle/>
+          <a:p>
+            <a:pPr marL="0" marR="0" indent="0" algn="ctr" defTabSz="2438338" rtl="0" fontAlgn="auto" latinLnBrk="0" hangingPunct="0">
+              <a:lnSpc>
+                <a:spcPct val="100000"/>
+              </a:lnSpc>
+              <a:spcBef>
+                <a:spcPts val="0"/>
+              </a:spcBef>
+              <a:spcAft>
+                <a:spcPts val="0"/>
+              </a:spcAft>
+              <a:buClrTx/>
+              <a:buSzTx/>
+              <a:buFontTx/>
+              <a:buNone/>
+              <a:tabLst/>
+            </a:pPr>
+            <a:r>
+              <a:rPr kumimoji="0" lang="en-US" sz="2400" b="0" i="0" u="none" strike="noStrike" cap="none" spc="0" normalizeH="0" baseline="0" dirty="0">
+                <a:ln>
+                  <a:noFill/>
+                </a:ln>
+                <a:solidFill>
+                  <a:srgbClr val="5E5E5E"/>
+                </a:solidFill>
+                <a:effectLst/>
+                <a:uFillTx/>
+                <a:latin typeface="+mn-lt"/>
+                <a:ea typeface="+mn-ea"/>
+                <a:cs typeface="+mn-cs"/>
+                <a:sym typeface="Helvetica Neue"/>
+              </a:rPr>
+              <a:t>1</a:t>
+            </a:r>
+          </a:p>
+        </p:txBody>
+      </p:sp>
+      <p:sp>
+        <p:nvSpPr>
+          <p:cNvPr id="117" name="TextBox 116">
+            <a:extLst>
+              <a:ext uri="{FF2B5EF4-FFF2-40B4-BE49-F238E27FC236}">
+                <a16:creationId xmlns:a16="http://schemas.microsoft.com/office/drawing/2014/main" id="{61033D1B-CBC2-493C-9042-230BE3B585A2}"/>
+              </a:ext>
+            </a:extLst>
+          </p:cNvPr>
+          <p:cNvSpPr txBox="1"/>
+          <p:nvPr/>
+        </p:nvSpPr>
+        <p:spPr>
+          <a:xfrm>
+            <a:off x="6451736" y="9637503"/>
+            <a:ext cx="274114" cy="471924"/>
+          </a:xfrm>
+          <a:prstGeom prst="rect">
+            <a:avLst/>
+          </a:prstGeom>
+          <a:noFill/>
+          <a:ln w="12700" cap="flat">
+            <a:noFill/>
+            <a:miter lim="400000"/>
+          </a:ln>
+          <a:effectLst/>
+          <a:sp3d/>
+        </p:spPr>
+        <p:style>
+          <a:lnRef idx="0">
+            <a:scrgbClr r="0" g="0" b="0"/>
+          </a:lnRef>
+          <a:fillRef idx="0">
+            <a:scrgbClr r="0" g="0" b="0"/>
+          </a:fillRef>
+          <a:effectRef idx="0">
+            <a:scrgbClr r="0" g="0" b="0"/>
+          </a:effectRef>
+          <a:fontRef idx="none"/>
+        </p:style>
+        <p:txBody>
+          <a:bodyPr rot="0" spcFirstLastPara="1" vertOverflow="overflow" horzOverflow="overflow" vert="horz" wrap="none" lIns="50800" tIns="50800" rIns="50800" bIns="50800" numCol="1" spcCol="38100" rtlCol="0" anchor="ctr">
+            <a:spAutoFit/>
+          </a:bodyPr>
+          <a:lstStyle/>
+          <a:p>
+            <a:pPr marL="0" marR="0" indent="0" algn="ctr" defTabSz="2438338" rtl="0" fontAlgn="auto" latinLnBrk="0" hangingPunct="0">
+              <a:lnSpc>
+                <a:spcPct val="100000"/>
+              </a:lnSpc>
+              <a:spcBef>
+                <a:spcPts val="0"/>
+              </a:spcBef>
+              <a:spcAft>
+                <a:spcPts val="0"/>
+              </a:spcAft>
+              <a:buClrTx/>
+              <a:buSzTx/>
+              <a:buFontTx/>
+              <a:buNone/>
+              <a:tabLst/>
+            </a:pPr>
+            <a:r>
+              <a:rPr kumimoji="0" lang="en-US" sz="2400" b="0" i="0" u="none" strike="noStrike" cap="none" spc="0" normalizeH="0" baseline="0" dirty="0">
+                <a:ln>
+                  <a:noFill/>
+                </a:ln>
+                <a:solidFill>
+                  <a:srgbClr val="5E5E5E"/>
+                </a:solidFill>
+                <a:effectLst/>
+                <a:uFillTx/>
+                <a:latin typeface="+mn-lt"/>
+                <a:ea typeface="+mn-ea"/>
+                <a:cs typeface="+mn-cs"/>
+                <a:sym typeface="Helvetica Neue"/>
+              </a:rPr>
+              <a:t>1</a:t>
+            </a:r>
+          </a:p>
+        </p:txBody>
+      </p:sp>
+      <p:sp>
+        <p:nvSpPr>
+          <p:cNvPr id="118" name="TextBox 117">
+            <a:extLst>
+              <a:ext uri="{FF2B5EF4-FFF2-40B4-BE49-F238E27FC236}">
+                <a16:creationId xmlns:a16="http://schemas.microsoft.com/office/drawing/2014/main" id="{691145FA-5C2E-4E27-8AEA-8C66E7812407}"/>
+              </a:ext>
+            </a:extLst>
+          </p:cNvPr>
+          <p:cNvSpPr txBox="1"/>
+          <p:nvPr/>
+        </p:nvSpPr>
+        <p:spPr>
+          <a:xfrm>
+            <a:off x="6553603" y="7274914"/>
+            <a:ext cx="274114" cy="471924"/>
+          </a:xfrm>
+          <a:prstGeom prst="rect">
+            <a:avLst/>
+          </a:prstGeom>
+          <a:noFill/>
+          <a:ln w="12700" cap="flat">
+            <a:noFill/>
+            <a:miter lim="400000"/>
+          </a:ln>
+          <a:effectLst/>
+          <a:sp3d/>
+        </p:spPr>
+        <p:style>
+          <a:lnRef idx="0">
+            <a:scrgbClr r="0" g="0" b="0"/>
+          </a:lnRef>
+          <a:fillRef idx="0">
+            <a:scrgbClr r="0" g="0" b="0"/>
+          </a:fillRef>
+          <a:effectRef idx="0">
+            <a:scrgbClr r="0" g="0" b="0"/>
+          </a:effectRef>
+          <a:fontRef idx="none"/>
+        </p:style>
+        <p:txBody>
+          <a:bodyPr rot="0" spcFirstLastPara="1" vertOverflow="overflow" horzOverflow="overflow" vert="horz" wrap="none" lIns="50800" tIns="50800" rIns="50800" bIns="50800" numCol="1" spcCol="38100" rtlCol="0" anchor="ctr">
+            <a:spAutoFit/>
+          </a:bodyPr>
+          <a:lstStyle/>
+          <a:p>
+            <a:pPr marL="0" marR="0" indent="0" algn="ctr" defTabSz="2438338" rtl="0" fontAlgn="auto" latinLnBrk="0" hangingPunct="0">
+              <a:lnSpc>
+                <a:spcPct val="100000"/>
+              </a:lnSpc>
+              <a:spcBef>
+                <a:spcPts val="0"/>
+              </a:spcBef>
+              <a:spcAft>
+                <a:spcPts val="0"/>
+              </a:spcAft>
+              <a:buClrTx/>
+              <a:buSzTx/>
+              <a:buFontTx/>
+              <a:buNone/>
+              <a:tabLst/>
+            </a:pPr>
+            <a:r>
+              <a:rPr kumimoji="0" lang="en-US" sz="2400" b="0" i="0" u="none" strike="noStrike" cap="none" spc="0" normalizeH="0" baseline="0" dirty="0">
+                <a:ln>
+                  <a:noFill/>
+                </a:ln>
+                <a:solidFill>
+                  <a:srgbClr val="5E5E5E"/>
+                </a:solidFill>
+                <a:effectLst/>
+                <a:uFillTx/>
+                <a:latin typeface="+mn-lt"/>
+                <a:ea typeface="+mn-ea"/>
+                <a:cs typeface="+mn-cs"/>
+                <a:sym typeface="Helvetica Neue"/>
+              </a:rPr>
+              <a:t>1</a:t>
+            </a:r>
+          </a:p>
+        </p:txBody>
+      </p:sp>
+      <p:sp>
+        <p:nvSpPr>
+          <p:cNvPr id="119" name="TextBox 118">
+            <a:extLst>
+              <a:ext uri="{FF2B5EF4-FFF2-40B4-BE49-F238E27FC236}">
+                <a16:creationId xmlns:a16="http://schemas.microsoft.com/office/drawing/2014/main" id="{158797D5-85D0-41A8-AF19-34CE4B0ECAB1}"/>
+              </a:ext>
+            </a:extLst>
+          </p:cNvPr>
+          <p:cNvSpPr txBox="1"/>
+          <p:nvPr/>
+        </p:nvSpPr>
+        <p:spPr>
+          <a:xfrm>
+            <a:off x="9352362" y="4063252"/>
+            <a:ext cx="274114" cy="471924"/>
+          </a:xfrm>
+          <a:prstGeom prst="rect">
+            <a:avLst/>
+          </a:prstGeom>
+          <a:noFill/>
+          <a:ln w="12700" cap="flat">
+            <a:noFill/>
+            <a:miter lim="400000"/>
+          </a:ln>
+          <a:effectLst/>
+          <a:sp3d/>
+        </p:spPr>
+        <p:style>
+          <a:lnRef idx="0">
+            <a:scrgbClr r="0" g="0" b="0"/>
+          </a:lnRef>
+          <a:fillRef idx="0">
+            <a:scrgbClr r="0" g="0" b="0"/>
+          </a:fillRef>
+          <a:effectRef idx="0">
+            <a:scrgbClr r="0" g="0" b="0"/>
+          </a:effectRef>
+          <a:fontRef idx="none"/>
+        </p:style>
+        <p:txBody>
+          <a:bodyPr rot="0" spcFirstLastPara="1" vertOverflow="overflow" horzOverflow="overflow" vert="horz" wrap="none" lIns="50800" tIns="50800" rIns="50800" bIns="50800" numCol="1" spcCol="38100" rtlCol="0" anchor="ctr">
+            <a:spAutoFit/>
+          </a:bodyPr>
+          <a:lstStyle/>
+          <a:p>
+            <a:pPr marL="0" marR="0" indent="0" algn="ctr" defTabSz="2438338" rtl="0" fontAlgn="auto" latinLnBrk="0" hangingPunct="0">
+              <a:lnSpc>
+                <a:spcPct val="100000"/>
+              </a:lnSpc>
+              <a:spcBef>
+                <a:spcPts val="0"/>
+              </a:spcBef>
+              <a:spcAft>
+                <a:spcPts val="0"/>
+              </a:spcAft>
+              <a:buClrTx/>
+              <a:buSzTx/>
+              <a:buFontTx/>
+              <a:buNone/>
+              <a:tabLst/>
+            </a:pPr>
+            <a:r>
+              <a:rPr kumimoji="0" lang="en-US" sz="2400" b="0" i="0" u="none" strike="noStrike" cap="none" spc="0" normalizeH="0" baseline="0" dirty="0">
+                <a:ln>
+                  <a:noFill/>
+                </a:ln>
+                <a:solidFill>
+                  <a:srgbClr val="5E5E5E"/>
+                </a:solidFill>
+                <a:effectLst/>
+                <a:uFillTx/>
+                <a:latin typeface="+mn-lt"/>
+                <a:ea typeface="+mn-ea"/>
+                <a:cs typeface="+mn-cs"/>
+                <a:sym typeface="Helvetica Neue"/>
+              </a:rPr>
+              <a:t>1</a:t>
+            </a:r>
+          </a:p>
+        </p:txBody>
+      </p:sp>
+      <p:sp>
+        <p:nvSpPr>
+          <p:cNvPr id="120" name="TextBox 119">
+            <a:extLst>
+              <a:ext uri="{FF2B5EF4-FFF2-40B4-BE49-F238E27FC236}">
+                <a16:creationId xmlns:a16="http://schemas.microsoft.com/office/drawing/2014/main" id="{46F11309-65BB-4B2C-9DF6-B803C484D6AC}"/>
+              </a:ext>
+            </a:extLst>
+          </p:cNvPr>
+          <p:cNvSpPr txBox="1"/>
+          <p:nvPr/>
+        </p:nvSpPr>
+        <p:spPr>
+          <a:xfrm>
+            <a:off x="11624944" y="7324020"/>
+            <a:ext cx="274114" cy="471924"/>
+          </a:xfrm>
+          <a:prstGeom prst="rect">
+            <a:avLst/>
+          </a:prstGeom>
+          <a:noFill/>
+          <a:ln w="12700" cap="flat">
+            <a:noFill/>
+            <a:miter lim="400000"/>
+          </a:ln>
+          <a:effectLst/>
+          <a:sp3d/>
+        </p:spPr>
+        <p:style>
+          <a:lnRef idx="0">
+            <a:scrgbClr r="0" g="0" b="0"/>
+          </a:lnRef>
+          <a:fillRef idx="0">
+            <a:scrgbClr r="0" g="0" b="0"/>
+          </a:fillRef>
+          <a:effectRef idx="0">
+            <a:scrgbClr r="0" g="0" b="0"/>
+          </a:effectRef>
+          <a:fontRef idx="none"/>
+        </p:style>
+        <p:txBody>
+          <a:bodyPr rot="0" spcFirstLastPara="1" vertOverflow="overflow" horzOverflow="overflow" vert="horz" wrap="none" lIns="50800" tIns="50800" rIns="50800" bIns="50800" numCol="1" spcCol="38100" rtlCol="0" anchor="ctr">
+            <a:spAutoFit/>
+          </a:bodyPr>
+          <a:lstStyle/>
+          <a:p>
+            <a:pPr marL="0" marR="0" indent="0" algn="ctr" defTabSz="2438338" rtl="0" fontAlgn="auto" latinLnBrk="0" hangingPunct="0">
+              <a:lnSpc>
+                <a:spcPct val="100000"/>
+              </a:lnSpc>
+              <a:spcBef>
+                <a:spcPts val="0"/>
+              </a:spcBef>
+              <a:spcAft>
+                <a:spcPts val="0"/>
+              </a:spcAft>
+              <a:buClrTx/>
+              <a:buSzTx/>
+              <a:buFontTx/>
+              <a:buNone/>
+              <a:tabLst/>
+            </a:pPr>
+            <a:r>
+              <a:rPr kumimoji="0" lang="en-US" sz="2400" b="0" i="0" u="none" strike="noStrike" cap="none" spc="0" normalizeH="0" baseline="0" dirty="0">
+                <a:ln>
+                  <a:noFill/>
+                </a:ln>
+                <a:solidFill>
+                  <a:srgbClr val="5E5E5E"/>
+                </a:solidFill>
+                <a:effectLst/>
+                <a:uFillTx/>
+                <a:latin typeface="+mn-lt"/>
+                <a:ea typeface="+mn-ea"/>
+                <a:cs typeface="+mn-cs"/>
+                <a:sym typeface="Helvetica Neue"/>
+              </a:rPr>
+              <a:t>1</a:t>
+            </a:r>
+          </a:p>
+        </p:txBody>
+      </p:sp>
+      <p:sp>
+        <p:nvSpPr>
+          <p:cNvPr id="121" name="TextBox 120">
+            <a:extLst>
+              <a:ext uri="{FF2B5EF4-FFF2-40B4-BE49-F238E27FC236}">
+                <a16:creationId xmlns:a16="http://schemas.microsoft.com/office/drawing/2014/main" id="{7C9B86B8-9A16-4B8A-B3D6-96CD8D2F2B58}"/>
+              </a:ext>
+            </a:extLst>
+          </p:cNvPr>
+          <p:cNvSpPr txBox="1"/>
+          <p:nvPr/>
+        </p:nvSpPr>
+        <p:spPr>
+          <a:xfrm>
+            <a:off x="3515260" y="11164128"/>
+            <a:ext cx="274114" cy="471924"/>
+          </a:xfrm>
+          <a:prstGeom prst="rect">
+            <a:avLst/>
+          </a:prstGeom>
+          <a:noFill/>
+          <a:ln w="12700" cap="flat">
+            <a:noFill/>
+            <a:miter lim="400000"/>
+          </a:ln>
+          <a:effectLst/>
+          <a:sp3d/>
+        </p:spPr>
+        <p:style>
+          <a:lnRef idx="0">
+            <a:scrgbClr r="0" g="0" b="0"/>
+          </a:lnRef>
+          <a:fillRef idx="0">
+            <a:scrgbClr r="0" g="0" b="0"/>
+          </a:fillRef>
+          <a:effectRef idx="0">
+            <a:scrgbClr r="0" g="0" b="0"/>
+          </a:effectRef>
+          <a:fontRef idx="none"/>
+        </p:style>
+        <p:txBody>
+          <a:bodyPr rot="0" spcFirstLastPara="1" vertOverflow="overflow" horzOverflow="overflow" vert="horz" wrap="none" lIns="50800" tIns="50800" rIns="50800" bIns="50800" numCol="1" spcCol="38100" rtlCol="0" anchor="ctr">
+            <a:spAutoFit/>
+          </a:bodyPr>
+          <a:lstStyle/>
+          <a:p>
+            <a:pPr marL="0" marR="0" indent="0" algn="ctr" defTabSz="2438338" rtl="0" fontAlgn="auto" latinLnBrk="0" hangingPunct="0">
+              <a:lnSpc>
+                <a:spcPct val="100000"/>
+              </a:lnSpc>
+              <a:spcBef>
+                <a:spcPts val="0"/>
+              </a:spcBef>
+              <a:spcAft>
+                <a:spcPts val="0"/>
+              </a:spcAft>
+              <a:buClrTx/>
+              <a:buSzTx/>
+              <a:buFontTx/>
+              <a:buNone/>
+              <a:tabLst/>
+            </a:pPr>
+            <a:r>
+              <a:rPr kumimoji="0" lang="en-US" sz="2400" b="0" i="0" u="none" strike="noStrike" cap="none" spc="0" normalizeH="0" baseline="0" dirty="0">
+                <a:ln>
+                  <a:noFill/>
+                </a:ln>
+                <a:solidFill>
+                  <a:srgbClr val="5E5E5E"/>
+                </a:solidFill>
+                <a:effectLst/>
+                <a:uFillTx/>
+                <a:latin typeface="+mn-lt"/>
+                <a:ea typeface="+mn-ea"/>
+                <a:cs typeface="+mn-cs"/>
+                <a:sym typeface="Helvetica Neue"/>
+              </a:rPr>
+              <a:t>1</a:t>
+            </a:r>
+          </a:p>
+        </p:txBody>
+      </p:sp>
+      <p:sp>
+        <p:nvSpPr>
+          <p:cNvPr id="122" name="TextBox 121">
+            <a:extLst>
+              <a:ext uri="{FF2B5EF4-FFF2-40B4-BE49-F238E27FC236}">
+                <a16:creationId xmlns:a16="http://schemas.microsoft.com/office/drawing/2014/main" id="{230C2287-E409-4D91-8469-A77E7A5018FE}"/>
+              </a:ext>
+            </a:extLst>
+          </p:cNvPr>
+          <p:cNvSpPr txBox="1"/>
+          <p:nvPr/>
+        </p:nvSpPr>
+        <p:spPr>
+          <a:xfrm>
+            <a:off x="8518790" y="10349715"/>
+            <a:ext cx="274114" cy="471924"/>
+          </a:xfrm>
+          <a:prstGeom prst="rect">
+            <a:avLst/>
+          </a:prstGeom>
+          <a:noFill/>
+          <a:ln w="12700" cap="flat">
+            <a:noFill/>
+            <a:miter lim="400000"/>
+          </a:ln>
+          <a:effectLst/>
+          <a:sp3d/>
+        </p:spPr>
+        <p:style>
+          <a:lnRef idx="0">
+            <a:scrgbClr r="0" g="0" b="0"/>
+          </a:lnRef>
+          <a:fillRef idx="0">
+            <a:scrgbClr r="0" g="0" b="0"/>
+          </a:fillRef>
+          <a:effectRef idx="0">
+            <a:scrgbClr r="0" g="0" b="0"/>
+          </a:effectRef>
+          <a:fontRef idx="none"/>
+        </p:style>
+        <p:txBody>
+          <a:bodyPr rot="0" spcFirstLastPara="1" vertOverflow="overflow" horzOverflow="overflow" vert="horz" wrap="none" lIns="50800" tIns="50800" rIns="50800" bIns="50800" numCol="1" spcCol="38100" rtlCol="0" anchor="ctr">
+            <a:spAutoFit/>
+          </a:bodyPr>
+          <a:lstStyle/>
+          <a:p>
+            <a:pPr marL="0" marR="0" indent="0" algn="ctr" defTabSz="2438338" rtl="0" fontAlgn="auto" latinLnBrk="0" hangingPunct="0">
+              <a:lnSpc>
+                <a:spcPct val="100000"/>
+              </a:lnSpc>
+              <a:spcBef>
+                <a:spcPts val="0"/>
+              </a:spcBef>
+              <a:spcAft>
+                <a:spcPts val="0"/>
+              </a:spcAft>
+              <a:buClrTx/>
+              <a:buSzTx/>
+              <a:buFontTx/>
+              <a:buNone/>
+              <a:tabLst/>
+            </a:pPr>
+            <a:r>
+              <a:rPr kumimoji="0" lang="en-US" sz="2400" b="0" i="0" u="none" strike="noStrike" cap="none" spc="0" normalizeH="0" baseline="0" dirty="0">
+                <a:ln>
+                  <a:noFill/>
+                </a:ln>
+                <a:solidFill>
+                  <a:srgbClr val="5E5E5E"/>
+                </a:solidFill>
+                <a:effectLst/>
+                <a:uFillTx/>
+                <a:latin typeface="+mn-lt"/>
+                <a:ea typeface="+mn-ea"/>
+                <a:cs typeface="+mn-cs"/>
+                <a:sym typeface="Helvetica Neue"/>
+              </a:rPr>
+              <a:t>1</a:t>
+            </a:r>
+          </a:p>
+        </p:txBody>
+      </p:sp>
+      <p:sp>
+        <p:nvSpPr>
+          <p:cNvPr id="123" name="TextBox 122">
+            <a:extLst>
+              <a:ext uri="{FF2B5EF4-FFF2-40B4-BE49-F238E27FC236}">
+                <a16:creationId xmlns:a16="http://schemas.microsoft.com/office/drawing/2014/main" id="{BEE2E113-BCC5-4242-B52D-874AB0330C6F}"/>
+              </a:ext>
+            </a:extLst>
+          </p:cNvPr>
+          <p:cNvSpPr txBox="1"/>
+          <p:nvPr/>
+        </p:nvSpPr>
+        <p:spPr>
+          <a:xfrm>
+            <a:off x="3706796" y="5381115"/>
+            <a:ext cx="274114" cy="471924"/>
+          </a:xfrm>
+          <a:prstGeom prst="rect">
+            <a:avLst/>
+          </a:prstGeom>
+          <a:noFill/>
+          <a:ln w="12700" cap="flat">
+            <a:noFill/>
+            <a:miter lim="400000"/>
+          </a:ln>
+          <a:effectLst/>
+          <a:sp3d/>
+        </p:spPr>
+        <p:style>
+          <a:lnRef idx="0">
+            <a:scrgbClr r="0" g="0" b="0"/>
+          </a:lnRef>
+          <a:fillRef idx="0">
+            <a:scrgbClr r="0" g="0" b="0"/>
+          </a:fillRef>
+          <a:effectRef idx="0">
+            <a:scrgbClr r="0" g="0" b="0"/>
+          </a:effectRef>
+          <a:fontRef idx="none"/>
+        </p:style>
+        <p:txBody>
+          <a:bodyPr rot="0" spcFirstLastPara="1" vertOverflow="overflow" horzOverflow="overflow" vert="horz" wrap="none" lIns="50800" tIns="50800" rIns="50800" bIns="50800" numCol="1" spcCol="38100" rtlCol="0" anchor="ctr">
+            <a:spAutoFit/>
+          </a:bodyPr>
+          <a:lstStyle/>
+          <a:p>
+            <a:pPr marL="0" marR="0" indent="0" algn="ctr" defTabSz="2438338" rtl="0" fontAlgn="auto" latinLnBrk="0" hangingPunct="0">
+              <a:lnSpc>
+                <a:spcPct val="100000"/>
+              </a:lnSpc>
+              <a:spcBef>
+                <a:spcPts val="0"/>
+              </a:spcBef>
+              <a:spcAft>
+                <a:spcPts val="0"/>
+              </a:spcAft>
+              <a:buClrTx/>
+              <a:buSzTx/>
+              <a:buFontTx/>
+              <a:buNone/>
+              <a:tabLst/>
+            </a:pPr>
+            <a:r>
+              <a:rPr kumimoji="0" lang="en-US" sz="2400" b="0" i="0" u="none" strike="noStrike" cap="none" spc="0" normalizeH="0" baseline="0" dirty="0">
+                <a:ln>
+                  <a:noFill/>
+                </a:ln>
+                <a:solidFill>
+                  <a:srgbClr val="5E5E5E"/>
+                </a:solidFill>
+                <a:effectLst/>
+                <a:uFillTx/>
+                <a:latin typeface="+mn-lt"/>
+                <a:ea typeface="+mn-ea"/>
+                <a:cs typeface="+mn-cs"/>
+                <a:sym typeface="Helvetica Neue"/>
+              </a:rPr>
+              <a:t>1</a:t>
+            </a:r>
+          </a:p>
+        </p:txBody>
+      </p:sp>
+      <p:sp>
+        <p:nvSpPr>
+          <p:cNvPr id="124" name="TextBox 123">
+            <a:extLst>
+              <a:ext uri="{FF2B5EF4-FFF2-40B4-BE49-F238E27FC236}">
+                <a16:creationId xmlns:a16="http://schemas.microsoft.com/office/drawing/2014/main" id="{6B0F3CA1-518F-4DEB-8176-B23B77CEA8CD}"/>
+              </a:ext>
+            </a:extLst>
+          </p:cNvPr>
+          <p:cNvSpPr txBox="1"/>
+          <p:nvPr/>
+        </p:nvSpPr>
+        <p:spPr>
+          <a:xfrm>
+            <a:off x="3636752" y="6562838"/>
+            <a:ext cx="274114" cy="471924"/>
+          </a:xfrm>
+          <a:prstGeom prst="rect">
+            <a:avLst/>
+          </a:prstGeom>
+          <a:noFill/>
+          <a:ln w="12700" cap="flat">
+            <a:noFill/>
+            <a:miter lim="400000"/>
+          </a:ln>
+          <a:effectLst/>
+          <a:sp3d/>
+        </p:spPr>
+        <p:style>
+          <a:lnRef idx="0">
+            <a:scrgbClr r="0" g="0" b="0"/>
+          </a:lnRef>
+          <a:fillRef idx="0">
+            <a:scrgbClr r="0" g="0" b="0"/>
+          </a:fillRef>
+          <a:effectRef idx="0">
+            <a:scrgbClr r="0" g="0" b="0"/>
+          </a:effectRef>
+          <a:fontRef idx="none"/>
+        </p:style>
+        <p:txBody>
+          <a:bodyPr rot="0" spcFirstLastPara="1" vertOverflow="overflow" horzOverflow="overflow" vert="horz" wrap="none" lIns="50800" tIns="50800" rIns="50800" bIns="50800" numCol="1" spcCol="38100" rtlCol="0" anchor="ctr">
+            <a:spAutoFit/>
+          </a:bodyPr>
+          <a:lstStyle/>
+          <a:p>
+            <a:pPr marL="0" marR="0" indent="0" algn="ctr" defTabSz="2438338" rtl="0" fontAlgn="auto" latinLnBrk="0" hangingPunct="0">
+              <a:lnSpc>
+                <a:spcPct val="100000"/>
+              </a:lnSpc>
+              <a:spcBef>
+                <a:spcPts val="0"/>
+              </a:spcBef>
+              <a:spcAft>
+                <a:spcPts val="0"/>
+              </a:spcAft>
+              <a:buClrTx/>
+              <a:buSzTx/>
+              <a:buFontTx/>
+              <a:buNone/>
+              <a:tabLst/>
+            </a:pPr>
+            <a:r>
+              <a:rPr kumimoji="0" lang="en-US" sz="2400" b="0" i="0" u="none" strike="noStrike" cap="none" spc="0" normalizeH="0" baseline="0" dirty="0">
+                <a:ln>
+                  <a:noFill/>
+                </a:ln>
+                <a:solidFill>
+                  <a:srgbClr val="5E5E5E"/>
+                </a:solidFill>
+                <a:effectLst/>
+                <a:uFillTx/>
+                <a:latin typeface="+mn-lt"/>
+                <a:ea typeface="+mn-ea"/>
+                <a:cs typeface="+mn-cs"/>
+                <a:sym typeface="Helvetica Neue"/>
+              </a:rPr>
+              <a:t>1</a:t>
+            </a:r>
+          </a:p>
+        </p:txBody>
+      </p:sp>
+      <p:sp>
+        <p:nvSpPr>
+          <p:cNvPr id="125" name="TextBox 124">
+            <a:extLst>
+              <a:ext uri="{FF2B5EF4-FFF2-40B4-BE49-F238E27FC236}">
+                <a16:creationId xmlns:a16="http://schemas.microsoft.com/office/drawing/2014/main" id="{B88CB8E1-4CC9-4D5C-A87B-A8EB514E9F2E}"/>
+              </a:ext>
+            </a:extLst>
+          </p:cNvPr>
+          <p:cNvSpPr txBox="1"/>
+          <p:nvPr/>
+        </p:nvSpPr>
+        <p:spPr>
+          <a:xfrm>
+            <a:off x="3726663" y="8915174"/>
+            <a:ext cx="274114" cy="471924"/>
+          </a:xfrm>
+          <a:prstGeom prst="rect">
+            <a:avLst/>
+          </a:prstGeom>
+          <a:noFill/>
+          <a:ln w="12700" cap="flat">
+            <a:noFill/>
+            <a:miter lim="400000"/>
+          </a:ln>
+          <a:effectLst/>
+          <a:sp3d/>
+        </p:spPr>
+        <p:style>
+          <a:lnRef idx="0">
+            <a:scrgbClr r="0" g="0" b="0"/>
+          </a:lnRef>
+          <a:fillRef idx="0">
+            <a:scrgbClr r="0" g="0" b="0"/>
+          </a:fillRef>
+          <a:effectRef idx="0">
+            <a:scrgbClr r="0" g="0" b="0"/>
+          </a:effectRef>
+          <a:fontRef idx="none"/>
+        </p:style>
+        <p:txBody>
+          <a:bodyPr rot="0" spcFirstLastPara="1" vertOverflow="overflow" horzOverflow="overflow" vert="horz" wrap="none" lIns="50800" tIns="50800" rIns="50800" bIns="50800" numCol="1" spcCol="38100" rtlCol="0" anchor="ctr">
+            <a:spAutoFit/>
+          </a:bodyPr>
+          <a:lstStyle/>
+          <a:p>
+            <a:pPr marL="0" marR="0" indent="0" algn="ctr" defTabSz="2438338" rtl="0" fontAlgn="auto" latinLnBrk="0" hangingPunct="0">
+              <a:lnSpc>
+                <a:spcPct val="100000"/>
+              </a:lnSpc>
+              <a:spcBef>
+                <a:spcPts val="0"/>
+              </a:spcBef>
+              <a:spcAft>
+                <a:spcPts val="0"/>
+              </a:spcAft>
+              <a:buClrTx/>
+              <a:buSzTx/>
+              <a:buFontTx/>
+              <a:buNone/>
+              <a:tabLst/>
+            </a:pPr>
+            <a:r>
+              <a:rPr kumimoji="0" lang="en-US" sz="2400" b="0" i="0" u="none" strike="noStrike" cap="none" spc="0" normalizeH="0" baseline="0" dirty="0">
+                <a:ln>
+                  <a:noFill/>
+                </a:ln>
+                <a:solidFill>
+                  <a:srgbClr val="5E5E5E"/>
+                </a:solidFill>
+                <a:effectLst/>
+                <a:uFillTx/>
+                <a:latin typeface="+mn-lt"/>
+                <a:ea typeface="+mn-ea"/>
+                <a:cs typeface="+mn-cs"/>
+                <a:sym typeface="Helvetica Neue"/>
+              </a:rPr>
+              <a:t>1</a:t>
+            </a:r>
+          </a:p>
+        </p:txBody>
+      </p:sp>
+      <p:sp>
+        <p:nvSpPr>
+          <p:cNvPr id="126" name="TextBox 125">
+            <a:extLst>
+              <a:ext uri="{FF2B5EF4-FFF2-40B4-BE49-F238E27FC236}">
+                <a16:creationId xmlns:a16="http://schemas.microsoft.com/office/drawing/2014/main" id="{E03BECF7-B276-4D67-94D7-6518228BD1DE}"/>
+              </a:ext>
+            </a:extLst>
+          </p:cNvPr>
+          <p:cNvSpPr txBox="1"/>
+          <p:nvPr/>
+        </p:nvSpPr>
+        <p:spPr>
+          <a:xfrm>
+            <a:off x="3789374" y="7810715"/>
+            <a:ext cx="274114" cy="471924"/>
+          </a:xfrm>
+          <a:prstGeom prst="rect">
+            <a:avLst/>
+          </a:prstGeom>
+          <a:noFill/>
+          <a:ln w="12700" cap="flat">
+            <a:noFill/>
+            <a:miter lim="400000"/>
+          </a:ln>
+          <a:effectLst/>
+          <a:sp3d/>
+        </p:spPr>
+        <p:style>
+          <a:lnRef idx="0">
+            <a:scrgbClr r="0" g="0" b="0"/>
+          </a:lnRef>
+          <a:fillRef idx="0">
+            <a:scrgbClr r="0" g="0" b="0"/>
+          </a:fillRef>
+          <a:effectRef idx="0">
+            <a:scrgbClr r="0" g="0" b="0"/>
+          </a:effectRef>
+          <a:fontRef idx="none"/>
+        </p:style>
+        <p:txBody>
+          <a:bodyPr rot="0" spcFirstLastPara="1" vertOverflow="overflow" horzOverflow="overflow" vert="horz" wrap="none" lIns="50800" tIns="50800" rIns="50800" bIns="50800" numCol="1" spcCol="38100" rtlCol="0" anchor="ctr">
+            <a:spAutoFit/>
+          </a:bodyPr>
+          <a:lstStyle/>
+          <a:p>
+            <a:pPr marL="0" marR="0" indent="0" algn="ctr" defTabSz="2438338" rtl="0" fontAlgn="auto" latinLnBrk="0" hangingPunct="0">
+              <a:lnSpc>
+                <a:spcPct val="100000"/>
+              </a:lnSpc>
+              <a:spcBef>
+                <a:spcPts val="0"/>
+              </a:spcBef>
+              <a:spcAft>
+                <a:spcPts val="0"/>
+              </a:spcAft>
+              <a:buClrTx/>
+              <a:buSzTx/>
+              <a:buFontTx/>
+              <a:buNone/>
+              <a:tabLst/>
+            </a:pPr>
+            <a:r>
+              <a:rPr kumimoji="0" lang="en-US" sz="2400" b="0" i="0" u="none" strike="noStrike" cap="none" spc="0" normalizeH="0" baseline="0" dirty="0">
+                <a:ln>
+                  <a:noFill/>
+                </a:ln>
+                <a:solidFill>
+                  <a:srgbClr val="5E5E5E"/>
+                </a:solidFill>
+                <a:effectLst/>
+                <a:uFillTx/>
+                <a:latin typeface="+mn-lt"/>
+                <a:ea typeface="+mn-ea"/>
+                <a:cs typeface="+mn-cs"/>
+                <a:sym typeface="Helvetica Neue"/>
+              </a:rPr>
+              <a:t>1</a:t>
+            </a:r>
+          </a:p>
+        </p:txBody>
+      </p:sp>
     </p:spTree>
     <p:extLst>
       <p:ext uri="{BB962C8B-B14F-4D97-AF65-F5344CB8AC3E}">
